--- a/assets/slides/fa22/03-Loops.pptx
+++ b/assets/slides/fa22/03-Loops.pptx
@@ -5,39 +5,42 @@
     <p:sldMasterId id="2147484001" r:id="rId1"/>
   </p:sldMasterIdLst>
   <p:notesMasterIdLst>
-    <p:notesMasterId r:id="rId29"/>
+    <p:notesMasterId r:id="rId32"/>
   </p:notesMasterIdLst>
   <p:handoutMasterIdLst>
-    <p:handoutMasterId r:id="rId30"/>
+    <p:handoutMasterId r:id="rId33"/>
   </p:handoutMasterIdLst>
   <p:sldIdLst>
     <p:sldId id="396" r:id="rId2"/>
-    <p:sldId id="385" r:id="rId3"/>
-    <p:sldId id="371" r:id="rId4"/>
-    <p:sldId id="391" r:id="rId5"/>
-    <p:sldId id="390" r:id="rId6"/>
-    <p:sldId id="397" r:id="rId7"/>
-    <p:sldId id="398" r:id="rId8"/>
-    <p:sldId id="378" r:id="rId9"/>
-    <p:sldId id="399" r:id="rId10"/>
-    <p:sldId id="377" r:id="rId11"/>
-    <p:sldId id="379" r:id="rId12"/>
-    <p:sldId id="386" r:id="rId13"/>
-    <p:sldId id="392" r:id="rId14"/>
-    <p:sldId id="400" r:id="rId15"/>
-    <p:sldId id="367" r:id="rId16"/>
-    <p:sldId id="402" r:id="rId17"/>
-    <p:sldId id="287" r:id="rId18"/>
-    <p:sldId id="293" r:id="rId19"/>
-    <p:sldId id="266" r:id="rId20"/>
-    <p:sldId id="289" r:id="rId21"/>
-    <p:sldId id="265" r:id="rId22"/>
-    <p:sldId id="288" r:id="rId23"/>
-    <p:sldId id="401" r:id="rId24"/>
-    <p:sldId id="403" r:id="rId25"/>
-    <p:sldId id="366" r:id="rId26"/>
-    <p:sldId id="404" r:id="rId27"/>
-    <p:sldId id="384" r:id="rId28"/>
+    <p:sldId id="406" r:id="rId3"/>
+    <p:sldId id="405" r:id="rId4"/>
+    <p:sldId id="371" r:id="rId5"/>
+    <p:sldId id="399" r:id="rId6"/>
+    <p:sldId id="407" r:id="rId7"/>
+    <p:sldId id="408" r:id="rId8"/>
+    <p:sldId id="391" r:id="rId9"/>
+    <p:sldId id="390" r:id="rId10"/>
+    <p:sldId id="409" r:id="rId11"/>
+    <p:sldId id="378" r:id="rId12"/>
+    <p:sldId id="398" r:id="rId13"/>
+    <p:sldId id="386" r:id="rId14"/>
+    <p:sldId id="377" r:id="rId15"/>
+    <p:sldId id="379" r:id="rId16"/>
+    <p:sldId id="392" r:id="rId17"/>
+    <p:sldId id="400" r:id="rId18"/>
+    <p:sldId id="367" r:id="rId19"/>
+    <p:sldId id="402" r:id="rId20"/>
+    <p:sldId id="287" r:id="rId21"/>
+    <p:sldId id="293" r:id="rId22"/>
+    <p:sldId id="266" r:id="rId23"/>
+    <p:sldId id="289" r:id="rId24"/>
+    <p:sldId id="265" r:id="rId25"/>
+    <p:sldId id="288" r:id="rId26"/>
+    <p:sldId id="401" r:id="rId27"/>
+    <p:sldId id="403" r:id="rId28"/>
+    <p:sldId id="366" r:id="rId29"/>
+    <p:sldId id="404" r:id="rId30"/>
+    <p:sldId id="384" r:id="rId31"/>
   </p:sldIdLst>
   <p:sldSz cx="12192000" cy="6858000"/>
   <p:notesSz cx="6997700" cy="9194800"/>
@@ -704,14 +707,14 @@
           </a:ln>
           <a:extLst>
             <a:ext uri="{909E8E84-426E-40dd-AFC4-6F175D3DCCD1}">
-              <a14:hiddenFill xmlns="" xmlns:a14="http://schemas.microsoft.com/office/drawing/2010/main">
+              <a14:hiddenFill xmlns:a14="http://schemas.microsoft.com/office/drawing/2010/main" xmlns="">
                 <a:solidFill>
                   <a:srgbClr val="FFFFFF"/>
                 </a:solidFill>
               </a14:hiddenFill>
             </a:ext>
             <a:ext uri="{91240B29-F687-4f45-9708-019B960494DF}">
-              <a14:hiddenLine xmlns="" xmlns:a14="http://schemas.microsoft.com/office/drawing/2010/main" w="9525">
+              <a14:hiddenLine xmlns:a14="http://schemas.microsoft.com/office/drawing/2010/main" xmlns="" w="9525">
                 <a:solidFill>
                   <a:srgbClr val="000000"/>
                 </a:solidFill>
@@ -779,14 +782,14 @@
           </a:ln>
           <a:extLst>
             <a:ext uri="{909E8E84-426E-40dd-AFC4-6F175D3DCCD1}">
-              <a14:hiddenFill xmlns="" xmlns:a14="http://schemas.microsoft.com/office/drawing/2010/main">
+              <a14:hiddenFill xmlns:a14="http://schemas.microsoft.com/office/drawing/2010/main" xmlns="">
                 <a:solidFill>
                   <a:srgbClr val="FFFFFF"/>
                 </a:solidFill>
               </a14:hiddenFill>
             </a:ext>
             <a:ext uri="{FAA26D3D-D897-4be2-8F04-BA451C77F1D7}">
-              <ma14:placeholderFlag xmlns="" xmlns:ma14="http://schemas.microsoft.com/office/mac/drawingml/2011/main" val="1"/>
+              <ma14:placeholderFlag xmlns:ma14="http://schemas.microsoft.com/office/mac/drawingml/2011/main" xmlns="" val="1"/>
             </a:ext>
           </a:extLst>
         </p:spPr>
@@ -1043,14 +1046,14 @@
           <a:ln/>
           <a:extLst>
             <a:ext uri="{909E8E84-426E-40dd-AFC4-6F175D3DCCD1}">
-              <a14:hiddenFill xmlns:a14="http://schemas.microsoft.com/office/drawing/2010/main" xmlns="">
+              <a14:hiddenFill xmlns="" xmlns:a14="http://schemas.microsoft.com/office/drawing/2010/main">
                 <a:solidFill>
                   <a:srgbClr val="FFFFFF"/>
                 </a:solidFill>
               </a14:hiddenFill>
             </a:ext>
             <a:ext uri="{91240B29-F687-4f45-9708-019B960494DF}">
-              <a14:hiddenLine xmlns:a14="http://schemas.microsoft.com/office/drawing/2010/main" xmlns="" w="9525">
+              <a14:hiddenLine xmlns="" xmlns:a14="http://schemas.microsoft.com/office/drawing/2010/main" w="9525">
                 <a:solidFill>
                   <a:srgbClr val="000000"/>
                 </a:solidFill>
@@ -1218,14 +1221,14 @@
           <a:ln/>
           <a:extLst>
             <a:ext uri="{909E8E84-426E-40dd-AFC4-6F175D3DCCD1}">
-              <a14:hiddenFill xmlns:a14="http://schemas.microsoft.com/office/drawing/2010/main" xmlns="">
+              <a14:hiddenFill xmlns="" xmlns:a14="http://schemas.microsoft.com/office/drawing/2010/main">
                 <a:solidFill>
                   <a:srgbClr val="FFFFFF"/>
                 </a:solidFill>
               </a14:hiddenFill>
             </a:ext>
             <a:ext uri="{91240B29-F687-4f45-9708-019B960494DF}">
-              <a14:hiddenLine xmlns:a14="http://schemas.microsoft.com/office/drawing/2010/main" xmlns="" w="9525">
+              <a14:hiddenLine xmlns="" xmlns:a14="http://schemas.microsoft.com/office/drawing/2010/main" w="9525">
                 <a:solidFill>
                   <a:srgbClr val="000000"/>
                 </a:solidFill>
@@ -1235,7 +1238,7 @@
               </a14:hiddenLine>
             </a:ext>
             <a:ext uri="{FAA26D3D-D897-4be2-8F04-BA451C77F1D7}">
-              <ma14:placeholderFlag xmlns:ma14="http://schemas.microsoft.com/office/mac/drawingml/2011/main" xmlns="" val="1"/>
+              <ma14:placeholderFlag xmlns="" xmlns:ma14="http://schemas.microsoft.com/office/mac/drawingml/2011/main" val="1"/>
             </a:ext>
           </a:extLst>
         </p:spPr>
@@ -1255,6 +1258,101 @@
     <p:extLst>
       <p:ext uri="{BB962C8B-B14F-4D97-AF65-F5344CB8AC3E}">
         <p14:creationId xmlns:p14="http://schemas.microsoft.com/office/powerpoint/2010/main" val="76426466"/>
+      </p:ext>
+    </p:extLst>
+  </p:cSld>
+  <p:clrMapOvr>
+    <a:masterClrMapping/>
+  </p:clrMapOvr>
+</p:notes>
+</file>
+
+<file path=ppt/notesSlides/notesSlide10.xml><?xml version="1.0" encoding="utf-8"?>
+<p:notes xmlns:a="http://schemas.openxmlformats.org/drawingml/2006/main" xmlns:r="http://schemas.openxmlformats.org/officeDocument/2006/relationships" xmlns:p="http://schemas.openxmlformats.org/presentationml/2006/main">
+  <p:cSld>
+    <p:spTree>
+      <p:nvGrpSpPr>
+        <p:cNvPr id="1" name=""/>
+        <p:cNvGrpSpPr/>
+        <p:nvPr/>
+      </p:nvGrpSpPr>
+      <p:grpSpPr>
+        <a:xfrm>
+          <a:off x="0" y="0"/>
+          <a:ext cx="0" cy="0"/>
+          <a:chOff x="0" y="0"/>
+          <a:chExt cx="0" cy="0"/>
+        </a:xfrm>
+      </p:grpSpPr>
+      <p:sp>
+        <p:nvSpPr>
+          <p:cNvPr id="2" name="Slide Image Placeholder 1"/>
+          <p:cNvSpPr>
+            <a:spLocks noGrp="1" noRot="1" noChangeAspect="1"/>
+          </p:cNvSpPr>
+          <p:nvPr>
+            <p:ph type="sldImg"/>
+          </p:nvPr>
+        </p:nvSpPr>
+        <p:spPr>
+          <a:xfrm>
+            <a:off x="777875" y="882650"/>
+            <a:ext cx="5441950" cy="3062288"/>
+          </a:xfrm>
+        </p:spPr>
+      </p:sp>
+      <p:sp>
+        <p:nvSpPr>
+          <p:cNvPr id="3" name="Notes Placeholder 2"/>
+          <p:cNvSpPr>
+            <a:spLocks noGrp="1"/>
+          </p:cNvSpPr>
+          <p:nvPr>
+            <p:ph type="body" idx="1"/>
+          </p:nvPr>
+        </p:nvSpPr>
+        <p:spPr/>
+        <p:txBody>
+          <a:bodyPr/>
+          <a:lstStyle/>
+          <a:p>
+            <a:endParaRPr lang="en-US" dirty="0"/>
+          </a:p>
+        </p:txBody>
+      </p:sp>
+      <p:sp>
+        <p:nvSpPr>
+          <p:cNvPr id="4" name="Slide Number Placeholder 3"/>
+          <p:cNvSpPr>
+            <a:spLocks noGrp="1"/>
+          </p:cNvSpPr>
+          <p:nvPr>
+            <p:ph type="sldNum" sz="quarter" idx="10"/>
+          </p:nvPr>
+        </p:nvSpPr>
+        <p:spPr/>
+        <p:txBody>
+          <a:bodyPr/>
+          <a:lstStyle/>
+          <a:p>
+            <a:pPr>
+              <a:defRPr/>
+            </a:pPr>
+            <a:fld id="{7DAEA246-AA45-9741-BAF0-58C69264CAE3}" type="slidenum">
+              <a:rPr lang="en-US" smtClean="0"/>
+              <a:pPr>
+                <a:defRPr/>
+              </a:pPr>
+              <a:t>28</a:t>
+            </a:fld>
+            <a:endParaRPr lang="en-US"/>
+          </a:p>
+        </p:txBody>
+      </p:sp>
+    </p:spTree>
+    <p:extLst>
+      <p:ext uri="{BB962C8B-B14F-4D97-AF65-F5344CB8AC3E}">
+        <p14:creationId xmlns:p14="http://schemas.microsoft.com/office/powerpoint/2010/main" val="3042961674"/>
       </p:ext>
     </p:extLst>
   </p:cSld>
@@ -1370,7 +1468,7 @@
               <a:pPr>
                 <a:defRPr/>
               </a:pPr>
-              <a:t>3</a:t>
+              <a:t>4</a:t>
             </a:fld>
             <a:endParaRPr lang="en-US"/>
           </a:p>
@@ -1421,14 +1519,14 @@
           <a:ln/>
           <a:extLst>
             <a:ext uri="{909E8E84-426E-40dd-AFC4-6F175D3DCCD1}">
-              <a14:hiddenFill xmlns="" xmlns:a14="http://schemas.microsoft.com/office/drawing/2010/main">
+              <a14:hiddenFill xmlns:a14="http://schemas.microsoft.com/office/drawing/2010/main" xmlns="">
                 <a:solidFill>
                   <a:srgbClr val="FFFFFF"/>
                 </a:solidFill>
               </a14:hiddenFill>
             </a:ext>
             <a:ext uri="{91240B29-F687-4f45-9708-019B960494DF}">
-              <a14:hiddenLine xmlns="" xmlns:a14="http://schemas.microsoft.com/office/drawing/2010/main" w="9525">
+              <a14:hiddenLine xmlns:a14="http://schemas.microsoft.com/office/drawing/2010/main" xmlns="" w="9525">
                 <a:solidFill>
                   <a:srgbClr val="000000"/>
                 </a:solidFill>
@@ -1555,7 +1653,7 @@
                 <a:latin typeface="Times New Roman" charset="0"/>
               </a:rPr>
               <a:pPr/>
-              <a:t>4</a:t>
+              <a:t>5</a:t>
             </a:fld>
             <a:endParaRPr lang="en-US" sz="900">
               <a:latin typeface="Times New Roman" charset="0"/>
@@ -1596,14 +1694,14 @@
           <a:ln/>
           <a:extLst>
             <a:ext uri="{909E8E84-426E-40dd-AFC4-6F175D3DCCD1}">
-              <a14:hiddenFill xmlns="" xmlns:a14="http://schemas.microsoft.com/office/drawing/2010/main">
+              <a14:hiddenFill xmlns:a14="http://schemas.microsoft.com/office/drawing/2010/main" xmlns="">
                 <a:solidFill>
                   <a:srgbClr val="FFFFFF"/>
                 </a:solidFill>
               </a14:hiddenFill>
             </a:ext>
             <a:ext uri="{91240B29-F687-4f45-9708-019B960494DF}">
-              <a14:hiddenLine xmlns="" xmlns:a14="http://schemas.microsoft.com/office/drawing/2010/main" w="9525">
+              <a14:hiddenLine xmlns:a14="http://schemas.microsoft.com/office/drawing/2010/main" xmlns="" w="9525">
                 <a:solidFill>
                   <a:srgbClr val="000000"/>
                 </a:solidFill>
@@ -1613,7 +1711,7 @@
               </a14:hiddenLine>
             </a:ext>
             <a:ext uri="{FAA26D3D-D897-4be2-8F04-BA451C77F1D7}">
-              <ma14:placeholderFlag xmlns="" xmlns:ma14="http://schemas.microsoft.com/office/mac/drawingml/2011/main" val="1"/>
+              <ma14:placeholderFlag xmlns:ma14="http://schemas.microsoft.com/office/mac/drawingml/2011/main" xmlns="" val="1"/>
             </a:ext>
           </a:extLst>
         </p:spPr>
@@ -1632,7 +1730,7 @@
     </p:spTree>
     <p:extLst>
       <p:ext uri="{BB962C8B-B14F-4D97-AF65-F5344CB8AC3E}">
-        <p14:creationId xmlns:p14="http://schemas.microsoft.com/office/powerpoint/2010/main" val="3708743070"/>
+        <p14:creationId xmlns:p14="http://schemas.microsoft.com/office/powerpoint/2010/main" val="873623121"/>
       </p:ext>
     </p:extLst>
   </p:cSld>
@@ -1661,96 +1759,6 @@
       </p:grpSpPr>
       <p:sp>
         <p:nvSpPr>
-          <p:cNvPr id="2" name="Slide Image Placeholder 1"/>
-          <p:cNvSpPr>
-            <a:spLocks noGrp="1" noRot="1" noChangeAspect="1"/>
-          </p:cNvSpPr>
-          <p:nvPr>
-            <p:ph type="sldImg"/>
-          </p:nvPr>
-        </p:nvSpPr>
-        <p:spPr/>
-      </p:sp>
-      <p:sp>
-        <p:nvSpPr>
-          <p:cNvPr id="3" name="Notes Placeholder 2"/>
-          <p:cNvSpPr>
-            <a:spLocks noGrp="1"/>
-          </p:cNvSpPr>
-          <p:nvPr>
-            <p:ph type="body" idx="1"/>
-          </p:nvPr>
-        </p:nvSpPr>
-        <p:spPr/>
-        <p:txBody>
-          <a:bodyPr/>
-          <a:lstStyle/>
-          <a:p>
-            <a:endParaRPr lang="en-US" dirty="0"/>
-          </a:p>
-        </p:txBody>
-      </p:sp>
-      <p:sp>
-        <p:nvSpPr>
-          <p:cNvPr id="4" name="Slide Number Placeholder 3"/>
-          <p:cNvSpPr>
-            <a:spLocks noGrp="1"/>
-          </p:cNvSpPr>
-          <p:nvPr>
-            <p:ph type="sldNum" sz="quarter" idx="5"/>
-          </p:nvPr>
-        </p:nvSpPr>
-        <p:spPr/>
-        <p:txBody>
-          <a:bodyPr/>
-          <a:lstStyle/>
-          <a:p>
-            <a:pPr>
-              <a:defRPr/>
-            </a:pPr>
-            <a:fld id="{7DAEA246-AA45-9741-BAF0-58C69264CAE3}" type="slidenum">
-              <a:rPr lang="en-US" smtClean="0"/>
-              <a:pPr>
-                <a:defRPr/>
-              </a:pPr>
-              <a:t>8</a:t>
-            </a:fld>
-            <a:endParaRPr lang="en-US"/>
-          </a:p>
-        </p:txBody>
-      </p:sp>
-    </p:spTree>
-    <p:extLst>
-      <p:ext uri="{BB962C8B-B14F-4D97-AF65-F5344CB8AC3E}">
-        <p14:creationId xmlns:p14="http://schemas.microsoft.com/office/powerpoint/2010/main" val="2909599151"/>
-      </p:ext>
-    </p:extLst>
-  </p:cSld>
-  <p:clrMapOvr>
-    <a:masterClrMapping/>
-  </p:clrMapOvr>
-</p:notes>
-</file>
-
-<file path=ppt/notesSlides/notesSlide5.xml><?xml version="1.0" encoding="utf-8"?>
-<p:notes xmlns:a="http://schemas.openxmlformats.org/drawingml/2006/main" xmlns:r="http://schemas.openxmlformats.org/officeDocument/2006/relationships" xmlns:p="http://schemas.openxmlformats.org/presentationml/2006/main">
-  <p:cSld>
-    <p:spTree>
-      <p:nvGrpSpPr>
-        <p:cNvPr id="1" name=""/>
-        <p:cNvGrpSpPr/>
-        <p:nvPr/>
-      </p:nvGrpSpPr>
-      <p:grpSpPr>
-        <a:xfrm>
-          <a:off x="0" y="0"/>
-          <a:ext cx="0" cy="0"/>
-          <a:chOff x="0" y="0"/>
-          <a:chExt cx="0" cy="0"/>
-        </a:xfrm>
-      </p:grpSpPr>
-      <p:sp>
-        <p:nvSpPr>
           <p:cNvPr id="18433" name="Rectangle 5"/>
           <p:cNvSpPr>
             <a:spLocks noGrp="1" noChangeArrowheads="1"/>
@@ -1764,14 +1772,14 @@
           <a:ln/>
           <a:extLst>
             <a:ext uri="{909E8E84-426E-40dd-AFC4-6F175D3DCCD1}">
-              <a14:hiddenFill xmlns="" xmlns:a14="http://schemas.microsoft.com/office/drawing/2010/main">
+              <a14:hiddenFill xmlns:a14="http://schemas.microsoft.com/office/drawing/2010/main" xmlns="">
                 <a:solidFill>
                   <a:srgbClr val="FFFFFF"/>
                 </a:solidFill>
               </a14:hiddenFill>
             </a:ext>
             <a:ext uri="{91240B29-F687-4f45-9708-019B960494DF}">
-              <a14:hiddenLine xmlns="" xmlns:a14="http://schemas.microsoft.com/office/drawing/2010/main" w="9525">
+              <a14:hiddenLine xmlns:a14="http://schemas.microsoft.com/office/drawing/2010/main" xmlns="" w="9525">
                 <a:solidFill>
                   <a:srgbClr val="000000"/>
                 </a:solidFill>
@@ -1898,7 +1906,7 @@
                 <a:latin typeface="Times New Roman" charset="0"/>
               </a:rPr>
               <a:pPr/>
-              <a:t>13</a:t>
+              <a:t>8</a:t>
             </a:fld>
             <a:endParaRPr lang="en-US" sz="900">
               <a:latin typeface="Times New Roman" charset="0"/>
@@ -1939,14 +1947,14 @@
           <a:ln/>
           <a:extLst>
             <a:ext uri="{909E8E84-426E-40dd-AFC4-6F175D3DCCD1}">
-              <a14:hiddenFill xmlns="" xmlns:a14="http://schemas.microsoft.com/office/drawing/2010/main">
+              <a14:hiddenFill xmlns:a14="http://schemas.microsoft.com/office/drawing/2010/main" xmlns="">
                 <a:solidFill>
                   <a:srgbClr val="FFFFFF"/>
                 </a:solidFill>
               </a14:hiddenFill>
             </a:ext>
             <a:ext uri="{91240B29-F687-4f45-9708-019B960494DF}">
-              <a14:hiddenLine xmlns="" xmlns:a14="http://schemas.microsoft.com/office/drawing/2010/main" w="9525">
+              <a14:hiddenLine xmlns:a14="http://schemas.microsoft.com/office/drawing/2010/main" xmlns="" w="9525">
                 <a:solidFill>
                   <a:srgbClr val="000000"/>
                 </a:solidFill>
@@ -1956,7 +1964,7 @@
               </a14:hiddenLine>
             </a:ext>
             <a:ext uri="{FAA26D3D-D897-4be2-8F04-BA451C77F1D7}">
-              <ma14:placeholderFlag xmlns="" xmlns:ma14="http://schemas.microsoft.com/office/mac/drawingml/2011/main" val="1"/>
+              <ma14:placeholderFlag xmlns:ma14="http://schemas.microsoft.com/office/mac/drawingml/2011/main" xmlns="" val="1"/>
             </a:ext>
           </a:extLst>
         </p:spPr>
@@ -1975,7 +1983,97 @@
     </p:spTree>
     <p:extLst>
       <p:ext uri="{BB962C8B-B14F-4D97-AF65-F5344CB8AC3E}">
-        <p14:creationId xmlns:p14="http://schemas.microsoft.com/office/powerpoint/2010/main" val="3416519290"/>
+        <p14:creationId xmlns:p14="http://schemas.microsoft.com/office/powerpoint/2010/main" val="3708743070"/>
+      </p:ext>
+    </p:extLst>
+  </p:cSld>
+  <p:clrMapOvr>
+    <a:masterClrMapping/>
+  </p:clrMapOvr>
+</p:notes>
+</file>
+
+<file path=ppt/notesSlides/notesSlide5.xml><?xml version="1.0" encoding="utf-8"?>
+<p:notes xmlns:a="http://schemas.openxmlformats.org/drawingml/2006/main" xmlns:r="http://schemas.openxmlformats.org/officeDocument/2006/relationships" xmlns:p="http://schemas.openxmlformats.org/presentationml/2006/main">
+  <p:cSld>
+    <p:spTree>
+      <p:nvGrpSpPr>
+        <p:cNvPr id="1" name=""/>
+        <p:cNvGrpSpPr/>
+        <p:nvPr/>
+      </p:nvGrpSpPr>
+      <p:grpSpPr>
+        <a:xfrm>
+          <a:off x="0" y="0"/>
+          <a:ext cx="0" cy="0"/>
+          <a:chOff x="0" y="0"/>
+          <a:chExt cx="0" cy="0"/>
+        </a:xfrm>
+      </p:grpSpPr>
+      <p:sp>
+        <p:nvSpPr>
+          <p:cNvPr id="2" name="Slide Image Placeholder 1"/>
+          <p:cNvSpPr>
+            <a:spLocks noGrp="1" noRot="1" noChangeAspect="1"/>
+          </p:cNvSpPr>
+          <p:nvPr>
+            <p:ph type="sldImg"/>
+          </p:nvPr>
+        </p:nvSpPr>
+        <p:spPr/>
+      </p:sp>
+      <p:sp>
+        <p:nvSpPr>
+          <p:cNvPr id="3" name="Notes Placeholder 2"/>
+          <p:cNvSpPr>
+            <a:spLocks noGrp="1"/>
+          </p:cNvSpPr>
+          <p:nvPr>
+            <p:ph type="body" idx="1"/>
+          </p:nvPr>
+        </p:nvSpPr>
+        <p:spPr/>
+        <p:txBody>
+          <a:bodyPr/>
+          <a:lstStyle/>
+          <a:p>
+            <a:endParaRPr lang="en-US" dirty="0"/>
+          </a:p>
+        </p:txBody>
+      </p:sp>
+      <p:sp>
+        <p:nvSpPr>
+          <p:cNvPr id="4" name="Slide Number Placeholder 3"/>
+          <p:cNvSpPr>
+            <a:spLocks noGrp="1"/>
+          </p:cNvSpPr>
+          <p:nvPr>
+            <p:ph type="sldNum" sz="quarter" idx="5"/>
+          </p:nvPr>
+        </p:nvSpPr>
+        <p:spPr/>
+        <p:txBody>
+          <a:bodyPr/>
+          <a:lstStyle/>
+          <a:p>
+            <a:pPr>
+              <a:defRPr/>
+            </a:pPr>
+            <a:fld id="{7DAEA246-AA45-9741-BAF0-58C69264CAE3}" type="slidenum">
+              <a:rPr lang="en-US" smtClean="0"/>
+              <a:pPr>
+                <a:defRPr/>
+              </a:pPr>
+              <a:t>11</a:t>
+            </a:fld>
+            <a:endParaRPr lang="en-US"/>
+          </a:p>
+        </p:txBody>
+      </p:sp>
+    </p:spTree>
+    <p:extLst>
+      <p:ext uri="{BB962C8B-B14F-4D97-AF65-F5344CB8AC3E}">
+        <p14:creationId xmlns:p14="http://schemas.microsoft.com/office/powerpoint/2010/main" val="2909599151"/>
       </p:ext>
     </p:extLst>
   </p:cSld>
@@ -2004,249 +2102,6 @@
       </p:grpSpPr>
       <p:sp>
         <p:nvSpPr>
-          <p:cNvPr id="189" name="TextShape 1"/>
-          <p:cNvSpPr txBox="1"/>
-          <p:nvPr/>
-        </p:nvSpPr>
-        <p:spPr>
-          <a:xfrm>
-            <a:off x="3983040" y="8763120"/>
-            <a:ext cx="3038040" cy="409320"/>
-          </a:xfrm>
-          <a:prstGeom prst="rect">
-            <a:avLst/>
-          </a:prstGeom>
-          <a:noFill/>
-          <a:ln>
-            <a:noFill/>
-          </a:ln>
-        </p:spPr>
-        <p:txBody>
-          <a:bodyPr lIns="17280" tIns="0" rIns="17280" bIns="0" anchor="b"/>
-          <a:lstStyle/>
-          <a:p>
-            <a:pPr>
-              <a:lnSpc>
-                <a:spcPct val="100000"/>
-              </a:lnSpc>
-            </a:pPr>
-            <a:fld id="{0DFD83B9-9663-45A3-A75D-FB9D87875DE1}" type="slidenum">
-              <a:rPr lang="en-US" sz="900" b="0" strike="noStrike" spc="-1">
-                <a:solidFill>
-                  <a:srgbClr val="000000"/>
-                </a:solidFill>
-                <a:uFill>
-                  <a:solidFill>
-                    <a:srgbClr val="FFFFFF"/>
-                  </a:solidFill>
-                </a:uFill>
-                <a:latin typeface="Times New Roman"/>
-                <a:ea typeface="ＭＳ Ｐゴシック"/>
-              </a:rPr>
-              <a:t>17</a:t>
-            </a:fld>
-            <a:endParaRPr lang="en-US" sz="2400" b="0" strike="noStrike" spc="-1">
-              <a:solidFill>
-                <a:srgbClr val="000000"/>
-              </a:solidFill>
-              <a:uFill>
-                <a:solidFill>
-                  <a:srgbClr val="FFFFFF"/>
-                </a:solidFill>
-              </a:uFill>
-              <a:latin typeface="Times New Roman"/>
-            </a:endParaRPr>
-          </a:p>
-        </p:txBody>
-      </p:sp>
-      <p:sp>
-        <p:nvSpPr>
-          <p:cNvPr id="190" name="PlaceHolder 2"/>
-          <p:cNvSpPr>
-            <a:spLocks noGrp="1"/>
-          </p:cNvSpPr>
-          <p:nvPr>
-            <p:ph type="body"/>
-          </p:nvPr>
-        </p:nvSpPr>
-        <p:spPr>
-          <a:xfrm>
-            <a:off x="933480" y="4367160"/>
-            <a:ext cx="5130360" cy="4136760"/>
-          </a:xfrm>
-          <a:prstGeom prst="rect">
-            <a:avLst/>
-          </a:prstGeom>
-        </p:spPr>
-        <p:txBody>
-          <a:bodyPr lIns="92880" rIns="92880"/>
-          <a:lstStyle/>
-          <a:p>
-            <a:endParaRPr lang="en-US" sz="2000" b="0" strike="noStrike" spc="-1" dirty="0">
-              <a:solidFill>
-                <a:srgbClr val="000000"/>
-              </a:solidFill>
-              <a:uFill>
-                <a:solidFill>
-                  <a:srgbClr val="FFFFFF"/>
-                </a:solidFill>
-              </a:uFill>
-              <a:latin typeface="Arial"/>
-            </a:endParaRPr>
-          </a:p>
-        </p:txBody>
-      </p:sp>
-    </p:spTree>
-    <p:extLst>
-      <p:ext uri="{BB962C8B-B14F-4D97-AF65-F5344CB8AC3E}">
-        <p14:creationId xmlns:p14="http://schemas.microsoft.com/office/powerpoint/2010/main" val="3805064127"/>
-      </p:ext>
-    </p:extLst>
-  </p:cSld>
-  <p:clrMapOvr>
-    <a:masterClrMapping/>
-  </p:clrMapOvr>
-</p:notes>
-</file>
-
-<file path=ppt/notesSlides/notesSlide7.xml><?xml version="1.0" encoding="utf-8"?>
-<p:notes xmlns:a="http://schemas.openxmlformats.org/drawingml/2006/main" xmlns:r="http://schemas.openxmlformats.org/officeDocument/2006/relationships" xmlns:p="http://schemas.openxmlformats.org/presentationml/2006/main">
-  <p:cSld>
-    <p:spTree>
-      <p:nvGrpSpPr>
-        <p:cNvPr id="1" name=""/>
-        <p:cNvGrpSpPr/>
-        <p:nvPr/>
-      </p:nvGrpSpPr>
-      <p:grpSpPr>
-        <a:xfrm>
-          <a:off x="0" y="0"/>
-          <a:ext cx="0" cy="0"/>
-          <a:chOff x="0" y="0"/>
-          <a:chExt cx="0" cy="0"/>
-        </a:xfrm>
-      </p:grpSpPr>
-      <p:sp>
-        <p:nvSpPr>
-          <p:cNvPr id="2" name="Slide Image Placeholder 1"/>
-          <p:cNvSpPr>
-            <a:spLocks noGrp="1" noRot="1" noChangeAspect="1"/>
-          </p:cNvSpPr>
-          <p:nvPr>
-            <p:ph type="sldImg"/>
-          </p:nvPr>
-        </p:nvSpPr>
-        <p:spPr>
-          <a:xfrm>
-            <a:off x="739775" y="1149350"/>
-            <a:ext cx="5518150" cy="3103563"/>
-          </a:xfrm>
-          <a:prstGeom prst="rect">
-            <a:avLst/>
-          </a:prstGeom>
-          <a:noFill/>
-          <a:ln w="12700">
-            <a:solidFill>
-              <a:prstClr val="black"/>
-            </a:solidFill>
-          </a:ln>
-        </p:spPr>
-      </p:sp>
-      <p:sp>
-        <p:nvSpPr>
-          <p:cNvPr id="3" name="Notes Placeholder 2"/>
-          <p:cNvSpPr>
-            <a:spLocks noGrp="1"/>
-          </p:cNvSpPr>
-          <p:nvPr>
-            <p:ph type="body" idx="1"/>
-          </p:nvPr>
-        </p:nvSpPr>
-        <p:spPr/>
-        <p:txBody>
-          <a:bodyPr/>
-          <a:lstStyle/>
-          <a:p>
-            <a:endParaRPr lang="en-US"/>
-          </a:p>
-        </p:txBody>
-      </p:sp>
-      <p:sp>
-        <p:nvSpPr>
-          <p:cNvPr id="4" name="Slide Number Placeholder 3"/>
-          <p:cNvSpPr>
-            <a:spLocks noGrp="1"/>
-          </p:cNvSpPr>
-          <p:nvPr>
-            <p:ph type="sldNum"/>
-          </p:nvPr>
-        </p:nvSpPr>
-        <p:spPr/>
-        <p:txBody>
-          <a:bodyPr/>
-          <a:lstStyle/>
-          <a:p>
-            <a:pPr algn="r"/>
-            <a:fld id="{1E6A0497-FA14-4881-862A-AC8598D64A92}" type="slidenum">
-              <a:rPr lang="en-US" sz="1400" b="0" strike="noStrike" spc="-1" smtClean="0">
-                <a:solidFill>
-                  <a:srgbClr val="000000"/>
-                </a:solidFill>
-                <a:uFill>
-                  <a:solidFill>
-                    <a:srgbClr val="FFFFFF"/>
-                  </a:solidFill>
-                </a:uFill>
-                <a:latin typeface="Times New Roman"/>
-              </a:rPr>
-              <a:t>22</a:t>
-            </a:fld>
-            <a:endParaRPr lang="en-US" sz="1400" b="0" strike="noStrike" spc="-1">
-              <a:solidFill>
-                <a:srgbClr val="000000"/>
-              </a:solidFill>
-              <a:uFill>
-                <a:solidFill>
-                  <a:srgbClr val="FFFFFF"/>
-                </a:solidFill>
-              </a:uFill>
-              <a:latin typeface="Times New Roman"/>
-            </a:endParaRPr>
-          </a:p>
-        </p:txBody>
-      </p:sp>
-    </p:spTree>
-    <p:extLst>
-      <p:ext uri="{BB962C8B-B14F-4D97-AF65-F5344CB8AC3E}">
-        <p14:creationId xmlns:p14="http://schemas.microsoft.com/office/powerpoint/2010/main" val="780083127"/>
-      </p:ext>
-    </p:extLst>
-  </p:cSld>
-  <p:clrMapOvr>
-    <a:masterClrMapping/>
-  </p:clrMapOvr>
-</p:notes>
-</file>
-
-<file path=ppt/notesSlides/notesSlide8.xml><?xml version="1.0" encoding="utf-8"?>
-<p:notes xmlns:a="http://schemas.openxmlformats.org/drawingml/2006/main" xmlns:r="http://schemas.openxmlformats.org/officeDocument/2006/relationships" xmlns:p="http://schemas.openxmlformats.org/presentationml/2006/main">
-  <p:cSld>
-    <p:spTree>
-      <p:nvGrpSpPr>
-        <p:cNvPr id="1" name=""/>
-        <p:cNvGrpSpPr/>
-        <p:nvPr/>
-      </p:nvGrpSpPr>
-      <p:grpSpPr>
-        <a:xfrm>
-          <a:off x="0" y="0"/>
-          <a:ext cx="0" cy="0"/>
-          <a:chOff x="0" y="0"/>
-          <a:chExt cx="0" cy="0"/>
-        </a:xfrm>
-      </p:grpSpPr>
-      <p:sp>
-        <p:nvSpPr>
           <p:cNvPr id="18433" name="Rectangle 5"/>
           <p:cNvSpPr>
             <a:spLocks noGrp="1" noChangeArrowheads="1"/>
@@ -2260,14 +2115,14 @@
           <a:ln/>
           <a:extLst>
             <a:ext uri="{909E8E84-426E-40dd-AFC4-6F175D3DCCD1}">
-              <a14:hiddenFill xmlns="" xmlns:a14="http://schemas.microsoft.com/office/drawing/2010/main">
+              <a14:hiddenFill xmlns:a14="http://schemas.microsoft.com/office/drawing/2010/main" xmlns="">
                 <a:solidFill>
                   <a:srgbClr val="FFFFFF"/>
                 </a:solidFill>
               </a14:hiddenFill>
             </a:ext>
             <a:ext uri="{91240B29-F687-4f45-9708-019B960494DF}">
-              <a14:hiddenLine xmlns="" xmlns:a14="http://schemas.microsoft.com/office/drawing/2010/main" w="9525">
+              <a14:hiddenLine xmlns:a14="http://schemas.microsoft.com/office/drawing/2010/main" xmlns="" w="9525">
                 <a:solidFill>
                   <a:srgbClr val="000000"/>
                 </a:solidFill>
@@ -2394,7 +2249,7 @@
                 <a:latin typeface="Times New Roman" charset="0"/>
               </a:rPr>
               <a:pPr/>
-              <a:t>23</a:t>
+              <a:t>16</a:t>
             </a:fld>
             <a:endParaRPr lang="en-US" sz="900">
               <a:latin typeface="Times New Roman" charset="0"/>
@@ -2435,14 +2290,14 @@
           <a:ln/>
           <a:extLst>
             <a:ext uri="{909E8E84-426E-40dd-AFC4-6F175D3DCCD1}">
-              <a14:hiddenFill xmlns="" xmlns:a14="http://schemas.microsoft.com/office/drawing/2010/main">
+              <a14:hiddenFill xmlns:a14="http://schemas.microsoft.com/office/drawing/2010/main" xmlns="">
                 <a:solidFill>
                   <a:srgbClr val="FFFFFF"/>
                 </a:solidFill>
               </a14:hiddenFill>
             </a:ext>
             <a:ext uri="{91240B29-F687-4f45-9708-019B960494DF}">
-              <a14:hiddenLine xmlns="" xmlns:a14="http://schemas.microsoft.com/office/drawing/2010/main" w="9525">
+              <a14:hiddenLine xmlns:a14="http://schemas.microsoft.com/office/drawing/2010/main" xmlns="" w="9525">
                 <a:solidFill>
                   <a:srgbClr val="000000"/>
                 </a:solidFill>
@@ -2452,7 +2307,7 @@
               </a14:hiddenLine>
             </a:ext>
             <a:ext uri="{FAA26D3D-D897-4be2-8F04-BA451C77F1D7}">
-              <ma14:placeholderFlag xmlns="" xmlns:ma14="http://schemas.microsoft.com/office/mac/drawingml/2011/main" val="1"/>
+              <ma14:placeholderFlag xmlns:ma14="http://schemas.microsoft.com/office/mac/drawingml/2011/main" xmlns="" val="1"/>
             </a:ext>
           </a:extLst>
         </p:spPr>
@@ -2471,7 +2326,250 @@
     </p:spTree>
     <p:extLst>
       <p:ext uri="{BB962C8B-B14F-4D97-AF65-F5344CB8AC3E}">
-        <p14:creationId xmlns:p14="http://schemas.microsoft.com/office/powerpoint/2010/main" val="1891070338"/>
+        <p14:creationId xmlns:p14="http://schemas.microsoft.com/office/powerpoint/2010/main" val="3416519290"/>
+      </p:ext>
+    </p:extLst>
+  </p:cSld>
+  <p:clrMapOvr>
+    <a:masterClrMapping/>
+  </p:clrMapOvr>
+</p:notes>
+</file>
+
+<file path=ppt/notesSlides/notesSlide7.xml><?xml version="1.0" encoding="utf-8"?>
+<p:notes xmlns:a="http://schemas.openxmlformats.org/drawingml/2006/main" xmlns:r="http://schemas.openxmlformats.org/officeDocument/2006/relationships" xmlns:p="http://schemas.openxmlformats.org/presentationml/2006/main">
+  <p:cSld>
+    <p:spTree>
+      <p:nvGrpSpPr>
+        <p:cNvPr id="1" name=""/>
+        <p:cNvGrpSpPr/>
+        <p:nvPr/>
+      </p:nvGrpSpPr>
+      <p:grpSpPr>
+        <a:xfrm>
+          <a:off x="0" y="0"/>
+          <a:ext cx="0" cy="0"/>
+          <a:chOff x="0" y="0"/>
+          <a:chExt cx="0" cy="0"/>
+        </a:xfrm>
+      </p:grpSpPr>
+      <p:sp>
+        <p:nvSpPr>
+          <p:cNvPr id="189" name="TextShape 1"/>
+          <p:cNvSpPr txBox="1"/>
+          <p:nvPr/>
+        </p:nvSpPr>
+        <p:spPr>
+          <a:xfrm>
+            <a:off x="3983040" y="8763120"/>
+            <a:ext cx="3038040" cy="409320"/>
+          </a:xfrm>
+          <a:prstGeom prst="rect">
+            <a:avLst/>
+          </a:prstGeom>
+          <a:noFill/>
+          <a:ln>
+            <a:noFill/>
+          </a:ln>
+        </p:spPr>
+        <p:txBody>
+          <a:bodyPr lIns="17280" tIns="0" rIns="17280" bIns="0" anchor="b"/>
+          <a:lstStyle/>
+          <a:p>
+            <a:pPr>
+              <a:lnSpc>
+                <a:spcPct val="100000"/>
+              </a:lnSpc>
+            </a:pPr>
+            <a:fld id="{0DFD83B9-9663-45A3-A75D-FB9D87875DE1}" type="slidenum">
+              <a:rPr lang="en-US" sz="900" b="0" strike="noStrike" spc="-1">
+                <a:solidFill>
+                  <a:srgbClr val="000000"/>
+                </a:solidFill>
+                <a:uFill>
+                  <a:solidFill>
+                    <a:srgbClr val="FFFFFF"/>
+                  </a:solidFill>
+                </a:uFill>
+                <a:latin typeface="Times New Roman"/>
+                <a:ea typeface="ＭＳ Ｐゴシック"/>
+              </a:rPr>
+              <a:t>20</a:t>
+            </a:fld>
+            <a:endParaRPr lang="en-US" sz="2400" b="0" strike="noStrike" spc="-1">
+              <a:solidFill>
+                <a:srgbClr val="000000"/>
+              </a:solidFill>
+              <a:uFill>
+                <a:solidFill>
+                  <a:srgbClr val="FFFFFF"/>
+                </a:solidFill>
+              </a:uFill>
+              <a:latin typeface="Times New Roman"/>
+            </a:endParaRPr>
+          </a:p>
+        </p:txBody>
+      </p:sp>
+      <p:sp>
+        <p:nvSpPr>
+          <p:cNvPr id="190" name="PlaceHolder 2"/>
+          <p:cNvSpPr>
+            <a:spLocks noGrp="1"/>
+          </p:cNvSpPr>
+          <p:nvPr>
+            <p:ph type="body"/>
+          </p:nvPr>
+        </p:nvSpPr>
+        <p:spPr>
+          <a:xfrm>
+            <a:off x="933480" y="4367160"/>
+            <a:ext cx="5130360" cy="4136760"/>
+          </a:xfrm>
+          <a:prstGeom prst="rect">
+            <a:avLst/>
+          </a:prstGeom>
+        </p:spPr>
+        <p:txBody>
+          <a:bodyPr lIns="92880" rIns="92880"/>
+          <a:lstStyle/>
+          <a:p>
+            <a:endParaRPr lang="en-US" sz="2000" b="0" strike="noStrike" spc="-1" dirty="0">
+              <a:solidFill>
+                <a:srgbClr val="000000"/>
+              </a:solidFill>
+              <a:uFill>
+                <a:solidFill>
+                  <a:srgbClr val="FFFFFF"/>
+                </a:solidFill>
+              </a:uFill>
+              <a:latin typeface="Arial"/>
+            </a:endParaRPr>
+          </a:p>
+        </p:txBody>
+      </p:sp>
+    </p:spTree>
+    <p:extLst>
+      <p:ext uri="{BB962C8B-B14F-4D97-AF65-F5344CB8AC3E}">
+        <p14:creationId xmlns:p14="http://schemas.microsoft.com/office/powerpoint/2010/main" val="3805064127"/>
+      </p:ext>
+    </p:extLst>
+  </p:cSld>
+  <p:clrMapOvr>
+    <a:masterClrMapping/>
+  </p:clrMapOvr>
+</p:notes>
+</file>
+
+<file path=ppt/notesSlides/notesSlide8.xml><?xml version="1.0" encoding="utf-8"?>
+<p:notes xmlns:a="http://schemas.openxmlformats.org/drawingml/2006/main" xmlns:r="http://schemas.openxmlformats.org/officeDocument/2006/relationships" xmlns:p="http://schemas.openxmlformats.org/presentationml/2006/main">
+  <p:cSld>
+    <p:spTree>
+      <p:nvGrpSpPr>
+        <p:cNvPr id="1" name=""/>
+        <p:cNvGrpSpPr/>
+        <p:nvPr/>
+      </p:nvGrpSpPr>
+      <p:grpSpPr>
+        <a:xfrm>
+          <a:off x="0" y="0"/>
+          <a:ext cx="0" cy="0"/>
+          <a:chOff x="0" y="0"/>
+          <a:chExt cx="0" cy="0"/>
+        </a:xfrm>
+      </p:grpSpPr>
+      <p:sp>
+        <p:nvSpPr>
+          <p:cNvPr id="2" name="Slide Image Placeholder 1"/>
+          <p:cNvSpPr>
+            <a:spLocks noGrp="1" noRot="1" noChangeAspect="1"/>
+          </p:cNvSpPr>
+          <p:nvPr>
+            <p:ph type="sldImg"/>
+          </p:nvPr>
+        </p:nvSpPr>
+        <p:spPr>
+          <a:xfrm>
+            <a:off x="739775" y="1149350"/>
+            <a:ext cx="5518150" cy="3103563"/>
+          </a:xfrm>
+          <a:prstGeom prst="rect">
+            <a:avLst/>
+          </a:prstGeom>
+          <a:noFill/>
+          <a:ln w="12700">
+            <a:solidFill>
+              <a:prstClr val="black"/>
+            </a:solidFill>
+          </a:ln>
+        </p:spPr>
+      </p:sp>
+      <p:sp>
+        <p:nvSpPr>
+          <p:cNvPr id="3" name="Notes Placeholder 2"/>
+          <p:cNvSpPr>
+            <a:spLocks noGrp="1"/>
+          </p:cNvSpPr>
+          <p:nvPr>
+            <p:ph type="body" idx="1"/>
+          </p:nvPr>
+        </p:nvSpPr>
+        <p:spPr/>
+        <p:txBody>
+          <a:bodyPr/>
+          <a:lstStyle/>
+          <a:p>
+            <a:endParaRPr lang="en-US"/>
+          </a:p>
+        </p:txBody>
+      </p:sp>
+      <p:sp>
+        <p:nvSpPr>
+          <p:cNvPr id="4" name="Slide Number Placeholder 3"/>
+          <p:cNvSpPr>
+            <a:spLocks noGrp="1"/>
+          </p:cNvSpPr>
+          <p:nvPr>
+            <p:ph type="sldNum"/>
+          </p:nvPr>
+        </p:nvSpPr>
+        <p:spPr/>
+        <p:txBody>
+          <a:bodyPr/>
+          <a:lstStyle/>
+          <a:p>
+            <a:pPr algn="r"/>
+            <a:fld id="{1E6A0497-FA14-4881-862A-AC8598D64A92}" type="slidenum">
+              <a:rPr lang="en-US" sz="1400" b="0" strike="noStrike" spc="-1" smtClean="0">
+                <a:solidFill>
+                  <a:srgbClr val="000000"/>
+                </a:solidFill>
+                <a:uFill>
+                  <a:solidFill>
+                    <a:srgbClr val="FFFFFF"/>
+                  </a:solidFill>
+                </a:uFill>
+                <a:latin typeface="Times New Roman"/>
+              </a:rPr>
+              <a:t>25</a:t>
+            </a:fld>
+            <a:endParaRPr lang="en-US" sz="1400" b="0" strike="noStrike" spc="-1">
+              <a:solidFill>
+                <a:srgbClr val="000000"/>
+              </a:solidFill>
+              <a:uFill>
+                <a:solidFill>
+                  <a:srgbClr val="FFFFFF"/>
+                </a:solidFill>
+              </a:uFill>
+              <a:latin typeface="Times New Roman"/>
+            </a:endParaRPr>
+          </a:p>
+        </p:txBody>
+      </p:sp>
+    </p:spTree>
+    <p:extLst>
+      <p:ext uri="{BB962C8B-B14F-4D97-AF65-F5344CB8AC3E}">
+        <p14:creationId xmlns:p14="http://schemas.microsoft.com/office/powerpoint/2010/main" val="780083127"/>
       </p:ext>
     </p:extLst>
   </p:cSld>
@@ -2500,9 +2598,166 @@
       </p:grpSpPr>
       <p:sp>
         <p:nvSpPr>
-          <p:cNvPr id="2" name="Slide Image Placeholder 1"/>
-          <p:cNvSpPr>
-            <a:spLocks noGrp="1" noRot="1" noChangeAspect="1"/>
+          <p:cNvPr id="18433" name="Rectangle 5"/>
+          <p:cNvSpPr>
+            <a:spLocks noGrp="1" noChangeArrowheads="1"/>
+          </p:cNvSpPr>
+          <p:nvPr>
+            <p:ph type="sldNum" sz="quarter" idx="5"/>
+          </p:nvPr>
+        </p:nvSpPr>
+        <p:spPr>
+          <a:noFill/>
+          <a:ln/>
+          <a:extLst>
+            <a:ext uri="{909E8E84-426E-40dd-AFC4-6F175D3DCCD1}">
+              <a14:hiddenFill xmlns:a14="http://schemas.microsoft.com/office/drawing/2010/main" xmlns="">
+                <a:solidFill>
+                  <a:srgbClr val="FFFFFF"/>
+                </a:solidFill>
+              </a14:hiddenFill>
+            </a:ext>
+            <a:ext uri="{91240B29-F687-4f45-9708-019B960494DF}">
+              <a14:hiddenLine xmlns:a14="http://schemas.microsoft.com/office/drawing/2010/main" xmlns="" w="9525">
+                <a:solidFill>
+                  <a:srgbClr val="000000"/>
+                </a:solidFill>
+                <a:miter lim="800000"/>
+                <a:headEnd/>
+                <a:tailEnd/>
+              </a14:hiddenLine>
+            </a:ext>
+          </a:extLst>
+        </p:spPr>
+        <p:txBody>
+          <a:bodyPr/>
+          <a:lstStyle>
+            <a:lvl1pPr defTabSz="823913">
+              <a:defRPr sz="2400">
+                <a:solidFill>
+                  <a:schemeClr val="tx1"/>
+                </a:solidFill>
+                <a:latin typeface="Arial" charset="0"/>
+                <a:ea typeface="ＭＳ Ｐゴシック" charset="0"/>
+                <a:cs typeface="ＭＳ Ｐゴシック" charset="0"/>
+              </a:defRPr>
+            </a:lvl1pPr>
+            <a:lvl2pPr marL="742950" indent="-285750" defTabSz="823913">
+              <a:defRPr sz="2400">
+                <a:solidFill>
+                  <a:schemeClr val="tx1"/>
+                </a:solidFill>
+                <a:latin typeface="Arial" charset="0"/>
+                <a:ea typeface="ＭＳ Ｐゴシック" charset="0"/>
+              </a:defRPr>
+            </a:lvl2pPr>
+            <a:lvl3pPr marL="1143000" indent="-228600" defTabSz="823913">
+              <a:defRPr sz="2400">
+                <a:solidFill>
+                  <a:schemeClr val="tx1"/>
+                </a:solidFill>
+                <a:latin typeface="Arial" charset="0"/>
+                <a:ea typeface="ＭＳ Ｐゴシック" charset="0"/>
+              </a:defRPr>
+            </a:lvl3pPr>
+            <a:lvl4pPr marL="1600200" indent="-228600" defTabSz="823913">
+              <a:defRPr sz="2400">
+                <a:solidFill>
+                  <a:schemeClr val="tx1"/>
+                </a:solidFill>
+                <a:latin typeface="Arial" charset="0"/>
+                <a:ea typeface="ＭＳ Ｐゴシック" charset="0"/>
+              </a:defRPr>
+            </a:lvl4pPr>
+            <a:lvl5pPr marL="2057400" indent="-228600" defTabSz="823913">
+              <a:defRPr sz="2400">
+                <a:solidFill>
+                  <a:schemeClr val="tx1"/>
+                </a:solidFill>
+                <a:latin typeface="Arial" charset="0"/>
+                <a:ea typeface="ＭＳ Ｐゴシック" charset="0"/>
+              </a:defRPr>
+            </a:lvl5pPr>
+            <a:lvl6pPr marL="2514600" indent="-228600" defTabSz="823913" eaLnBrk="0" fontAlgn="base" hangingPunct="0">
+              <a:spcBef>
+                <a:spcPct val="0"/>
+              </a:spcBef>
+              <a:spcAft>
+                <a:spcPct val="0"/>
+              </a:spcAft>
+              <a:defRPr sz="2400">
+                <a:solidFill>
+                  <a:schemeClr val="tx1"/>
+                </a:solidFill>
+                <a:latin typeface="Arial" charset="0"/>
+                <a:ea typeface="ＭＳ Ｐゴシック" charset="0"/>
+              </a:defRPr>
+            </a:lvl6pPr>
+            <a:lvl7pPr marL="2971800" indent="-228600" defTabSz="823913" eaLnBrk="0" fontAlgn="base" hangingPunct="0">
+              <a:spcBef>
+                <a:spcPct val="0"/>
+              </a:spcBef>
+              <a:spcAft>
+                <a:spcPct val="0"/>
+              </a:spcAft>
+              <a:defRPr sz="2400">
+                <a:solidFill>
+                  <a:schemeClr val="tx1"/>
+                </a:solidFill>
+                <a:latin typeface="Arial" charset="0"/>
+                <a:ea typeface="ＭＳ Ｐゴシック" charset="0"/>
+              </a:defRPr>
+            </a:lvl7pPr>
+            <a:lvl8pPr marL="3429000" indent="-228600" defTabSz="823913" eaLnBrk="0" fontAlgn="base" hangingPunct="0">
+              <a:spcBef>
+                <a:spcPct val="0"/>
+              </a:spcBef>
+              <a:spcAft>
+                <a:spcPct val="0"/>
+              </a:spcAft>
+              <a:defRPr sz="2400">
+                <a:solidFill>
+                  <a:schemeClr val="tx1"/>
+                </a:solidFill>
+                <a:latin typeface="Arial" charset="0"/>
+                <a:ea typeface="ＭＳ Ｐゴシック" charset="0"/>
+              </a:defRPr>
+            </a:lvl8pPr>
+            <a:lvl9pPr marL="3886200" indent="-228600" defTabSz="823913" eaLnBrk="0" fontAlgn="base" hangingPunct="0">
+              <a:spcBef>
+                <a:spcPct val="0"/>
+              </a:spcBef>
+              <a:spcAft>
+                <a:spcPct val="0"/>
+              </a:spcAft>
+              <a:defRPr sz="2400">
+                <a:solidFill>
+                  <a:schemeClr val="tx1"/>
+                </a:solidFill>
+                <a:latin typeface="Arial" charset="0"/>
+                <a:ea typeface="ＭＳ Ｐゴシック" charset="0"/>
+              </a:defRPr>
+            </a:lvl9pPr>
+          </a:lstStyle>
+          <a:p>
+            <a:fld id="{2BDF7928-D1E0-C947-A399-519A47F33460}" type="slidenum">
+              <a:rPr lang="en-US" sz="900">
+                <a:latin typeface="Times New Roman" charset="0"/>
+              </a:rPr>
+              <a:pPr/>
+              <a:t>26</a:t>
+            </a:fld>
+            <a:endParaRPr lang="en-US" sz="900">
+              <a:latin typeface="Times New Roman" charset="0"/>
+            </a:endParaRPr>
+          </a:p>
+        </p:txBody>
+      </p:sp>
+      <p:sp>
+        <p:nvSpPr>
+          <p:cNvPr id="18434" name="Rectangle 2"/>
+          <p:cNvSpPr>
+            <a:spLocks noGrp="1" noRot="1" noChangeAspect="1" noChangeArrowheads="1" noTextEdit="1"/>
           </p:cNvSpPr>
           <p:nvPr>
             <p:ph type="sldImg"/>
@@ -2513,60 +2768,61 @@
             <a:off x="777875" y="882650"/>
             <a:ext cx="5441950" cy="3062288"/>
           </a:xfrm>
+          <a:ln/>
         </p:spPr>
       </p:sp>
       <p:sp>
         <p:nvSpPr>
-          <p:cNvPr id="3" name="Notes Placeholder 2"/>
-          <p:cNvSpPr>
-            <a:spLocks noGrp="1"/>
+          <p:cNvPr id="18435" name="Rectangle 3"/>
+          <p:cNvSpPr>
+            <a:spLocks noGrp="1" noChangeArrowheads="1"/>
           </p:cNvSpPr>
           <p:nvPr>
             <p:ph type="body" idx="1"/>
           </p:nvPr>
         </p:nvSpPr>
-        <p:spPr/>
+        <p:spPr>
+          <a:noFill/>
+          <a:ln/>
+          <a:extLst>
+            <a:ext uri="{909E8E84-426E-40dd-AFC4-6F175D3DCCD1}">
+              <a14:hiddenFill xmlns:a14="http://schemas.microsoft.com/office/drawing/2010/main" xmlns="">
+                <a:solidFill>
+                  <a:srgbClr val="FFFFFF"/>
+                </a:solidFill>
+              </a14:hiddenFill>
+            </a:ext>
+            <a:ext uri="{91240B29-F687-4f45-9708-019B960494DF}">
+              <a14:hiddenLine xmlns:a14="http://schemas.microsoft.com/office/drawing/2010/main" xmlns="" w="9525">
+                <a:solidFill>
+                  <a:srgbClr val="000000"/>
+                </a:solidFill>
+                <a:miter lim="800000"/>
+                <a:headEnd/>
+                <a:tailEnd/>
+              </a14:hiddenLine>
+            </a:ext>
+            <a:ext uri="{FAA26D3D-D897-4be2-8F04-BA451C77F1D7}">
+              <ma14:placeholderFlag xmlns:ma14="http://schemas.microsoft.com/office/mac/drawingml/2011/main" xmlns="" val="1"/>
+            </a:ext>
+          </a:extLst>
+        </p:spPr>
         <p:txBody>
           <a:bodyPr/>
           <a:lstStyle/>
           <a:p>
-            <a:endParaRPr lang="en-US" dirty="0"/>
-          </a:p>
-        </p:txBody>
-      </p:sp>
-      <p:sp>
-        <p:nvSpPr>
-          <p:cNvPr id="4" name="Slide Number Placeholder 3"/>
-          <p:cNvSpPr>
-            <a:spLocks noGrp="1"/>
-          </p:cNvSpPr>
-          <p:nvPr>
-            <p:ph type="sldNum" sz="quarter" idx="10"/>
-          </p:nvPr>
-        </p:nvSpPr>
-        <p:spPr/>
-        <p:txBody>
-          <a:bodyPr/>
-          <a:lstStyle/>
-          <a:p>
-            <a:pPr>
-              <a:defRPr/>
-            </a:pPr>
-            <a:fld id="{7DAEA246-AA45-9741-BAF0-58C69264CAE3}" type="slidenum">
-              <a:rPr lang="en-US" smtClean="0"/>
-              <a:pPr>
-                <a:defRPr/>
-              </a:pPr>
-              <a:t>25</a:t>
-            </a:fld>
-            <a:endParaRPr lang="en-US"/>
+            <a:pPr eaLnBrk="1" hangingPunct="1"/>
+            <a:endParaRPr lang="en-US" dirty="0">
+              <a:ea typeface="ＭＳ Ｐゴシック" charset="0"/>
+              <a:cs typeface="ＭＳ Ｐゴシック" charset="0"/>
+            </a:endParaRPr>
           </a:p>
         </p:txBody>
       </p:sp>
     </p:spTree>
     <p:extLst>
       <p:ext uri="{BB962C8B-B14F-4D97-AF65-F5344CB8AC3E}">
-        <p14:creationId xmlns:p14="http://schemas.microsoft.com/office/powerpoint/2010/main" val="3042961674"/>
+        <p14:creationId xmlns:p14="http://schemas.microsoft.com/office/powerpoint/2010/main" val="1891070338"/>
       </p:ext>
     </p:extLst>
   </p:cSld>
@@ -2620,7 +2876,7 @@
           </a:ln>
           <a:extLst>
             <a:ext uri="{909E8E84-426E-40dd-AFC4-6F175D3DCCD1}">
-              <a14:hiddenFill xmlns="" xmlns:a14="http://schemas.microsoft.com/office/drawing/2010/main">
+              <a14:hiddenFill xmlns:a14="http://schemas.microsoft.com/office/drawing/2010/main" xmlns="">
                 <a:noFill/>
               </a14:hiddenFill>
             </a:ext>
@@ -2661,14 +2917,14 @@
           </a:ln>
           <a:extLst>
             <a:ext uri="{909E8E84-426E-40dd-AFC4-6F175D3DCCD1}">
-              <a14:hiddenFill xmlns="" xmlns:a14="http://schemas.microsoft.com/office/drawing/2010/main">
+              <a14:hiddenFill xmlns:a14="http://schemas.microsoft.com/office/drawing/2010/main" xmlns="">
                 <a:solidFill>
                   <a:srgbClr val="FFFFFF"/>
                 </a:solidFill>
               </a14:hiddenFill>
             </a:ext>
             <a:ext uri="{91240B29-F687-4f45-9708-019B960494DF}">
-              <a14:hiddenLine xmlns="" xmlns:a14="http://schemas.microsoft.com/office/drawing/2010/main" w="9525">
+              <a14:hiddenLine xmlns:a14="http://schemas.microsoft.com/office/drawing/2010/main" xmlns="" w="9525">
                 <a:solidFill>
                   <a:srgbClr val="000000"/>
                 </a:solidFill>
@@ -2814,14 +3070,14 @@
           </a:ln>
           <a:extLst>
             <a:ext uri="{909E8E84-426E-40dd-AFC4-6F175D3DCCD1}">
-              <a14:hiddenFill xmlns="" xmlns:a14="http://schemas.microsoft.com/office/drawing/2010/main">
+              <a14:hiddenFill xmlns:a14="http://schemas.microsoft.com/office/drawing/2010/main" xmlns="">
                 <a:solidFill>
                   <a:srgbClr val="FFFFFF"/>
                 </a:solidFill>
               </a14:hiddenFill>
             </a:ext>
             <a:ext uri="{91240B29-F687-4f45-9708-019B960494DF}">
-              <a14:hiddenLine xmlns="" xmlns:a14="http://schemas.microsoft.com/office/drawing/2010/main" w="9525">
+              <a14:hiddenLine xmlns:a14="http://schemas.microsoft.com/office/drawing/2010/main" xmlns="" w="9525">
                 <a:solidFill>
                   <a:srgbClr val="000000"/>
                 </a:solidFill>
@@ -2831,7 +3087,7 @@
               </a14:hiddenLine>
             </a:ext>
             <a:ext uri="{FAA26D3D-D897-4be2-8F04-BA451C77F1D7}">
-              <ma14:placeholderFlag xmlns="" xmlns:ma14="http://schemas.microsoft.com/office/mac/drawingml/2011/main" val="1"/>
+              <ma14:placeholderFlag xmlns:ma14="http://schemas.microsoft.com/office/mac/drawingml/2011/main" xmlns="" val="1"/>
             </a:ext>
           </a:extLst>
         </p:spPr>
@@ -3169,14 +3425,14 @@
           </a:ln>
           <a:extLst>
             <a:ext uri="{909E8E84-426E-40dd-AFC4-6F175D3DCCD1}">
-              <a14:hiddenFill xmlns="" xmlns:a14="http://schemas.microsoft.com/office/drawing/2010/main">
+              <a14:hiddenFill xmlns:a14="http://schemas.microsoft.com/office/drawing/2010/main" xmlns="">
                 <a:solidFill>
                   <a:srgbClr val="FFFFFF"/>
                 </a:solidFill>
               </a14:hiddenFill>
             </a:ext>
             <a:ext uri="{91240B29-F687-4f45-9708-019B960494DF}">
-              <a14:hiddenLine xmlns="" xmlns:a14="http://schemas.microsoft.com/office/drawing/2010/main" w="9525">
+              <a14:hiddenLine xmlns:a14="http://schemas.microsoft.com/office/drawing/2010/main" xmlns="" w="9525">
                 <a:solidFill>
                   <a:srgbClr val="000000"/>
                 </a:solidFill>
@@ -3186,7 +3442,7 @@
               </a14:hiddenLine>
             </a:ext>
             <a:ext uri="{FAA26D3D-D897-4be2-8F04-BA451C77F1D7}">
-              <ma14:placeholderFlag xmlns="" xmlns:ma14="http://schemas.microsoft.com/office/mac/drawingml/2011/main" val="1"/>
+              <ma14:placeholderFlag xmlns:ma14="http://schemas.microsoft.com/office/mac/drawingml/2011/main" xmlns="" val="1"/>
             </a:ext>
           </a:extLst>
         </p:spPr>
@@ -5582,14 +5838,14 @@
           </a:ln>
           <a:extLst>
             <a:ext uri="{909E8E84-426E-40dd-AFC4-6F175D3DCCD1}">
-              <a14:hiddenFill xmlns="" xmlns:a14="http://schemas.microsoft.com/office/drawing/2010/main">
+              <a14:hiddenFill xmlns:a14="http://schemas.microsoft.com/office/drawing/2010/main" xmlns="">
                 <a:solidFill>
                   <a:srgbClr val="FFFFFF"/>
                 </a:solidFill>
               </a14:hiddenFill>
             </a:ext>
             <a:ext uri="{91240B29-F687-4f45-9708-019B960494DF}">
-              <a14:hiddenLine xmlns="" xmlns:a14="http://schemas.microsoft.com/office/drawing/2010/main" w="9525">
+              <a14:hiddenLine xmlns:a14="http://schemas.microsoft.com/office/drawing/2010/main" xmlns="" w="9525">
                 <a:solidFill>
                   <a:srgbClr val="000000"/>
                 </a:solidFill>
@@ -5599,7 +5855,7 @@
               </a14:hiddenLine>
             </a:ext>
             <a:ext uri="{FAA26D3D-D897-4be2-8F04-BA451C77F1D7}">
-              <ma14:placeholderFlag xmlns="" xmlns:ma14="http://schemas.microsoft.com/office/mac/drawingml/2011/main" val="1"/>
+              <ma14:placeholderFlag xmlns:ma14="http://schemas.microsoft.com/office/mac/drawingml/2011/main" xmlns="" val="1"/>
             </a:ext>
           </a:extLst>
         </p:spPr>
@@ -5643,14 +5899,14 @@
           </a:ln>
           <a:extLst>
             <a:ext uri="{909E8E84-426E-40dd-AFC4-6F175D3DCCD1}">
-              <a14:hiddenFill xmlns="" xmlns:a14="http://schemas.microsoft.com/office/drawing/2010/main">
+              <a14:hiddenFill xmlns:a14="http://schemas.microsoft.com/office/drawing/2010/main" xmlns="">
                 <a:solidFill>
                   <a:srgbClr val="FFFFFF"/>
                 </a:solidFill>
               </a14:hiddenFill>
             </a:ext>
             <a:ext uri="{91240B29-F687-4f45-9708-019B960494DF}">
-              <a14:hiddenLine xmlns="" xmlns:a14="http://schemas.microsoft.com/office/drawing/2010/main" w="9525">
+              <a14:hiddenLine xmlns:a14="http://schemas.microsoft.com/office/drawing/2010/main" xmlns="" w="9525">
                 <a:solidFill>
                   <a:srgbClr val="000000"/>
                 </a:solidFill>
@@ -5660,7 +5916,7 @@
               </a14:hiddenLine>
             </a:ext>
             <a:ext uri="{FAA26D3D-D897-4be2-8F04-BA451C77F1D7}">
-              <ma14:placeholderFlag xmlns="" xmlns:ma14="http://schemas.microsoft.com/office/mac/drawingml/2011/main" val="1"/>
+              <ma14:placeholderFlag xmlns:ma14="http://schemas.microsoft.com/office/mac/drawingml/2011/main" xmlns="" val="1"/>
             </a:ext>
           </a:extLst>
         </p:spPr>
@@ -5765,7 +6021,7 @@
           </a:ln>
           <a:extLst>
             <a:ext uri="{909E8E84-426E-40dd-AFC4-6F175D3DCCD1}">
-              <a14:hiddenFill xmlns="" xmlns:a14="http://schemas.microsoft.com/office/drawing/2010/main">
+              <a14:hiddenFill xmlns:a14="http://schemas.microsoft.com/office/drawing/2010/main" xmlns="">
                 <a:noFill/>
               </a14:hiddenFill>
             </a:ext>
@@ -5806,14 +6062,14 @@
           </a:ln>
           <a:extLst>
             <a:ext uri="{909E8E84-426E-40dd-AFC4-6F175D3DCCD1}">
-              <a14:hiddenFill xmlns="" xmlns:a14="http://schemas.microsoft.com/office/drawing/2010/main">
+              <a14:hiddenFill xmlns:a14="http://schemas.microsoft.com/office/drawing/2010/main" xmlns="">
                 <a:solidFill>
                   <a:srgbClr val="FFFFFF"/>
                 </a:solidFill>
               </a14:hiddenFill>
             </a:ext>
             <a:ext uri="{91240B29-F687-4f45-9708-019B960494DF}">
-              <a14:hiddenLine xmlns="" xmlns:a14="http://schemas.microsoft.com/office/drawing/2010/main" w="9525">
+              <a14:hiddenLine xmlns:a14="http://schemas.microsoft.com/office/drawing/2010/main" xmlns="" w="9525">
                 <a:solidFill>
                   <a:srgbClr val="000000"/>
                 </a:solidFill>
@@ -5853,14 +6109,14 @@
           </a:ln>
           <a:extLst>
             <a:ext uri="{909E8E84-426E-40dd-AFC4-6F175D3DCCD1}">
-              <a14:hiddenFill xmlns="" xmlns:a14="http://schemas.microsoft.com/office/drawing/2010/main">
+              <a14:hiddenFill xmlns:a14="http://schemas.microsoft.com/office/drawing/2010/main" xmlns="">
                 <a:solidFill>
                   <a:srgbClr val="FFFFFF"/>
                 </a:solidFill>
               </a14:hiddenFill>
             </a:ext>
             <a:ext uri="{91240B29-F687-4f45-9708-019B960494DF}">
-              <a14:hiddenLine xmlns="" xmlns:a14="http://schemas.microsoft.com/office/drawing/2010/main" w="9525">
+              <a14:hiddenLine xmlns:a14="http://schemas.microsoft.com/office/drawing/2010/main" xmlns="" w="9525">
                 <a:solidFill>
                   <a:srgbClr val="000000"/>
                 </a:solidFill>
@@ -5870,7 +6126,7 @@
               </a14:hiddenLine>
             </a:ext>
             <a:ext uri="{FAA26D3D-D897-4be2-8F04-BA451C77F1D7}">
-              <ma14:placeholderFlag xmlns="" xmlns:ma14="http://schemas.microsoft.com/office/mac/drawingml/2011/main" val="1"/>
+              <ma14:placeholderFlag xmlns:ma14="http://schemas.microsoft.com/office/mac/drawingml/2011/main" xmlns="" val="1"/>
             </a:ext>
           </a:extLst>
         </p:spPr>
@@ -6570,13 +6826,12 @@
               <a:t>Lecture 3:</a:t>
             </a:r>
             <a:br>
-              <a:rPr lang="en-US"/>
+              <a:rPr lang="en-US" dirty="0"/>
             </a:br>
             <a:r>
-              <a:rPr lang="en-US"/>
-              <a:t>Functions and Lops</a:t>
-            </a:r>
-            <a:endParaRPr lang="en-US" dirty="0"/>
+              <a:rPr lang="en-US" dirty="0"/>
+              <a:t>Functions and Loops</a:t>
+            </a:r>
           </a:p>
         </p:txBody>
       </p:sp>
@@ -6612,7 +6867,13 @@
       </p:grpSpPr>
       <p:sp>
         <p:nvSpPr>
-          <p:cNvPr id="2" name="Title 1"/>
+          <p:cNvPr id="2" name="Title 1">
+            <a:extLst>
+              <a:ext uri="{FF2B5EF4-FFF2-40B4-BE49-F238E27FC236}">
+                <a16:creationId xmlns:a16="http://schemas.microsoft.com/office/drawing/2014/main" id="{A4F94377-83A5-FEF8-2EAD-50A3D9713FA8}"/>
+              </a:ext>
+            </a:extLst>
+          </p:cNvPr>
           <p:cNvSpPr>
             <a:spLocks noGrp="1"/>
           </p:cNvSpPr>
@@ -6627,14 +6888,125 @@
           <a:p>
             <a:r>
               <a:rPr lang="en-US" dirty="0"/>
-              <a:t>Functions: Calling and Returning Results</a:t>
-            </a:r>
-          </a:p>
-        </p:txBody>
-      </p:sp>
-      <p:sp>
-        <p:nvSpPr>
-          <p:cNvPr id="16" name="Slide Number Placeholder 5"/>
+              <a:t>Functions in Python</a:t>
+            </a:r>
+          </a:p>
+        </p:txBody>
+      </p:sp>
+      <p:sp>
+        <p:nvSpPr>
+          <p:cNvPr id="3" name="Content Placeholder 2">
+            <a:extLst>
+              <a:ext uri="{FF2B5EF4-FFF2-40B4-BE49-F238E27FC236}">
+                <a16:creationId xmlns:a16="http://schemas.microsoft.com/office/drawing/2014/main" id="{BEA63EB1-F6B9-3229-523C-A9D93C614F7F}"/>
+              </a:ext>
+            </a:extLst>
+          </p:cNvPr>
+          <p:cNvSpPr>
+            <a:spLocks noGrp="1"/>
+          </p:cNvSpPr>
+          <p:nvPr>
+            <p:ph idx="1"/>
+          </p:nvPr>
+        </p:nvSpPr>
+        <p:spPr/>
+        <p:txBody>
+          <a:bodyPr/>
+          <a:lstStyle/>
+          <a:p>
+            <a:r>
+              <a:rPr lang="en-US" dirty="0"/>
+              <a:t>We "define" them with </a:t>
+            </a:r>
+            <a:r>
+              <a:rPr lang="en-US" dirty="0">
+                <a:latin typeface="Source Code Pro" panose="020B0509030403020204" pitchFamily="49" charset="77"/>
+              </a:rPr>
+              <a:t>def</a:t>
+            </a:r>
+          </a:p>
+          <a:p>
+            <a:r>
+              <a:rPr lang="en-US" dirty="0"/>
+              <a:t>We typically </a:t>
+            </a:r>
+            <a:r>
+              <a:rPr lang="en-US" dirty="0" err="1">
+                <a:latin typeface="Source Code Pro" panose="020B0509030403020204" pitchFamily="49" charset="77"/>
+              </a:rPr>
+              <a:t>name_them_using_underscores</a:t>
+            </a:r>
+            <a:r>
+              <a:rPr lang="en-US" dirty="0"/>
+              <a:t>  ("Snake case")</a:t>
+            </a:r>
+          </a:p>
+          <a:p>
+            <a:r>
+              <a:rPr lang="en-US" dirty="0"/>
+              <a:t>The first line ends in a </a:t>
+            </a:r>
+            <a:r>
+              <a:rPr lang="en-US" dirty="0">
+                <a:latin typeface="Source Code Pro" panose="020B0509030403020204" pitchFamily="49" charset="77"/>
+              </a:rPr>
+              <a:t>:</a:t>
+            </a:r>
+          </a:p>
+          <a:p>
+            <a:r>
+              <a:rPr lang="en-US" dirty="0"/>
+              <a:t>The body is indented by 4 spaces</a:t>
+            </a:r>
+          </a:p>
+          <a:p>
+            <a:r>
+              <a:rPr lang="en-US" dirty="0"/>
+              <a:t>Arguments (parameters) create 'names' that exist only in our function</a:t>
+            </a:r>
+          </a:p>
+          <a:p>
+            <a:r>
+              <a:rPr lang="en-US" dirty="0"/>
+              <a:t>Most functions will return a value, but some do not.</a:t>
+            </a:r>
+          </a:p>
+          <a:p>
+            <a:endParaRPr lang="en-US" dirty="0"/>
+          </a:p>
+          <a:p>
+            <a:pPr marL="0" indent="0">
+              <a:buNone/>
+            </a:pPr>
+            <a:r>
+              <a:rPr lang="en-US" dirty="0">
+                <a:latin typeface="Source Code Pro" panose="020B0509030403020204" pitchFamily="49" charset="77"/>
+              </a:rPr>
+              <a:t>def greet(name):</a:t>
+            </a:r>
+          </a:p>
+          <a:p>
+            <a:pPr marL="0" indent="0">
+              <a:buNone/>
+            </a:pPr>
+            <a:r>
+              <a:rPr lang="en-US" dirty="0">
+                <a:latin typeface="Source Code Pro" panose="020B0509030403020204" pitchFamily="49" charset="77"/>
+              </a:rPr>
+              <a:t>    print("Hello, " + name)</a:t>
+            </a:r>
+          </a:p>
+        </p:txBody>
+      </p:sp>
+      <p:sp>
+        <p:nvSpPr>
+          <p:cNvPr id="4" name="Slide Number Placeholder 3">
+            <a:extLst>
+              <a:ext uri="{FF2B5EF4-FFF2-40B4-BE49-F238E27FC236}">
+                <a16:creationId xmlns:a16="http://schemas.microsoft.com/office/drawing/2014/main" id="{C35AF38B-9C7E-A3F5-A332-55A4884EFF7D}"/>
+              </a:ext>
+            </a:extLst>
+          </p:cNvPr>
           <p:cNvSpPr>
             <a:spLocks noGrp="1"/>
           </p:cNvSpPr>
@@ -6661,130 +7033,16 @@
           </a:p>
         </p:txBody>
       </p:sp>
-      <p:sp>
-        <p:nvSpPr>
-          <p:cNvPr id="3" name="TextBox 2">
-            <a:extLst>
-              <a:ext uri="{FF2B5EF4-FFF2-40B4-BE49-F238E27FC236}">
-                <a16:creationId xmlns:a16="http://schemas.microsoft.com/office/drawing/2014/main" id="{8C3B1959-6643-D847-B668-E9C8E0F0E760}"/>
-              </a:ext>
-            </a:extLst>
-          </p:cNvPr>
-          <p:cNvSpPr txBox="1"/>
-          <p:nvPr/>
-        </p:nvSpPr>
-        <p:spPr>
-          <a:xfrm>
-            <a:off x="457200" y="1026160"/>
-            <a:ext cx="44013129" cy="4524315"/>
-          </a:xfrm>
-          <a:prstGeom prst="rect">
-            <a:avLst/>
-          </a:prstGeom>
-          <a:noFill/>
-        </p:spPr>
-        <p:txBody>
-          <a:bodyPr wrap="square" rtlCol="0">
-            <a:spAutoFit/>
-          </a:bodyPr>
-          <a:lstStyle/>
-          <a:p>
-            <a:r>
-              <a:rPr lang="en-US" sz="3600" dirty="0">
-                <a:latin typeface="Source Code Pro" panose="020B0509030403020204" pitchFamily="49" charset="0"/>
-                <a:ea typeface="Source Code Pro" panose="020B0509030403020204" pitchFamily="49" charset="0"/>
-                <a:hlinkClick r:id="rId3"/>
-              </a:rPr>
-              <a:t>Python Tutor</a:t>
-            </a:r>
-            <a:endParaRPr lang="en-US" sz="3600" dirty="0">
-              <a:latin typeface="Source Code Pro" panose="020B0509030403020204" pitchFamily="49" charset="0"/>
-              <a:ea typeface="Source Code Pro" panose="020B0509030403020204" pitchFamily="49" charset="0"/>
-            </a:endParaRPr>
-          </a:p>
-          <a:p>
-            <a:endParaRPr lang="en-US" sz="3600" dirty="0">
-              <a:latin typeface="Source Code Pro" panose="020B0509030403020204" pitchFamily="49" charset="0"/>
-              <a:ea typeface="Source Code Pro" panose="020B0509030403020204" pitchFamily="49" charset="0"/>
-            </a:endParaRPr>
-          </a:p>
-          <a:p>
-            <a:r>
-              <a:rPr lang="en-US" sz="3600" dirty="0">
-                <a:latin typeface="Source Code Pro" panose="020B0509030403020204" pitchFamily="49" charset="0"/>
-                <a:ea typeface="Source Code Pro" panose="020B0509030403020204" pitchFamily="49" charset="0"/>
-              </a:rPr>
-              <a:t>def max(x, y):</a:t>
-            </a:r>
-          </a:p>
-          <a:p>
-            <a:r>
-              <a:rPr lang="en-US" sz="3600" dirty="0">
-                <a:latin typeface="Source Code Pro" panose="020B0509030403020204" pitchFamily="49" charset="0"/>
-                <a:ea typeface="Source Code Pro" panose="020B0509030403020204" pitchFamily="49" charset="0"/>
-              </a:rPr>
-              <a:t>    return x if x &gt; y else y</a:t>
-            </a:r>
-          </a:p>
-          <a:p>
-            <a:r>
-              <a:rPr lang="en-US" sz="3600" dirty="0">
-                <a:latin typeface="Source Code Pro" panose="020B0509030403020204" pitchFamily="49" charset="0"/>
-                <a:ea typeface="Source Code Pro" panose="020B0509030403020204" pitchFamily="49" charset="0"/>
-              </a:rPr>
-              <a:t>    </a:t>
-            </a:r>
-          </a:p>
-          <a:p>
-            <a:r>
-              <a:rPr lang="en-US" sz="3600" dirty="0">
-                <a:latin typeface="Source Code Pro" panose="020B0509030403020204" pitchFamily="49" charset="0"/>
-                <a:ea typeface="Source Code Pro" panose="020B0509030403020204" pitchFamily="49" charset="0"/>
-              </a:rPr>
-              <a:t>x = 3</a:t>
-            </a:r>
-          </a:p>
-          <a:p>
-            <a:r>
-              <a:rPr lang="en-US" sz="3600" dirty="0">
-                <a:latin typeface="Source Code Pro" panose="020B0509030403020204" pitchFamily="49" charset="0"/>
-                <a:ea typeface="Source Code Pro" panose="020B0509030403020204" pitchFamily="49" charset="0"/>
-              </a:rPr>
-              <a:t>y = 4 + max(17, x + 6) * 0.1</a:t>
-            </a:r>
-          </a:p>
-          <a:p>
-            <a:r>
-              <a:rPr lang="en-US" sz="3600" dirty="0">
-                <a:latin typeface="Source Code Pro" panose="020B0509030403020204" pitchFamily="49" charset="0"/>
-                <a:ea typeface="Source Code Pro" panose="020B0509030403020204" pitchFamily="49" charset="0"/>
-              </a:rPr>
-              <a:t>z = x / y</a:t>
-            </a:r>
-          </a:p>
-        </p:txBody>
-      </p:sp>
     </p:spTree>
-    <p:custDataLst>
-      <p:tags r:id="rId1"/>
-    </p:custDataLst>
     <p:extLst>
       <p:ext uri="{BB962C8B-B14F-4D97-AF65-F5344CB8AC3E}">
-        <p14:creationId xmlns:p14="http://schemas.microsoft.com/office/powerpoint/2010/main" val="1874450710"/>
+        <p14:creationId xmlns:p14="http://schemas.microsoft.com/office/powerpoint/2010/main" val="3466968346"/>
       </p:ext>
     </p:extLst>
   </p:cSld>
   <p:clrMapOvr>
     <a:masterClrMapping/>
   </p:clrMapOvr>
-  <mc:AlternateContent xmlns:mc="http://schemas.openxmlformats.org/markup-compatibility/2006" xmlns:p14="http://schemas.microsoft.com/office/powerpoint/2010/main">
-    <mc:Choice Requires="p14">
-      <p:transition spd="slow" p14:dur="2000" advTm="344512"/>
-    </mc:Choice>
-    <mc:Fallback xmlns="">
-      <p:transition xmlns:p14="http://schemas.microsoft.com/office/powerpoint/2010/main" spd="slow" advTm="344512"/>
-    </mc:Fallback>
-  </mc:AlternateContent>
 </p:sld>
 </file>
 
@@ -6821,19 +7079,18 @@
           <a:lstStyle/>
           <a:p>
             <a:r>
-              <a:rPr lang="en-US" dirty="0" err="1"/>
-              <a:t>Doctests</a:t>
-            </a:r>
-            <a:endParaRPr lang="en-US" dirty="0"/>
-          </a:p>
-        </p:txBody>
-      </p:sp>
-      <p:sp>
-        <p:nvSpPr>
-          <p:cNvPr id="7" name="Content Placeholder 2">
+              <a:rPr lang="en-US" dirty="0"/>
+              <a:t>Functions: Example</a:t>
+            </a:r>
+          </a:p>
+        </p:txBody>
+      </p:sp>
+      <p:sp>
+        <p:nvSpPr>
+          <p:cNvPr id="3" name="Content Placeholder 2">
             <a:extLst>
               <a:ext uri="{FF2B5EF4-FFF2-40B4-BE49-F238E27FC236}">
-                <a16:creationId xmlns:a16="http://schemas.microsoft.com/office/drawing/2014/main" id="{BF3DF969-C166-9D4D-B28F-BB02C36B60D8}"/>
+                <a16:creationId xmlns:a16="http://schemas.microsoft.com/office/drawing/2014/main" id="{6012D74A-D802-88C9-F8A8-A287862DC82D}"/>
               </a:ext>
             </a:extLst>
           </p:cNvPr>
@@ -6844,120 +7101,467 @@
             <p:ph idx="1"/>
           </p:nvPr>
         </p:nvSpPr>
-        <p:spPr/>
+        <p:spPr>
+          <a:xfrm>
+            <a:off x="533400" y="1066800"/>
+            <a:ext cx="5715000" cy="2743200"/>
+          </a:xfrm>
+        </p:spPr>
         <p:txBody>
           <a:bodyPr/>
           <a:lstStyle/>
-          <a:p>
-            <a:r>
-              <a:rPr lang="en-US" dirty="0"/>
-              <a:t>Write the docstring to explain </a:t>
-            </a:r>
-            <a:r>
-              <a:rPr lang="en-US" i="1" dirty="0"/>
-              <a:t>what</a:t>
-            </a:r>
-            <a:r>
-              <a:rPr lang="en-US" dirty="0"/>
-              <a:t> it does</a:t>
-            </a:r>
-          </a:p>
-          <a:p>
-            <a:pPr lvl="1"/>
-            <a:r>
-              <a:rPr lang="en-US" b="0" dirty="0"/>
-              <a:t>What does the function return? What are corner cases for parameters? </a:t>
-            </a:r>
-          </a:p>
           <a:p>
             <a:pPr marL="0" indent="0">
               <a:buNone/>
             </a:pPr>
-            <a:endParaRPr lang="en-US" dirty="0"/>
-          </a:p>
-          <a:p>
-            <a:r>
-              <a:rPr lang="en-US" dirty="0"/>
-              <a:t>Write </a:t>
-            </a:r>
-            <a:r>
-              <a:rPr lang="en-US" dirty="0" err="1"/>
-              <a:t>doctest</a:t>
-            </a:r>
-            <a:r>
-              <a:rPr lang="en-US" dirty="0"/>
-              <a:t> to show what it should do</a:t>
-            </a:r>
-          </a:p>
-          <a:p>
-            <a:pPr lvl="1"/>
-            <a:r>
-              <a:rPr lang="en-US" dirty="0"/>
-              <a:t>Before </a:t>
-            </a:r>
-            <a:r>
-              <a:rPr lang="en-US" b="0" dirty="0"/>
-              <a:t>you write the implementation.</a:t>
-            </a:r>
-          </a:p>
-          <a:p>
-            <a:pPr lvl="1"/>
-            <a:r>
-              <a:rPr lang="en-US" b="0" dirty="0"/>
-              <a:t>python3 –m </a:t>
-            </a:r>
-            <a:r>
-              <a:rPr lang="en-US" b="0" dirty="0" err="1"/>
-              <a:t>doctest</a:t>
-            </a:r>
-            <a:r>
-              <a:rPr lang="en-US" b="0" dirty="0"/>
-              <a:t> [-v] </a:t>
-            </a:r>
-            <a:r>
-              <a:rPr lang="en-US" b="0" dirty="0" err="1"/>
-              <a:t>file.py</a:t>
-            </a:r>
-            <a:endParaRPr lang="en-US" b="0" dirty="0"/>
-          </a:p>
-        </p:txBody>
-      </p:sp>
-      <p:sp>
-        <p:nvSpPr>
-          <p:cNvPr id="16" name="Slide Number Placeholder 5"/>
-          <p:cNvSpPr>
-            <a:spLocks noGrp="1"/>
-          </p:cNvSpPr>
-          <p:nvPr>
-            <p:ph type="sldNum" sz="quarter" idx="12"/>
-          </p:nvPr>
-        </p:nvSpPr>
-        <p:spPr/>
-        <p:txBody>
-          <a:bodyPr/>
-          <a:lstStyle/>
-          <a:p>
-            <a:pPr>
-              <a:defRPr/>
+            <a:r>
+              <a:rPr lang="en-US" dirty="0">
+                <a:latin typeface="Source Code Pro" panose="020B0509030403020204" pitchFamily="49" charset="77"/>
+              </a:rPr>
+              <a:t>&gt;&gt;&gt; y  = 5</a:t>
+            </a:r>
+          </a:p>
+          <a:p>
+            <a:pPr marL="0" indent="0">
+              <a:buNone/>
             </a:pPr>
-            <a:fld id="{ACA94121-BA6C-AD43-82C2-DF1F24FE5D9C}" type="slidenum">
-              <a:rPr lang="en-US" smtClean="0"/>
-              <a:pPr>
-                <a:defRPr/>
-              </a:pPr>
-              <a:t>11</a:t>
-            </a:fld>
-            <a:endParaRPr lang="en-US" b="0"/>
-          </a:p>
-        </p:txBody>
-      </p:sp>
+            <a:r>
+              <a:rPr lang="en-US" dirty="0">
+                <a:latin typeface="Source Code Pro" panose="020B0509030403020204" pitchFamily="49" charset="77"/>
+              </a:rPr>
+              <a:t>&gt;&gt;&gt; x = 3</a:t>
+            </a:r>
+          </a:p>
+          <a:p>
+            <a:pPr marL="0" indent="0">
+              <a:buNone/>
+            </a:pPr>
+            <a:r>
+              <a:rPr lang="en-US" dirty="0">
+                <a:latin typeface="Source Code Pro" panose="020B0509030403020204" pitchFamily="49" charset="77"/>
+              </a:rPr>
+              <a:t>&gt;&gt;&gt; z = max(3, 5) * 10</a:t>
+            </a:r>
+          </a:p>
+          <a:p>
+            <a:pPr marL="0" indent="0">
+              <a:buNone/>
+            </a:pPr>
+            <a:r>
+              <a:rPr lang="en-US" dirty="0">
+                <a:latin typeface="Source Code Pro" panose="020B0509030403020204" pitchFamily="49" charset="77"/>
+              </a:rPr>
+              <a:t>&gt;&gt;&gt; z</a:t>
+            </a:r>
+          </a:p>
+          <a:p>
+            <a:pPr marL="0" indent="0">
+              <a:buNone/>
+            </a:pPr>
+            <a:r>
+              <a:rPr lang="en-US" dirty="0">
+                <a:latin typeface="Source Code Pro" panose="020B0509030403020204" pitchFamily="49" charset="77"/>
+              </a:rPr>
+              <a:t>50</a:t>
+            </a:r>
+          </a:p>
+        </p:txBody>
+      </p:sp>
+      <p:sp>
+        <p:nvSpPr>
+          <p:cNvPr id="5" name="Content Placeholder 2">
+            <a:extLst>
+              <a:ext uri="{FF2B5EF4-FFF2-40B4-BE49-F238E27FC236}">
+                <a16:creationId xmlns:a16="http://schemas.microsoft.com/office/drawing/2014/main" id="{0D63EC4D-23BC-CE17-4B0F-789FC99A9B20}"/>
+              </a:ext>
+            </a:extLst>
+          </p:cNvPr>
+          <p:cNvSpPr txBox="1">
+            <a:spLocks/>
+          </p:cNvSpPr>
+          <p:nvPr/>
+        </p:nvSpPr>
+        <p:spPr bwMode="auto">
+          <a:xfrm>
+            <a:off x="6477000" y="3810000"/>
+            <a:ext cx="5715000" cy="2604977"/>
+          </a:xfrm>
+          <a:prstGeom prst="rect">
+            <a:avLst/>
+          </a:prstGeom>
+          <a:noFill/>
+          <a:ln>
+            <a:noFill/>
+          </a:ln>
+          <a:extLst>
+            <a:ext uri="{909E8E84-426E-40dd-AFC4-6F175D3DCCD1}">
+              <a14:hiddenFill xmlns:a14="http://schemas.microsoft.com/office/drawing/2010/main" xmlns="">
+                <a:solidFill>
+                  <a:srgbClr val="FFFFFF"/>
+                </a:solidFill>
+              </a14:hiddenFill>
+            </a:ext>
+            <a:ext uri="{91240B29-F687-4f45-9708-019B960494DF}">
+              <a14:hiddenLine xmlns:a14="http://schemas.microsoft.com/office/drawing/2010/main" xmlns="" w="9525">
+                <a:solidFill>
+                  <a:srgbClr val="000000"/>
+                </a:solidFill>
+                <a:miter lim="800000"/>
+                <a:headEnd/>
+                <a:tailEnd/>
+              </a14:hiddenLine>
+            </a:ext>
+            <a:ext uri="{FAA26D3D-D897-4be2-8F04-BA451C77F1D7}">
+              <ma14:placeholderFlag xmlns:ma14="http://schemas.microsoft.com/office/mac/drawingml/2011/main" xmlns="" val="1"/>
+            </a:ext>
+          </a:extLst>
+        </p:spPr>
+        <p:txBody>
+          <a:bodyPr vert="horz" wrap="square" lIns="92075" tIns="46038" rIns="92075" bIns="46038" numCol="1" anchor="t" anchorCtr="0" compatLnSpc="1">
+            <a:prstTxWarp prst="textNoShape">
+              <a:avLst/>
+            </a:prstTxWarp>
+          </a:bodyPr>
+          <a:lstStyle>
+            <a:lvl1pPr marL="285750" indent="-285750" algn="l" rtl="0" eaLnBrk="1" fontAlgn="base" hangingPunct="1">
+              <a:lnSpc>
+                <a:spcPct val="90000"/>
+              </a:lnSpc>
+              <a:spcBef>
+                <a:spcPct val="30000"/>
+              </a:spcBef>
+              <a:spcAft>
+                <a:spcPct val="0"/>
+              </a:spcAft>
+              <a:buSzPct val="90000"/>
+              <a:buFont typeface="Arial" panose="020B0604020202020204" pitchFamily="34" charset="0"/>
+              <a:buChar char="•"/>
+              <a:defRPr sz="2800" b="0" i="0">
+                <a:solidFill>
+                  <a:schemeClr val="tx1"/>
+                </a:solidFill>
+                <a:latin typeface="FreightSans Pro Medium" panose="02000606030000020004" pitchFamily="2" charset="0"/>
+                <a:ea typeface="ＭＳ Ｐゴシック" charset="-128"/>
+                <a:cs typeface="FreightSans Pro Medium" panose="02000606030000020004" pitchFamily="2" charset="0"/>
+              </a:defRPr>
+            </a:lvl1pPr>
+            <a:lvl2pPr marL="685800" indent="-228600" algn="l" rtl="0" eaLnBrk="1" fontAlgn="base" hangingPunct="1">
+              <a:lnSpc>
+                <a:spcPct val="90000"/>
+              </a:lnSpc>
+              <a:spcBef>
+                <a:spcPct val="30000"/>
+              </a:spcBef>
+              <a:spcAft>
+                <a:spcPct val="0"/>
+              </a:spcAft>
+              <a:buSzPct val="90000"/>
+              <a:buChar char="–"/>
+              <a:defRPr sz="2400" b="0" i="0">
+                <a:solidFill>
+                  <a:schemeClr val="tx1"/>
+                </a:solidFill>
+                <a:latin typeface="FreightSans Pro Medium" panose="02000606030000020004" pitchFamily="2" charset="0"/>
+                <a:ea typeface="ＭＳ Ｐゴシック" charset="-128"/>
+              </a:defRPr>
+            </a:lvl2pPr>
+            <a:lvl3pPr marL="1143000" indent="-228600" algn="l" rtl="0" eaLnBrk="1" fontAlgn="base" hangingPunct="1">
+              <a:lnSpc>
+                <a:spcPct val="90000"/>
+              </a:lnSpc>
+              <a:spcBef>
+                <a:spcPct val="30000"/>
+              </a:spcBef>
+              <a:spcAft>
+                <a:spcPct val="0"/>
+              </a:spcAft>
+              <a:buSzPct val="90000"/>
+              <a:buChar char="»"/>
+              <a:defRPr sz="2200" b="0" i="0">
+                <a:solidFill>
+                  <a:schemeClr val="tx1"/>
+                </a:solidFill>
+                <a:latin typeface="FreightSans Pro Medium" panose="02000606030000020004" pitchFamily="2" charset="0"/>
+                <a:ea typeface="ＭＳ Ｐゴシック" charset="-128"/>
+              </a:defRPr>
+            </a:lvl3pPr>
+            <a:lvl4pPr marL="1543050" indent="-171450" algn="l" rtl="0" eaLnBrk="1" fontAlgn="base" hangingPunct="1">
+              <a:lnSpc>
+                <a:spcPct val="90000"/>
+              </a:lnSpc>
+              <a:spcBef>
+                <a:spcPct val="30000"/>
+              </a:spcBef>
+              <a:spcAft>
+                <a:spcPct val="0"/>
+              </a:spcAft>
+              <a:buSzPct val="90000"/>
+              <a:buChar char="•"/>
+              <a:defRPr sz="1800" b="0" i="0">
+                <a:solidFill>
+                  <a:schemeClr val="tx1"/>
+                </a:solidFill>
+                <a:latin typeface="FreightSans Pro Medium" panose="02000606030000020004" pitchFamily="2" charset="0"/>
+                <a:ea typeface="ＭＳ Ｐゴシック" charset="-128"/>
+              </a:defRPr>
+            </a:lvl4pPr>
+            <a:lvl5pPr marL="2000250" indent="-171450" algn="l" rtl="0" eaLnBrk="1" fontAlgn="base" hangingPunct="1">
+              <a:lnSpc>
+                <a:spcPct val="90000"/>
+              </a:lnSpc>
+              <a:spcBef>
+                <a:spcPct val="30000"/>
+              </a:spcBef>
+              <a:spcAft>
+                <a:spcPct val="0"/>
+              </a:spcAft>
+              <a:buSzPct val="90000"/>
+              <a:buChar char="–"/>
+              <a:defRPr sz="1800" b="0" i="0">
+                <a:solidFill>
+                  <a:schemeClr val="tx1"/>
+                </a:solidFill>
+                <a:latin typeface="FreightSans Pro Medium" panose="02000606030000020004" pitchFamily="2" charset="0"/>
+                <a:ea typeface="ＭＳ Ｐゴシック" charset="-128"/>
+              </a:defRPr>
+            </a:lvl5pPr>
+            <a:lvl6pPr marL="2457450" indent="-171450" algn="l" rtl="0" eaLnBrk="1" fontAlgn="base" hangingPunct="1">
+              <a:lnSpc>
+                <a:spcPct val="90000"/>
+              </a:lnSpc>
+              <a:spcBef>
+                <a:spcPct val="30000"/>
+              </a:spcBef>
+              <a:spcAft>
+                <a:spcPct val="0"/>
+              </a:spcAft>
+              <a:buSzPct val="100000"/>
+              <a:buChar char="–"/>
+              <a:defRPr sz="1400" b="1">
+                <a:solidFill>
+                  <a:schemeClr val="tx1"/>
+                </a:solidFill>
+                <a:latin typeface="+mn-lt"/>
+                <a:ea typeface="ＭＳ Ｐゴシック" charset="-128"/>
+              </a:defRPr>
+            </a:lvl6pPr>
+            <a:lvl7pPr marL="2914650" indent="-171450" algn="l" rtl="0" eaLnBrk="1" fontAlgn="base" hangingPunct="1">
+              <a:lnSpc>
+                <a:spcPct val="90000"/>
+              </a:lnSpc>
+              <a:spcBef>
+                <a:spcPct val="30000"/>
+              </a:spcBef>
+              <a:spcAft>
+                <a:spcPct val="0"/>
+              </a:spcAft>
+              <a:buSzPct val="100000"/>
+              <a:buChar char="–"/>
+              <a:defRPr sz="1400" b="1">
+                <a:solidFill>
+                  <a:schemeClr val="tx1"/>
+                </a:solidFill>
+                <a:latin typeface="+mn-lt"/>
+                <a:ea typeface="ＭＳ Ｐゴシック" charset="-128"/>
+              </a:defRPr>
+            </a:lvl7pPr>
+            <a:lvl8pPr marL="3371850" indent="-171450" algn="l" rtl="0" eaLnBrk="1" fontAlgn="base" hangingPunct="1">
+              <a:lnSpc>
+                <a:spcPct val="90000"/>
+              </a:lnSpc>
+              <a:spcBef>
+                <a:spcPct val="30000"/>
+              </a:spcBef>
+              <a:spcAft>
+                <a:spcPct val="0"/>
+              </a:spcAft>
+              <a:buSzPct val="100000"/>
+              <a:buChar char="–"/>
+              <a:defRPr sz="1400" b="1">
+                <a:solidFill>
+                  <a:schemeClr val="tx1"/>
+                </a:solidFill>
+                <a:latin typeface="+mn-lt"/>
+                <a:ea typeface="ＭＳ Ｐゴシック" charset="-128"/>
+              </a:defRPr>
+            </a:lvl8pPr>
+            <a:lvl9pPr marL="3829050" indent="-171450" algn="l" rtl="0" eaLnBrk="1" fontAlgn="base" hangingPunct="1">
+              <a:lnSpc>
+                <a:spcPct val="90000"/>
+              </a:lnSpc>
+              <a:spcBef>
+                <a:spcPct val="30000"/>
+              </a:spcBef>
+              <a:spcAft>
+                <a:spcPct val="0"/>
+              </a:spcAft>
+              <a:buSzPct val="100000"/>
+              <a:buChar char="–"/>
+              <a:defRPr sz="1400" b="1">
+                <a:solidFill>
+                  <a:schemeClr val="tx1"/>
+                </a:solidFill>
+                <a:latin typeface="+mn-lt"/>
+                <a:ea typeface="ＭＳ Ｐゴシック" charset="-128"/>
+              </a:defRPr>
+            </a:lvl9pPr>
+          </a:lstStyle>
+          <a:p>
+            <a:pPr marL="0" indent="0">
+              <a:buFont typeface="Arial" panose="020B0604020202020204" pitchFamily="34" charset="0"/>
+              <a:buNone/>
+            </a:pPr>
+            <a:r>
+              <a:rPr lang="en-US" kern="0" dirty="0">
+                <a:latin typeface="Source Code Pro" panose="020B0509030403020204" pitchFamily="49" charset="77"/>
+              </a:rPr>
+              <a:t>def max(x, y):</a:t>
+            </a:r>
+          </a:p>
+          <a:p>
+            <a:pPr marL="0" indent="0">
+              <a:buFont typeface="Arial" panose="020B0604020202020204" pitchFamily="34" charset="0"/>
+              <a:buNone/>
+            </a:pPr>
+            <a:r>
+              <a:rPr lang="en-US" kern="0" dirty="0">
+                <a:latin typeface="Source Code Pro" panose="020B0509030403020204" pitchFamily="49" charset="77"/>
+              </a:rPr>
+              <a:t>    if x &gt; y:</a:t>
+            </a:r>
+          </a:p>
+          <a:p>
+            <a:pPr marL="0" indent="0">
+              <a:buFont typeface="Arial" panose="020B0604020202020204" pitchFamily="34" charset="0"/>
+              <a:buNone/>
+            </a:pPr>
+            <a:r>
+              <a:rPr lang="en-US" kern="0" dirty="0">
+                <a:latin typeface="Source Code Pro" panose="020B0509030403020204" pitchFamily="49" charset="77"/>
+              </a:rPr>
+              <a:t>        return x</a:t>
+            </a:r>
+          </a:p>
+          <a:p>
+            <a:pPr marL="0" indent="0">
+              <a:buFont typeface="Arial" panose="020B0604020202020204" pitchFamily="34" charset="0"/>
+              <a:buNone/>
+            </a:pPr>
+            <a:r>
+              <a:rPr lang="en-US" kern="0" dirty="0">
+                <a:latin typeface="Source Code Pro" panose="020B0509030403020204" pitchFamily="49" charset="77"/>
+              </a:rPr>
+              <a:t>    else:</a:t>
+            </a:r>
+          </a:p>
+          <a:p>
+            <a:pPr marL="0" indent="0">
+              <a:buFont typeface="Arial" panose="020B0604020202020204" pitchFamily="34" charset="0"/>
+              <a:buNone/>
+            </a:pPr>
+            <a:r>
+              <a:rPr lang="en-US" kern="0" dirty="0">
+                <a:latin typeface="Source Code Pro" panose="020B0509030403020204" pitchFamily="49" charset="77"/>
+              </a:rPr>
+              <a:t>        return y</a:t>
+            </a:r>
+          </a:p>
+        </p:txBody>
+      </p:sp>
+      <p:cxnSp>
+        <p:nvCxnSpPr>
+          <p:cNvPr id="11" name="Elbow Connector 10">
+            <a:extLst>
+              <a:ext uri="{FF2B5EF4-FFF2-40B4-BE49-F238E27FC236}">
+                <a16:creationId xmlns:a16="http://schemas.microsoft.com/office/drawing/2014/main" id="{E4CBFE97-F3CC-4071-A1AD-0F1EB876E105}"/>
+              </a:ext>
+            </a:extLst>
+          </p:cNvPr>
+          <p:cNvCxnSpPr>
+            <a:cxnSpLocks/>
+          </p:cNvCxnSpPr>
+          <p:nvPr/>
+        </p:nvCxnSpPr>
+        <p:spPr bwMode="auto">
+          <a:xfrm>
+            <a:off x="3390900" y="2438400"/>
+            <a:ext cx="4914900" cy="1473200"/>
+          </a:xfrm>
+          <a:prstGeom prst="straightConnector1">
+            <a:avLst/>
+          </a:prstGeom>
+          <a:ln w="22225">
+            <a:headEnd type="triangle"/>
+            <a:tailEnd type="triangle"/>
+          </a:ln>
+        </p:spPr>
+        <p:style>
+          <a:lnRef idx="1">
+            <a:schemeClr val="accent2"/>
+          </a:lnRef>
+          <a:fillRef idx="0">
+            <a:schemeClr val="accent2"/>
+          </a:fillRef>
+          <a:effectRef idx="0">
+            <a:schemeClr val="accent2"/>
+          </a:effectRef>
+          <a:fontRef idx="minor">
+            <a:schemeClr val="tx1"/>
+          </a:fontRef>
+        </p:style>
+      </p:cxnSp>
+      <p:cxnSp>
+        <p:nvCxnSpPr>
+          <p:cNvPr id="15" name="Elbow Connector 10">
+            <a:extLst>
+              <a:ext uri="{FF2B5EF4-FFF2-40B4-BE49-F238E27FC236}">
+                <a16:creationId xmlns:a16="http://schemas.microsoft.com/office/drawing/2014/main" id="{5B785A6C-1C26-B646-929E-40E29F1EE5C8}"/>
+              </a:ext>
+            </a:extLst>
+          </p:cNvPr>
+          <p:cNvCxnSpPr>
+            <a:cxnSpLocks/>
+          </p:cNvCxnSpPr>
+          <p:nvPr/>
+        </p:nvCxnSpPr>
+        <p:spPr bwMode="auto">
+          <a:xfrm>
+            <a:off x="4019550" y="2438400"/>
+            <a:ext cx="4914900" cy="1473200"/>
+          </a:xfrm>
+          <a:prstGeom prst="straightConnector1">
+            <a:avLst/>
+          </a:prstGeom>
+          <a:ln w="22225">
+            <a:solidFill>
+              <a:srgbClr val="FF0000"/>
+            </a:solidFill>
+            <a:headEnd type="triangle"/>
+            <a:tailEnd type="triangle"/>
+          </a:ln>
+        </p:spPr>
+        <p:style>
+          <a:lnRef idx="1">
+            <a:schemeClr val="accent2"/>
+          </a:lnRef>
+          <a:fillRef idx="0">
+            <a:schemeClr val="accent2"/>
+          </a:fillRef>
+          <a:effectRef idx="0">
+            <a:schemeClr val="accent2"/>
+          </a:effectRef>
+          <a:fontRef idx="minor">
+            <a:schemeClr val="tx1"/>
+          </a:fontRef>
+        </p:style>
+      </p:cxnSp>
     </p:spTree>
     <p:custDataLst>
       <p:tags r:id="rId1"/>
     </p:custDataLst>
     <p:extLst>
       <p:ext uri="{BB962C8B-B14F-4D97-AF65-F5344CB8AC3E}">
-        <p14:creationId xmlns:p14="http://schemas.microsoft.com/office/powerpoint/2010/main" val="2663639822"/>
+        <p14:creationId xmlns:p14="http://schemas.microsoft.com/office/powerpoint/2010/main" val="2618690185"/>
       </p:ext>
     </p:extLst>
   </p:cSld>
@@ -6994,13 +7598,7 @@
       </p:grpSpPr>
       <p:sp>
         <p:nvSpPr>
-          <p:cNvPr id="2" name="Title 1">
-            <a:extLst>
-              <a:ext uri="{FF2B5EF4-FFF2-40B4-BE49-F238E27FC236}">
-                <a16:creationId xmlns:a16="http://schemas.microsoft.com/office/drawing/2014/main" id="{15CBDACA-6C4E-5440-92FB-F023C1666E88}"/>
-              </a:ext>
-            </a:extLst>
-          </p:cNvPr>
+          <p:cNvPr id="2" name="Title 1"/>
           <p:cNvSpPr>
             <a:spLocks noGrp="1"/>
           </p:cNvSpPr>
@@ -7015,20 +7613,14 @@
           <a:p>
             <a:r>
               <a:rPr lang="en-US" dirty="0"/>
-              <a:t>Returns and Values</a:t>
-            </a:r>
-          </a:p>
-        </p:txBody>
-      </p:sp>
-      <p:sp>
-        <p:nvSpPr>
-          <p:cNvPr id="3" name="Content Placeholder 2">
-            <a:extLst>
-              <a:ext uri="{FF2B5EF4-FFF2-40B4-BE49-F238E27FC236}">
-                <a16:creationId xmlns:a16="http://schemas.microsoft.com/office/drawing/2014/main" id="{CFFFE078-3232-BB44-81FA-6CB2837223F1}"/>
-              </a:ext>
-            </a:extLst>
-          </p:cNvPr>
+              <a:t>Defining Functions</a:t>
+            </a:r>
+          </a:p>
+        </p:txBody>
+      </p:sp>
+      <p:sp>
+        <p:nvSpPr>
+          <p:cNvPr id="3" name="Content Placeholder 2"/>
           <p:cNvSpPr>
             <a:spLocks noGrp="1"/>
           </p:cNvSpPr>
@@ -7036,55 +7628,36 @@
             <p:ph idx="1"/>
           </p:nvPr>
         </p:nvSpPr>
-        <p:spPr/>
+        <p:spPr>
+          <a:xfrm>
+            <a:off x="533400" y="4191001"/>
+            <a:ext cx="11125200" cy="1600200"/>
+          </a:xfrm>
+        </p:spPr>
         <p:txBody>
           <a:bodyPr/>
           <a:lstStyle/>
           <a:p>
             <a:r>
-              <a:rPr lang="en-US" sz="3600" dirty="0"/>
-              <a:t>All functions always return SOME value.</a:t>
-            </a:r>
-          </a:p>
-          <a:p>
-            <a:r>
-              <a:rPr lang="en-US" sz="3600" dirty="0"/>
-              <a:t>If you don’t specify </a:t>
-            </a:r>
-            <a:r>
-              <a:rPr lang="en-US" sz="3600" dirty="0">
-                <a:latin typeface="Source Code Pro" panose="020B0509030403020204" pitchFamily="49" charset="0"/>
-                <a:ea typeface="Source Code Pro" panose="020B0509030403020204" pitchFamily="49" charset="0"/>
-              </a:rPr>
-              <a:t>return</a:t>
-            </a:r>
-            <a:r>
-              <a:rPr lang="en-US" sz="3600" dirty="0"/>
-              <a:t>, the value is </a:t>
-            </a:r>
-            <a:r>
-              <a:rPr lang="en-US" sz="3600" dirty="0">
-                <a:latin typeface="Source Code Pro" panose="020B0509030403020204" pitchFamily="49" charset="0"/>
-                <a:ea typeface="Source Code Pro" panose="020B0509030403020204" pitchFamily="49" charset="0"/>
-              </a:rPr>
-              <a:t>None</a:t>
-            </a:r>
-            <a:r>
-              <a:rPr lang="en-US" sz="3600" dirty="0"/>
-              <a:t>.</a:t>
-            </a:r>
-          </a:p>
-        </p:txBody>
-      </p:sp>
-      <p:sp>
-        <p:nvSpPr>
-          <p:cNvPr id="4" name="Slide Number Placeholder 3">
-            <a:extLst>
-              <a:ext uri="{FF2B5EF4-FFF2-40B4-BE49-F238E27FC236}">
-                <a16:creationId xmlns:a16="http://schemas.microsoft.com/office/drawing/2014/main" id="{18BB53DE-AB09-0643-8CE3-7C4F9F355090}"/>
-              </a:ext>
-            </a:extLst>
-          </p:cNvPr>
+              <a:rPr lang="en-US" dirty="0"/>
+              <a:t>Abstracts an expression or set of statements to apply to lots of instances of the problem</a:t>
+            </a:r>
+          </a:p>
+          <a:p>
+            <a:r>
+              <a:rPr lang="en-US" dirty="0"/>
+              <a:t>A function should </a:t>
+            </a:r>
+            <a:r>
+              <a:rPr lang="en-US" i="1" dirty="0"/>
+              <a:t>do one thing well</a:t>
+            </a:r>
+          </a:p>
+        </p:txBody>
+      </p:sp>
+      <p:sp>
+        <p:nvSpPr>
+          <p:cNvPr id="16" name="Slide Number Placeholder 5"/>
           <p:cNvSpPr>
             <a:spLocks noGrp="1"/>
           </p:cNvSpPr>
@@ -7111,16 +7684,362 @@
           </a:p>
         </p:txBody>
       </p:sp>
+      <p:sp>
+        <p:nvSpPr>
+          <p:cNvPr id="7" name="TextBox 6"/>
+          <p:cNvSpPr txBox="1"/>
+          <p:nvPr/>
+        </p:nvSpPr>
+        <p:spPr>
+          <a:xfrm>
+            <a:off x="5638801" y="2667000"/>
+            <a:ext cx="1921119" cy="523220"/>
+          </a:xfrm>
+          <a:prstGeom prst="rect">
+            <a:avLst/>
+          </a:prstGeom>
+          <a:noFill/>
+        </p:spPr>
+        <p:txBody>
+          <a:bodyPr wrap="none" rtlCol="0">
+            <a:spAutoFit/>
+          </a:bodyPr>
+          <a:lstStyle/>
+          <a:p>
+            <a:r>
+              <a:rPr lang="en-US" sz="2800" dirty="0"/>
+              <a:t>expression</a:t>
+            </a:r>
+          </a:p>
+        </p:txBody>
+      </p:sp>
+      <p:sp>
+        <p:nvSpPr>
+          <p:cNvPr id="8" name="Cloud 7"/>
+          <p:cNvSpPr/>
+          <p:nvPr/>
+        </p:nvSpPr>
+        <p:spPr bwMode="auto">
+          <a:xfrm>
+            <a:off x="4953000" y="2362200"/>
+            <a:ext cx="3505200" cy="1371600"/>
+          </a:xfrm>
+          <a:prstGeom prst="cloud">
+            <a:avLst/>
+          </a:prstGeom>
+          <a:noFill/>
+          <a:ln w="12700" cap="flat" cmpd="sng" algn="ctr">
+            <a:solidFill>
+              <a:schemeClr val="tx1"/>
+            </a:solidFill>
+            <a:prstDash val="solid"/>
+            <a:round/>
+            <a:headEnd type="none" w="sm" len="sm"/>
+            <a:tailEnd type="none" w="sm" len="sm"/>
+          </a:ln>
+          <a:effectLst/>
+        </p:spPr>
+        <p:txBody>
+          <a:bodyPr vert="horz" wrap="square" lIns="91440" tIns="45720" rIns="91440" bIns="45720" numCol="1" rtlCol="0" anchor="t" anchorCtr="0" compatLnSpc="1">
+            <a:prstTxWarp prst="textNoShape">
+              <a:avLst/>
+            </a:prstTxWarp>
+          </a:bodyPr>
+          <a:lstStyle/>
+          <a:p>
+            <a:endParaRPr lang="en-US"/>
+          </a:p>
+        </p:txBody>
+      </p:sp>
+      <p:sp>
+        <p:nvSpPr>
+          <p:cNvPr id="9" name="TextBox 8"/>
+          <p:cNvSpPr txBox="1"/>
+          <p:nvPr/>
+        </p:nvSpPr>
+        <p:spPr>
+          <a:xfrm>
+            <a:off x="3505200" y="1371600"/>
+            <a:ext cx="4724370" cy="369332"/>
+          </a:xfrm>
+          <a:prstGeom prst="rect">
+            <a:avLst/>
+          </a:prstGeom>
+          <a:noFill/>
+        </p:spPr>
+        <p:txBody>
+          <a:bodyPr wrap="none" rtlCol="0">
+            <a:spAutoFit/>
+          </a:bodyPr>
+          <a:lstStyle/>
+          <a:p>
+            <a:r>
+              <a:rPr lang="en-US" b="1" dirty="0" err="1">
+                <a:latin typeface="Courier"/>
+                <a:cs typeface="Courier"/>
+              </a:rPr>
+              <a:t>def</a:t>
+            </a:r>
+            <a:r>
+              <a:rPr lang="en-US" dirty="0"/>
+              <a:t> &lt;function name&gt; </a:t>
+            </a:r>
+            <a:r>
+              <a:rPr lang="en-US" b="1" dirty="0">
+                <a:latin typeface="Courier"/>
+                <a:cs typeface="Courier"/>
+              </a:rPr>
+              <a:t>(</a:t>
+            </a:r>
+            <a:r>
+              <a:rPr lang="en-US" dirty="0"/>
+              <a:t>&lt;argument list&gt;</a:t>
+            </a:r>
+            <a:r>
+              <a:rPr lang="en-US" b="1" dirty="0">
+                <a:latin typeface="Courier"/>
+                <a:cs typeface="Courier"/>
+              </a:rPr>
+              <a:t>) : </a:t>
+            </a:r>
+          </a:p>
+        </p:txBody>
+      </p:sp>
+      <p:sp>
+        <p:nvSpPr>
+          <p:cNvPr id="10" name="TextBox 9"/>
+          <p:cNvSpPr txBox="1"/>
+          <p:nvPr/>
+        </p:nvSpPr>
+        <p:spPr>
+          <a:xfrm>
+            <a:off x="3962400" y="2819400"/>
+            <a:ext cx="1015798" cy="369332"/>
+          </a:xfrm>
+          <a:prstGeom prst="rect">
+            <a:avLst/>
+          </a:prstGeom>
+          <a:noFill/>
+        </p:spPr>
+        <p:txBody>
+          <a:bodyPr wrap="none" rtlCol="0">
+            <a:spAutoFit/>
+          </a:bodyPr>
+          <a:lstStyle/>
+          <a:p>
+            <a:r>
+              <a:rPr lang="en-US" b="1" dirty="0">
+                <a:latin typeface="Courier"/>
+                <a:cs typeface="Courier"/>
+              </a:rPr>
+              <a:t>return</a:t>
+            </a:r>
+          </a:p>
+        </p:txBody>
+      </p:sp>
+      <p:cxnSp>
+        <p:nvCxnSpPr>
+          <p:cNvPr id="12" name="Straight Arrow Connector 11"/>
+          <p:cNvCxnSpPr/>
+          <p:nvPr/>
+        </p:nvCxnSpPr>
+        <p:spPr bwMode="auto">
+          <a:xfrm>
+            <a:off x="6553200" y="1828800"/>
+            <a:ext cx="0" cy="381000"/>
+          </a:xfrm>
+          <a:prstGeom prst="straightConnector1">
+            <a:avLst/>
+          </a:prstGeom>
+          <a:solidFill>
+            <a:schemeClr val="accent1"/>
+          </a:solidFill>
+          <a:ln w="12700" cap="flat" cmpd="sng" algn="ctr">
+            <a:solidFill>
+              <a:schemeClr val="tx1"/>
+            </a:solidFill>
+            <a:prstDash val="solid"/>
+            <a:round/>
+            <a:headEnd type="none" w="sm" len="sm"/>
+            <a:tailEnd type="arrow"/>
+          </a:ln>
+          <a:effectLst/>
+        </p:spPr>
+      </p:cxnSp>
+      <p:cxnSp>
+        <p:nvCxnSpPr>
+          <p:cNvPr id="13" name="Straight Arrow Connector 12"/>
+          <p:cNvCxnSpPr/>
+          <p:nvPr/>
+        </p:nvCxnSpPr>
+        <p:spPr bwMode="auto">
+          <a:xfrm>
+            <a:off x="7086600" y="1828800"/>
+            <a:ext cx="0" cy="381000"/>
+          </a:xfrm>
+          <a:prstGeom prst="straightConnector1">
+            <a:avLst/>
+          </a:prstGeom>
+          <a:solidFill>
+            <a:schemeClr val="accent1"/>
+          </a:solidFill>
+          <a:ln w="12700" cap="flat" cmpd="sng" algn="ctr">
+            <a:solidFill>
+              <a:schemeClr val="tx1"/>
+            </a:solidFill>
+            <a:prstDash val="solid"/>
+            <a:round/>
+            <a:headEnd type="none" w="sm" len="sm"/>
+            <a:tailEnd type="arrow"/>
+          </a:ln>
+          <a:effectLst/>
+        </p:spPr>
+      </p:cxnSp>
     </p:spTree>
+    <p:custDataLst>
+      <p:tags r:id="rId1"/>
+    </p:custDataLst>
     <p:extLst>
       <p:ext uri="{BB962C8B-B14F-4D97-AF65-F5344CB8AC3E}">
-        <p14:creationId xmlns:p14="http://schemas.microsoft.com/office/powerpoint/2010/main" val="1604081605"/>
+        <p14:creationId xmlns:p14="http://schemas.microsoft.com/office/powerpoint/2010/main" val="1911288148"/>
       </p:ext>
     </p:extLst>
   </p:cSld>
   <p:clrMapOvr>
     <a:masterClrMapping/>
   </p:clrMapOvr>
+  <mc:AlternateContent xmlns:mc="http://schemas.openxmlformats.org/markup-compatibility/2006" xmlns:p14="http://schemas.microsoft.com/office/powerpoint/2010/main">
+    <mc:Choice Requires="p14">
+      <p:transition spd="slow" p14:dur="2000" advTm="344512"/>
+    </mc:Choice>
+    <mc:Fallback xmlns="">
+      <p:transition xmlns:p14="http://schemas.microsoft.com/office/powerpoint/2010/main" spd="slow" advTm="344512"/>
+    </mc:Fallback>
+  </mc:AlternateContent>
+  <p:timing>
+    <p:tnLst>
+      <p:par>
+        <p:cTn id="1" dur="indefinite" restart="never" nodeType="tmRoot">
+          <p:childTnLst>
+            <p:seq concurrent="1" nextAc="seek">
+              <p:cTn id="2" dur="indefinite" nodeType="mainSeq">
+                <p:childTnLst>
+                  <p:par>
+                    <p:cTn id="3" fill="hold">
+                      <p:stCondLst>
+                        <p:cond delay="indefinite"/>
+                      </p:stCondLst>
+                      <p:childTnLst>
+                        <p:par>
+                          <p:cTn id="4" fill="hold">
+                            <p:stCondLst>
+                              <p:cond delay="0"/>
+                            </p:stCondLst>
+                            <p:childTnLst>
+                              <p:par>
+                                <p:cTn id="5" presetID="1" presetClass="entr" presetSubtype="0" fill="hold" grpId="0" nodeType="clickEffect">
+                                  <p:stCondLst>
+                                    <p:cond delay="0"/>
+                                  </p:stCondLst>
+                                  <p:childTnLst>
+                                    <p:set>
+                                      <p:cBhvr>
+                                        <p:cTn id="6" dur="1" fill="hold">
+                                          <p:stCondLst>
+                                            <p:cond delay="0"/>
+                                          </p:stCondLst>
+                                        </p:cTn>
+                                        <p:tgtEl>
+                                          <p:spTgt spid="9"/>
+                                        </p:tgtEl>
+                                        <p:attrNameLst>
+                                          <p:attrName>style.visibility</p:attrName>
+                                        </p:attrNameLst>
+                                      </p:cBhvr>
+                                      <p:to>
+                                        <p:strVal val="visible"/>
+                                      </p:to>
+                                    </p:set>
+                                  </p:childTnLst>
+                                </p:cTn>
+                              </p:par>
+                            </p:childTnLst>
+                          </p:cTn>
+                        </p:par>
+                      </p:childTnLst>
+                    </p:cTn>
+                  </p:par>
+                  <p:par>
+                    <p:cTn id="7" fill="hold">
+                      <p:stCondLst>
+                        <p:cond delay="indefinite"/>
+                      </p:stCondLst>
+                      <p:childTnLst>
+                        <p:par>
+                          <p:cTn id="8" fill="hold">
+                            <p:stCondLst>
+                              <p:cond delay="0"/>
+                            </p:stCondLst>
+                            <p:childTnLst>
+                              <p:par>
+                                <p:cTn id="9" presetID="1" presetClass="entr" presetSubtype="0" fill="hold" grpId="0" nodeType="clickEffect">
+                                  <p:stCondLst>
+                                    <p:cond delay="0"/>
+                                  </p:stCondLst>
+                                  <p:childTnLst>
+                                    <p:set>
+                                      <p:cBhvr>
+                                        <p:cTn id="10" dur="1" fill="hold">
+                                          <p:stCondLst>
+                                            <p:cond delay="0"/>
+                                          </p:stCondLst>
+                                        </p:cTn>
+                                        <p:tgtEl>
+                                          <p:spTgt spid="10"/>
+                                        </p:tgtEl>
+                                        <p:attrNameLst>
+                                          <p:attrName>style.visibility</p:attrName>
+                                        </p:attrNameLst>
+                                      </p:cBhvr>
+                                      <p:to>
+                                        <p:strVal val="visible"/>
+                                      </p:to>
+                                    </p:set>
+                                  </p:childTnLst>
+                                </p:cTn>
+                              </p:par>
+                            </p:childTnLst>
+                          </p:cTn>
+                        </p:par>
+                      </p:childTnLst>
+                    </p:cTn>
+                  </p:par>
+                </p:childTnLst>
+              </p:cTn>
+              <p:prevCondLst>
+                <p:cond evt="onPrev" delay="0">
+                  <p:tgtEl>
+                    <p:sldTgt/>
+                  </p:tgtEl>
+                </p:cond>
+              </p:prevCondLst>
+              <p:nextCondLst>
+                <p:cond evt="onNext" delay="0">
+                  <p:tgtEl>
+                    <p:sldTgt/>
+                  </p:tgtEl>
+                </p:cond>
+              </p:nextCondLst>
+            </p:seq>
+          </p:childTnLst>
+        </p:cTn>
+      </p:par>
+    </p:tnLst>
+    <p:bldLst>
+      <p:bldP spid="9" grpId="0"/>
+      <p:bldP spid="10" grpId="0"/>
+    </p:bldLst>
+  </p:timing>
 </p:sld>
 </file>
 
@@ -7143,10 +8062,10 @@
       </p:grpSpPr>
       <p:sp>
         <p:nvSpPr>
-          <p:cNvPr id="7" name="Title 6">
+          <p:cNvPr id="2" name="Title 1">
             <a:extLst>
               <a:ext uri="{FF2B5EF4-FFF2-40B4-BE49-F238E27FC236}">
-                <a16:creationId xmlns:a16="http://schemas.microsoft.com/office/drawing/2014/main" id="{174F684A-21F3-5E4C-BD4A-9318C588BC15}"/>
+                <a16:creationId xmlns:a16="http://schemas.microsoft.com/office/drawing/2014/main" id="{15CBDACA-6C4E-5440-92FB-F023C1666E88}"/>
               </a:ext>
             </a:extLst>
           </p:cNvPr>
@@ -7154,7 +8073,7 @@
             <a:spLocks noGrp="1"/>
           </p:cNvSpPr>
           <p:nvPr>
-            <p:ph type="ctrTitle"/>
+            <p:ph type="title"/>
           </p:nvPr>
         </p:nvSpPr>
         <p:spPr/>
@@ -7164,27 +8083,17 @@
           <a:p>
             <a:r>
               <a:rPr lang="en-US" dirty="0"/>
-              <a:t>Iteration with </a:t>
-            </a:r>
-            <a:r>
-              <a:rPr lang="en-US" dirty="0">
-                <a:latin typeface="Source Code Pro" panose="020B0509030403020204" pitchFamily="49" charset="77"/>
-              </a:rPr>
-              <a:t>while</a:t>
-            </a:r>
-            <a:r>
-              <a:rPr lang="en-US" dirty="0"/>
-              <a:t> Loops</a:t>
-            </a:r>
-          </a:p>
-        </p:txBody>
-      </p:sp>
-      <p:sp>
-        <p:nvSpPr>
-          <p:cNvPr id="11" name="Subtitle 10">
+              <a:t>Returns and Values</a:t>
+            </a:r>
+          </a:p>
+        </p:txBody>
+      </p:sp>
+      <p:sp>
+        <p:nvSpPr>
+          <p:cNvPr id="3" name="Content Placeholder 2">
             <a:extLst>
               <a:ext uri="{FF2B5EF4-FFF2-40B4-BE49-F238E27FC236}">
-                <a16:creationId xmlns:a16="http://schemas.microsoft.com/office/drawing/2014/main" id="{A5A972AD-FA82-C842-A41E-DD3EC40B1A80}"/>
+                <a16:creationId xmlns:a16="http://schemas.microsoft.com/office/drawing/2014/main" id="{CFFFE078-3232-BB44-81FA-6CB2837223F1}"/>
               </a:ext>
             </a:extLst>
           </p:cNvPr>
@@ -7192,7 +8101,7 @@
             <a:spLocks noGrp="1"/>
           </p:cNvSpPr>
           <p:nvPr>
-            <p:ph type="subTitle" idx="1"/>
+            <p:ph idx="1"/>
           </p:nvPr>
         </p:nvSpPr>
         <p:spPr/>
@@ -7200,28 +8109,86 @@
           <a:bodyPr/>
           <a:lstStyle/>
           <a:p>
-            <a:endParaRPr lang="en-US"/>
+            <a:r>
+              <a:rPr lang="en-US" sz="3600" dirty="0"/>
+              <a:t>All functions always return SOME value.</a:t>
+            </a:r>
+          </a:p>
+          <a:p>
+            <a:r>
+              <a:rPr lang="en-US" sz="3600" dirty="0"/>
+              <a:t>If you don’t specify </a:t>
+            </a:r>
+            <a:r>
+              <a:rPr lang="en-US" sz="3600" dirty="0">
+                <a:latin typeface="Source Code Pro" panose="020B0509030403020204" pitchFamily="49" charset="0"/>
+                <a:ea typeface="Source Code Pro" panose="020B0509030403020204" pitchFamily="49" charset="0"/>
+              </a:rPr>
+              <a:t>return</a:t>
+            </a:r>
+            <a:r>
+              <a:rPr lang="en-US" sz="3600" dirty="0"/>
+              <a:t>, the value is </a:t>
+            </a:r>
+            <a:r>
+              <a:rPr lang="en-US" sz="3600" dirty="0">
+                <a:latin typeface="Source Code Pro" panose="020B0509030403020204" pitchFamily="49" charset="0"/>
+                <a:ea typeface="Source Code Pro" panose="020B0509030403020204" pitchFamily="49" charset="0"/>
+              </a:rPr>
+              <a:t>None</a:t>
+            </a:r>
+            <a:r>
+              <a:rPr lang="en-US" sz="3600" dirty="0"/>
+              <a:t>.</a:t>
+            </a:r>
+          </a:p>
+        </p:txBody>
+      </p:sp>
+      <p:sp>
+        <p:nvSpPr>
+          <p:cNvPr id="4" name="Slide Number Placeholder 3">
+            <a:extLst>
+              <a:ext uri="{FF2B5EF4-FFF2-40B4-BE49-F238E27FC236}">
+                <a16:creationId xmlns:a16="http://schemas.microsoft.com/office/drawing/2014/main" id="{18BB53DE-AB09-0643-8CE3-7C4F9F355090}"/>
+              </a:ext>
+            </a:extLst>
+          </p:cNvPr>
+          <p:cNvSpPr>
+            <a:spLocks noGrp="1"/>
+          </p:cNvSpPr>
+          <p:nvPr>
+            <p:ph type="sldNum" sz="quarter" idx="12"/>
+          </p:nvPr>
+        </p:nvSpPr>
+        <p:spPr/>
+        <p:txBody>
+          <a:bodyPr/>
+          <a:lstStyle/>
+          <a:p>
+            <a:pPr>
+              <a:defRPr/>
+            </a:pPr>
+            <a:fld id="{ACA94121-BA6C-AD43-82C2-DF1F24FE5D9C}" type="slidenum">
+              <a:rPr lang="en-US" smtClean="0"/>
+              <a:pPr>
+                <a:defRPr/>
+              </a:pPr>
+              <a:t>13</a:t>
+            </a:fld>
+            <a:endParaRPr lang="en-US" b="0"/>
           </a:p>
         </p:txBody>
       </p:sp>
     </p:spTree>
     <p:extLst>
       <p:ext uri="{BB962C8B-B14F-4D97-AF65-F5344CB8AC3E}">
-        <p14:creationId xmlns:p14="http://schemas.microsoft.com/office/powerpoint/2010/main" val="65676127"/>
+        <p14:creationId xmlns:p14="http://schemas.microsoft.com/office/powerpoint/2010/main" val="1604081605"/>
       </p:ext>
     </p:extLst>
   </p:cSld>
   <p:clrMapOvr>
     <a:masterClrMapping/>
   </p:clrMapOvr>
-  <mc:AlternateContent xmlns:mc="http://schemas.openxmlformats.org/markup-compatibility/2006" xmlns:p14="http://schemas.microsoft.com/office/powerpoint/2010/main">
-    <mc:Choice Requires="p14">
-      <p:transition spd="slow" p14:dur="2000" advTm="109658"/>
-    </mc:Choice>
-    <mc:Fallback xmlns="">
-      <p:transition xmlns:p14="http://schemas.microsoft.com/office/powerpoint/2010/main" spd="slow" advTm="109658"/>
-    </mc:Fallback>
-  </mc:AlternateContent>
 </p:sld>
 </file>
 
@@ -7244,13 +8211,7 @@
       </p:grpSpPr>
       <p:sp>
         <p:nvSpPr>
-          <p:cNvPr id="2" name="Title 1">
-            <a:extLst>
-              <a:ext uri="{FF2B5EF4-FFF2-40B4-BE49-F238E27FC236}">
-                <a16:creationId xmlns:a16="http://schemas.microsoft.com/office/drawing/2014/main" id="{D2FBD6C8-D98C-0A48-AA6D-667D5252DFB6}"/>
-              </a:ext>
-            </a:extLst>
-          </p:cNvPr>
+          <p:cNvPr id="2" name="Title 1"/>
           <p:cNvSpPr>
             <a:spLocks noGrp="1"/>
           </p:cNvSpPr>
@@ -7265,54 +8226,14 @@
           <a:p>
             <a:r>
               <a:rPr lang="en-US" dirty="0"/>
-              <a:t>Learning Objectives</a:t>
-            </a:r>
-          </a:p>
-        </p:txBody>
-      </p:sp>
-      <p:sp>
-        <p:nvSpPr>
-          <p:cNvPr id="3" name="Content Placeholder 2">
-            <a:extLst>
-              <a:ext uri="{FF2B5EF4-FFF2-40B4-BE49-F238E27FC236}">
-                <a16:creationId xmlns:a16="http://schemas.microsoft.com/office/drawing/2014/main" id="{EEBD7440-F20E-0042-9F08-7623E15EFE7F}"/>
-              </a:ext>
-            </a:extLst>
-          </p:cNvPr>
-          <p:cNvSpPr>
-            <a:spLocks noGrp="1"/>
-          </p:cNvSpPr>
-          <p:nvPr>
-            <p:ph idx="1"/>
-          </p:nvPr>
-        </p:nvSpPr>
-        <p:spPr/>
-        <p:txBody>
-          <a:bodyPr/>
-          <a:lstStyle/>
-          <a:p>
-            <a:r>
-              <a:rPr lang="en-US" dirty="0"/>
-              <a:t>Use a while loop to repeat some task.</a:t>
-            </a:r>
-          </a:p>
-          <a:p>
-            <a:r>
-              <a:rPr lang="en-US" dirty="0"/>
-              <a:t>Write an expression to control when a while loop stops executing</a:t>
-            </a:r>
-          </a:p>
-        </p:txBody>
-      </p:sp>
-      <p:sp>
-        <p:nvSpPr>
-          <p:cNvPr id="4" name="Slide Number Placeholder 3">
-            <a:extLst>
-              <a:ext uri="{FF2B5EF4-FFF2-40B4-BE49-F238E27FC236}">
-                <a16:creationId xmlns:a16="http://schemas.microsoft.com/office/drawing/2014/main" id="{BDBAE243-B15A-004D-99CA-2D3DEFF8CE27}"/>
-              </a:ext>
-            </a:extLst>
-          </p:cNvPr>
+              <a:t>Functions: Calling and Returning Results</a:t>
+            </a:r>
+          </a:p>
+        </p:txBody>
+      </p:sp>
+      <p:sp>
+        <p:nvSpPr>
+          <p:cNvPr id="16" name="Slide Number Placeholder 5"/>
           <p:cNvSpPr>
             <a:spLocks noGrp="1"/>
           </p:cNvSpPr>
@@ -7339,16 +8260,139 @@
           </a:p>
         </p:txBody>
       </p:sp>
+      <p:sp>
+        <p:nvSpPr>
+          <p:cNvPr id="3" name="TextBox 2">
+            <a:extLst>
+              <a:ext uri="{FF2B5EF4-FFF2-40B4-BE49-F238E27FC236}">
+                <a16:creationId xmlns:a16="http://schemas.microsoft.com/office/drawing/2014/main" id="{8C3B1959-6643-D847-B668-E9C8E0F0E760}"/>
+              </a:ext>
+            </a:extLst>
+          </p:cNvPr>
+          <p:cNvSpPr txBox="1"/>
+          <p:nvPr/>
+        </p:nvSpPr>
+        <p:spPr>
+          <a:xfrm>
+            <a:off x="457200" y="1026160"/>
+            <a:ext cx="44013129" cy="5078313"/>
+          </a:xfrm>
+          <a:prstGeom prst="rect">
+            <a:avLst/>
+          </a:prstGeom>
+          <a:noFill/>
+        </p:spPr>
+        <p:txBody>
+          <a:bodyPr wrap="square" rtlCol="0">
+            <a:spAutoFit/>
+          </a:bodyPr>
+          <a:lstStyle/>
+          <a:p>
+            <a:r>
+              <a:rPr lang="en-US" sz="3600" dirty="0">
+                <a:latin typeface="Source Code Pro" panose="020B0509030403020204" pitchFamily="49" charset="0"/>
+                <a:ea typeface="Source Code Pro" panose="020B0509030403020204" pitchFamily="49" charset="0"/>
+                <a:hlinkClick r:id="rId3"/>
+              </a:rPr>
+              <a:t>Python Tutor</a:t>
+            </a:r>
+            <a:endParaRPr lang="en-US" sz="3600" dirty="0">
+              <a:latin typeface="Source Code Pro" panose="020B0509030403020204" pitchFamily="49" charset="0"/>
+              <a:ea typeface="Source Code Pro" panose="020B0509030403020204" pitchFamily="49" charset="0"/>
+            </a:endParaRPr>
+          </a:p>
+          <a:p>
+            <a:endParaRPr lang="en-US" sz="3600" dirty="0">
+              <a:latin typeface="Source Code Pro" panose="020B0509030403020204" pitchFamily="49" charset="0"/>
+              <a:ea typeface="Source Code Pro" panose="020B0509030403020204" pitchFamily="49" charset="0"/>
+            </a:endParaRPr>
+          </a:p>
+          <a:p>
+            <a:r>
+              <a:rPr lang="en-US" sz="3600" dirty="0">
+                <a:latin typeface="Source Code Pro" panose="020B0509030403020204" pitchFamily="49" charset="0"/>
+                <a:ea typeface="Source Code Pro" panose="020B0509030403020204" pitchFamily="49" charset="0"/>
+              </a:rPr>
+              <a:t># This style is shorthand.</a:t>
+            </a:r>
+          </a:p>
+          <a:p>
+            <a:r>
+              <a:rPr lang="en-US" sz="3600" dirty="0">
+                <a:latin typeface="Source Code Pro" panose="020B0509030403020204" pitchFamily="49" charset="0"/>
+                <a:ea typeface="Source Code Pro" panose="020B0509030403020204" pitchFamily="49" charset="0"/>
+              </a:rPr>
+              <a:t>def max(x, y):</a:t>
+            </a:r>
+          </a:p>
+          <a:p>
+            <a:r>
+              <a:rPr lang="en-US" sz="3600" dirty="0">
+                <a:latin typeface="Source Code Pro" panose="020B0509030403020204" pitchFamily="49" charset="0"/>
+                <a:ea typeface="Source Code Pro" panose="020B0509030403020204" pitchFamily="49" charset="0"/>
+              </a:rPr>
+              <a:t>    return x if x &gt; y else y</a:t>
+            </a:r>
+          </a:p>
+          <a:p>
+            <a:r>
+              <a:rPr lang="en-US" sz="3600" dirty="0">
+                <a:latin typeface="Source Code Pro" panose="020B0509030403020204" pitchFamily="49" charset="0"/>
+                <a:ea typeface="Source Code Pro" panose="020B0509030403020204" pitchFamily="49" charset="0"/>
+              </a:rPr>
+              <a:t>    </a:t>
+            </a:r>
+          </a:p>
+          <a:p>
+            <a:r>
+              <a:rPr lang="en-US" sz="3600" dirty="0">
+                <a:latin typeface="Source Code Pro" panose="020B0509030403020204" pitchFamily="49" charset="0"/>
+                <a:ea typeface="Source Code Pro" panose="020B0509030403020204" pitchFamily="49" charset="0"/>
+              </a:rPr>
+              <a:t>x = 3</a:t>
+            </a:r>
+          </a:p>
+          <a:p>
+            <a:r>
+              <a:rPr lang="en-US" sz="3600" dirty="0">
+                <a:latin typeface="Source Code Pro" panose="020B0509030403020204" pitchFamily="49" charset="0"/>
+                <a:ea typeface="Source Code Pro" panose="020B0509030403020204" pitchFamily="49" charset="0"/>
+              </a:rPr>
+              <a:t>y = 4 + max(17, x + 6) * 0.1</a:t>
+            </a:r>
+          </a:p>
+          <a:p>
+            <a:r>
+              <a:rPr lang="en-US" sz="3600" dirty="0">
+                <a:latin typeface="Source Code Pro" panose="020B0509030403020204" pitchFamily="49" charset="0"/>
+                <a:ea typeface="Source Code Pro" panose="020B0509030403020204" pitchFamily="49" charset="0"/>
+              </a:rPr>
+              <a:t>z = x / y</a:t>
+            </a:r>
+          </a:p>
+        </p:txBody>
+      </p:sp>
     </p:spTree>
+    <p:custDataLst>
+      <p:tags r:id="rId1"/>
+    </p:custDataLst>
     <p:extLst>
       <p:ext uri="{BB962C8B-B14F-4D97-AF65-F5344CB8AC3E}">
-        <p14:creationId xmlns:p14="http://schemas.microsoft.com/office/powerpoint/2010/main" val="1417472651"/>
+        <p14:creationId xmlns:p14="http://schemas.microsoft.com/office/powerpoint/2010/main" val="1874450710"/>
       </p:ext>
     </p:extLst>
   </p:cSld>
   <p:clrMapOvr>
     <a:masterClrMapping/>
   </p:clrMapOvr>
+  <mc:AlternateContent xmlns:mc="http://schemas.openxmlformats.org/markup-compatibility/2006" xmlns:p14="http://schemas.microsoft.com/office/powerpoint/2010/main">
+    <mc:Choice Requires="p14">
+      <p:transition spd="slow" p14:dur="2000" advTm="344512"/>
+    </mc:Choice>
+    <mc:Fallback xmlns="">
+      <p:transition xmlns:p14="http://schemas.microsoft.com/office/powerpoint/2010/main" spd="slow" advTm="344512"/>
+    </mc:Fallback>
+  </mc:AlternateContent>
 </p:sld>
 </file>
 
@@ -7385,22 +8429,22 @@
           <a:lstStyle/>
           <a:p>
             <a:r>
-              <a:rPr lang="en-US" dirty="0">
-                <a:latin typeface="Courier"/>
-                <a:cs typeface="Courier"/>
-              </a:rPr>
-              <a:t>while</a:t>
-            </a:r>
-            <a:r>
-              <a:rPr lang="en-US" dirty="0"/>
-              <a:t> Statement – Iteration Control</a:t>
-            </a:r>
-          </a:p>
-        </p:txBody>
-      </p:sp>
-      <p:sp>
-        <p:nvSpPr>
-          <p:cNvPr id="3" name="Content Placeholder 2"/>
+              <a:rPr lang="en-US" dirty="0" err="1"/>
+              <a:t>Doctests</a:t>
+            </a:r>
+            <a:endParaRPr lang="en-US" dirty="0"/>
+          </a:p>
+        </p:txBody>
+      </p:sp>
+      <p:sp>
+        <p:nvSpPr>
+          <p:cNvPr id="7" name="Content Placeholder 2">
+            <a:extLst>
+              <a:ext uri="{FF2B5EF4-FFF2-40B4-BE49-F238E27FC236}">
+                <a16:creationId xmlns:a16="http://schemas.microsoft.com/office/drawing/2014/main" id="{BF3DF969-C166-9D4D-B28F-BB02C36B60D8}"/>
+              </a:ext>
+            </a:extLst>
+          </p:cNvPr>
           <p:cNvSpPr>
             <a:spLocks noGrp="1"/>
           </p:cNvSpPr>
@@ -7415,14 +8459,149 @@
           <a:p>
             <a:r>
               <a:rPr lang="en-US" dirty="0"/>
-              <a:t>Repeat a block of statements until a predicate expression is satisfied</a:t>
-            </a:r>
-          </a:p>
-        </p:txBody>
-      </p:sp>
-      <p:sp>
-        <p:nvSpPr>
-          <p:cNvPr id="10" name="Slide Number Placeholder 5"/>
+              <a:t>Write the docstring to explain </a:t>
+            </a:r>
+            <a:r>
+              <a:rPr lang="en-US" i="1" dirty="0"/>
+              <a:t>what</a:t>
+            </a:r>
+            <a:r>
+              <a:rPr lang="en-US" dirty="0"/>
+              <a:t> it does</a:t>
+            </a:r>
+          </a:p>
+          <a:p>
+            <a:pPr lvl="1"/>
+            <a:r>
+              <a:rPr lang="en-US" b="0" dirty="0"/>
+              <a:t>What does the function return? What are corner cases for parameters? </a:t>
+            </a:r>
+            <a:endParaRPr lang="en-US" dirty="0"/>
+          </a:p>
+          <a:p>
+            <a:pPr marL="0" indent="0">
+              <a:buNone/>
+            </a:pPr>
+            <a:r>
+              <a:rPr lang="en-US" sz="2200" dirty="0">
+                <a:latin typeface="Source Code Pro" panose="020B0509030403020204" pitchFamily="49" charset="77"/>
+              </a:rPr>
+              <a:t>def max(x, y):</a:t>
+            </a:r>
+          </a:p>
+          <a:p>
+            <a:pPr marL="0" indent="0">
+              <a:buNone/>
+            </a:pPr>
+            <a:r>
+              <a:rPr lang="en-US" sz="2200" dirty="0">
+                <a:latin typeface="Source Code Pro" panose="020B0509030403020204" pitchFamily="49" charset="77"/>
+              </a:rPr>
+              <a:t>    """Returns the larger value of arguments x and y</a:t>
+            </a:r>
+          </a:p>
+          <a:p>
+            <a:pPr marL="0" indent="0">
+              <a:buNone/>
+            </a:pPr>
+            <a:r>
+              <a:rPr lang="en-US" sz="2200" dirty="0">
+                <a:latin typeface="Source Code Pro" panose="020B0509030403020204" pitchFamily="49" charset="77"/>
+              </a:rPr>
+              <a:t>    &gt;&gt;&gt; max(6, 0)</a:t>
+            </a:r>
+          </a:p>
+          <a:p>
+            <a:pPr marL="0" indent="0">
+              <a:buNone/>
+            </a:pPr>
+            <a:r>
+              <a:rPr lang="en-US" sz="2200" dirty="0">
+                <a:latin typeface="Source Code Pro" panose="020B0509030403020204" pitchFamily="49" charset="77"/>
+              </a:rPr>
+              <a:t>    6</a:t>
+            </a:r>
+          </a:p>
+          <a:p>
+            <a:pPr marL="0" indent="0">
+              <a:buNone/>
+            </a:pPr>
+            <a:r>
+              <a:rPr lang="en-US" sz="2200" dirty="0">
+                <a:latin typeface="Source Code Pro" panose="020B0509030403020204" pitchFamily="49" charset="77"/>
+              </a:rPr>
+              <a:t>    """</a:t>
+            </a:r>
+          </a:p>
+          <a:p>
+            <a:pPr marL="0" indent="0">
+              <a:buNone/>
+            </a:pPr>
+            <a:r>
+              <a:rPr lang="en-US" sz="2200" dirty="0">
+                <a:latin typeface="Source Code Pro" panose="020B0509030403020204" pitchFamily="49" charset="77"/>
+              </a:rPr>
+              <a:t>   </a:t>
+            </a:r>
+            <a:r>
+              <a:rPr lang="en-US" sz="2200" dirty="0">
+                <a:latin typeface="Source Code Pro" panose="020B0509030403020204" pitchFamily="49" charset="77"/>
+                <a:ea typeface="Source Code Pro" panose="020B0509030403020204" pitchFamily="49" charset="0"/>
+              </a:rPr>
+              <a:t>return x if x &gt; y else y</a:t>
+            </a:r>
+            <a:endParaRPr lang="en-US" dirty="0"/>
+          </a:p>
+          <a:p>
+            <a:r>
+              <a:rPr lang="en-US" dirty="0"/>
+              <a:t>Write </a:t>
+            </a:r>
+            <a:r>
+              <a:rPr lang="en-US" dirty="0" err="1"/>
+              <a:t>doctest</a:t>
+            </a:r>
+            <a:r>
+              <a:rPr lang="en-US" dirty="0"/>
+              <a:t> to show what it should do</a:t>
+            </a:r>
+          </a:p>
+          <a:p>
+            <a:pPr lvl="1"/>
+            <a:r>
+              <a:rPr lang="en-US" dirty="0"/>
+              <a:t>Before </a:t>
+            </a:r>
+            <a:r>
+              <a:rPr lang="en-US" b="0" dirty="0"/>
+              <a:t>you write the implementation.</a:t>
+            </a:r>
+          </a:p>
+          <a:p>
+            <a:pPr lvl="1"/>
+            <a:r>
+              <a:rPr lang="en-US" b="0" dirty="0"/>
+              <a:t>python3 –m </a:t>
+            </a:r>
+            <a:r>
+              <a:rPr lang="en-US" b="0" dirty="0" err="1"/>
+              <a:t>doctest</a:t>
+            </a:r>
+            <a:r>
+              <a:rPr lang="en-US" b="0" dirty="0"/>
+              <a:t> [-v] </a:t>
+            </a:r>
+            <a:r>
+              <a:rPr lang="en-US" b="0" dirty="0" err="1"/>
+              <a:t>file.py</a:t>
+            </a:r>
+            <a:endParaRPr lang="en-US" b="0" dirty="0"/>
+          </a:p>
+        </p:txBody>
+      </p:sp>
+      <p:sp>
+        <p:nvSpPr>
+          <p:cNvPr id="16" name="Slide Number Placeholder 5"/>
           <p:cNvSpPr>
             <a:spLocks noGrp="1"/>
           </p:cNvSpPr>
@@ -7449,93 +8628,13 @@
           </a:p>
         </p:txBody>
       </p:sp>
-      <p:sp>
-        <p:nvSpPr>
-          <p:cNvPr id="7" name="TextBox 6"/>
-          <p:cNvSpPr txBox="1"/>
-          <p:nvPr/>
-        </p:nvSpPr>
-        <p:spPr>
-          <a:xfrm>
-            <a:off x="2514600" y="1665529"/>
-            <a:ext cx="6400800" cy="1754327"/>
-          </a:xfrm>
-          <a:prstGeom prst="rect">
-            <a:avLst/>
-          </a:prstGeom>
-          <a:noFill/>
-        </p:spPr>
-        <p:txBody>
-          <a:bodyPr wrap="square" rtlCol="0">
-            <a:spAutoFit/>
-          </a:bodyPr>
-          <a:lstStyle/>
-          <a:p>
-            <a:r>
-              <a:rPr lang="en-US" sz="2000" dirty="0">
-                <a:latin typeface="Courier New"/>
-                <a:cs typeface="Courier New"/>
-              </a:rPr>
-              <a:t>&lt;initialization statements&gt;</a:t>
-            </a:r>
-          </a:p>
-          <a:p>
-            <a:r>
-              <a:rPr lang="en-US" sz="2800" b="1" dirty="0">
-                <a:latin typeface="Courier New"/>
-                <a:cs typeface="Courier New"/>
-              </a:rPr>
-              <a:t>while</a:t>
-            </a:r>
-            <a:r>
-              <a:rPr lang="en-US" sz="2000" dirty="0">
-                <a:latin typeface="Courier New"/>
-                <a:cs typeface="Courier New"/>
-              </a:rPr>
-              <a:t> &lt;predicate expression&gt;</a:t>
-            </a:r>
-            <a:r>
-              <a:rPr lang="en-US" sz="2800" b="1" dirty="0">
-                <a:latin typeface="Courier New"/>
-                <a:cs typeface="Courier New"/>
-              </a:rPr>
-              <a:t>:</a:t>
-            </a:r>
-            <a:endParaRPr lang="en-US" sz="2000" b="1" dirty="0">
-              <a:latin typeface="Courier New"/>
-              <a:cs typeface="Courier New"/>
-            </a:endParaRPr>
-          </a:p>
-          <a:p>
-            <a:r>
-              <a:rPr lang="en-US" sz="2000" dirty="0">
-                <a:latin typeface="Courier New"/>
-                <a:cs typeface="Courier New"/>
-              </a:rPr>
-              <a:t>   &lt;body statements&gt;</a:t>
-            </a:r>
-          </a:p>
-          <a:p>
-            <a:endParaRPr lang="en-US" sz="2000" dirty="0">
-              <a:latin typeface="Courier New"/>
-              <a:cs typeface="Courier New"/>
-            </a:endParaRPr>
-          </a:p>
-          <a:p>
-            <a:r>
-              <a:rPr lang="en-US" sz="2000" dirty="0">
-                <a:latin typeface="Courier New"/>
-                <a:cs typeface="Courier New"/>
-              </a:rPr>
-              <a:t>&lt;rest of the program&gt;</a:t>
-            </a:r>
-          </a:p>
-        </p:txBody>
-      </p:sp>
     </p:spTree>
+    <p:custDataLst>
+      <p:tags r:id="rId1"/>
+    </p:custDataLst>
     <p:extLst>
       <p:ext uri="{BB962C8B-B14F-4D97-AF65-F5344CB8AC3E}">
-        <p14:creationId xmlns:p14="http://schemas.microsoft.com/office/powerpoint/2010/main" val="4226347813"/>
+        <p14:creationId xmlns:p14="http://schemas.microsoft.com/office/powerpoint/2010/main" val="2663639822"/>
       </p:ext>
     </p:extLst>
   </p:cSld>
@@ -7544,10 +8643,10 @@
   </p:clrMapOvr>
   <mc:AlternateContent xmlns:mc="http://schemas.openxmlformats.org/markup-compatibility/2006" xmlns:p14="http://schemas.microsoft.com/office/powerpoint/2010/main">
     <mc:Choice Requires="p14">
-      <p:transition spd="slow" p14:dur="2000" advTm="51315"/>
+      <p:transition spd="slow" p14:dur="2000" advTm="344512"/>
     </mc:Choice>
     <mc:Fallback xmlns="">
-      <p:transition spd="slow" advTm="51315"/>
+      <p:transition xmlns:p14="http://schemas.microsoft.com/office/powerpoint/2010/main" spd="slow" advTm="344512"/>
     </mc:Fallback>
   </mc:AlternateContent>
 </p:sld>
@@ -7572,6 +8671,435 @@
       </p:grpSpPr>
       <p:sp>
         <p:nvSpPr>
+          <p:cNvPr id="7" name="Title 6">
+            <a:extLst>
+              <a:ext uri="{FF2B5EF4-FFF2-40B4-BE49-F238E27FC236}">
+                <a16:creationId xmlns:a16="http://schemas.microsoft.com/office/drawing/2014/main" id="{174F684A-21F3-5E4C-BD4A-9318C588BC15}"/>
+              </a:ext>
+            </a:extLst>
+          </p:cNvPr>
+          <p:cNvSpPr>
+            <a:spLocks noGrp="1"/>
+          </p:cNvSpPr>
+          <p:nvPr>
+            <p:ph type="ctrTitle"/>
+          </p:nvPr>
+        </p:nvSpPr>
+        <p:spPr/>
+        <p:txBody>
+          <a:bodyPr/>
+          <a:lstStyle/>
+          <a:p>
+            <a:r>
+              <a:rPr lang="en-US" dirty="0"/>
+              <a:t>Iteration with </a:t>
+            </a:r>
+            <a:r>
+              <a:rPr lang="en-US" dirty="0">
+                <a:latin typeface="Source Code Pro" panose="020B0509030403020204" pitchFamily="49" charset="77"/>
+              </a:rPr>
+              <a:t>while</a:t>
+            </a:r>
+            <a:r>
+              <a:rPr lang="en-US" dirty="0"/>
+              <a:t> Loops</a:t>
+            </a:r>
+          </a:p>
+        </p:txBody>
+      </p:sp>
+      <p:sp>
+        <p:nvSpPr>
+          <p:cNvPr id="11" name="Subtitle 10">
+            <a:extLst>
+              <a:ext uri="{FF2B5EF4-FFF2-40B4-BE49-F238E27FC236}">
+                <a16:creationId xmlns:a16="http://schemas.microsoft.com/office/drawing/2014/main" id="{A5A972AD-FA82-C842-A41E-DD3EC40B1A80}"/>
+              </a:ext>
+            </a:extLst>
+          </p:cNvPr>
+          <p:cNvSpPr>
+            <a:spLocks noGrp="1"/>
+          </p:cNvSpPr>
+          <p:nvPr>
+            <p:ph type="subTitle" idx="1"/>
+          </p:nvPr>
+        </p:nvSpPr>
+        <p:spPr/>
+        <p:txBody>
+          <a:bodyPr/>
+          <a:lstStyle/>
+          <a:p>
+            <a:endParaRPr lang="en-US"/>
+          </a:p>
+        </p:txBody>
+      </p:sp>
+    </p:spTree>
+    <p:extLst>
+      <p:ext uri="{BB962C8B-B14F-4D97-AF65-F5344CB8AC3E}">
+        <p14:creationId xmlns:p14="http://schemas.microsoft.com/office/powerpoint/2010/main" val="65676127"/>
+      </p:ext>
+    </p:extLst>
+  </p:cSld>
+  <p:clrMapOvr>
+    <a:masterClrMapping/>
+  </p:clrMapOvr>
+  <mc:AlternateContent xmlns:mc="http://schemas.openxmlformats.org/markup-compatibility/2006" xmlns:p14="http://schemas.microsoft.com/office/powerpoint/2010/main">
+    <mc:Choice Requires="p14">
+      <p:transition spd="slow" p14:dur="2000" advTm="109658"/>
+    </mc:Choice>
+    <mc:Fallback xmlns="">
+      <p:transition xmlns:p14="http://schemas.microsoft.com/office/powerpoint/2010/main" spd="slow" advTm="109658"/>
+    </mc:Fallback>
+  </mc:AlternateContent>
+</p:sld>
+</file>
+
+<file path=ppt/slides/slide17.xml><?xml version="1.0" encoding="utf-8"?>
+<p:sld xmlns:a="http://schemas.openxmlformats.org/drawingml/2006/main" xmlns:r="http://schemas.openxmlformats.org/officeDocument/2006/relationships" xmlns:p="http://schemas.openxmlformats.org/presentationml/2006/main">
+  <p:cSld>
+    <p:spTree>
+      <p:nvGrpSpPr>
+        <p:cNvPr id="1" name=""/>
+        <p:cNvGrpSpPr/>
+        <p:nvPr/>
+      </p:nvGrpSpPr>
+      <p:grpSpPr>
+        <a:xfrm>
+          <a:off x="0" y="0"/>
+          <a:ext cx="0" cy="0"/>
+          <a:chOff x="0" y="0"/>
+          <a:chExt cx="0" cy="0"/>
+        </a:xfrm>
+      </p:grpSpPr>
+      <p:sp>
+        <p:nvSpPr>
+          <p:cNvPr id="2" name="Title 1">
+            <a:extLst>
+              <a:ext uri="{FF2B5EF4-FFF2-40B4-BE49-F238E27FC236}">
+                <a16:creationId xmlns:a16="http://schemas.microsoft.com/office/drawing/2014/main" id="{D2FBD6C8-D98C-0A48-AA6D-667D5252DFB6}"/>
+              </a:ext>
+            </a:extLst>
+          </p:cNvPr>
+          <p:cNvSpPr>
+            <a:spLocks noGrp="1"/>
+          </p:cNvSpPr>
+          <p:nvPr>
+            <p:ph type="title"/>
+          </p:nvPr>
+        </p:nvSpPr>
+        <p:spPr/>
+        <p:txBody>
+          <a:bodyPr/>
+          <a:lstStyle/>
+          <a:p>
+            <a:r>
+              <a:rPr lang="en-US" dirty="0"/>
+              <a:t>Learning Objectives</a:t>
+            </a:r>
+          </a:p>
+        </p:txBody>
+      </p:sp>
+      <p:sp>
+        <p:nvSpPr>
+          <p:cNvPr id="3" name="Content Placeholder 2">
+            <a:extLst>
+              <a:ext uri="{FF2B5EF4-FFF2-40B4-BE49-F238E27FC236}">
+                <a16:creationId xmlns:a16="http://schemas.microsoft.com/office/drawing/2014/main" id="{EEBD7440-F20E-0042-9F08-7623E15EFE7F}"/>
+              </a:ext>
+            </a:extLst>
+          </p:cNvPr>
+          <p:cNvSpPr>
+            <a:spLocks noGrp="1"/>
+          </p:cNvSpPr>
+          <p:nvPr>
+            <p:ph idx="1"/>
+          </p:nvPr>
+        </p:nvSpPr>
+        <p:spPr/>
+        <p:txBody>
+          <a:bodyPr/>
+          <a:lstStyle/>
+          <a:p>
+            <a:r>
+              <a:rPr lang="en-US" dirty="0"/>
+              <a:t>Use a while loop to repeat some task.</a:t>
+            </a:r>
+          </a:p>
+          <a:p>
+            <a:r>
+              <a:rPr lang="en-US" dirty="0"/>
+              <a:t>Write an expression to control when a while loop stops executing</a:t>
+            </a:r>
+          </a:p>
+        </p:txBody>
+      </p:sp>
+      <p:sp>
+        <p:nvSpPr>
+          <p:cNvPr id="4" name="Slide Number Placeholder 3">
+            <a:extLst>
+              <a:ext uri="{FF2B5EF4-FFF2-40B4-BE49-F238E27FC236}">
+                <a16:creationId xmlns:a16="http://schemas.microsoft.com/office/drawing/2014/main" id="{BDBAE243-B15A-004D-99CA-2D3DEFF8CE27}"/>
+              </a:ext>
+            </a:extLst>
+          </p:cNvPr>
+          <p:cNvSpPr>
+            <a:spLocks noGrp="1"/>
+          </p:cNvSpPr>
+          <p:nvPr>
+            <p:ph type="sldNum" sz="quarter" idx="12"/>
+          </p:nvPr>
+        </p:nvSpPr>
+        <p:spPr/>
+        <p:txBody>
+          <a:bodyPr/>
+          <a:lstStyle/>
+          <a:p>
+            <a:pPr>
+              <a:defRPr/>
+            </a:pPr>
+            <a:fld id="{ACA94121-BA6C-AD43-82C2-DF1F24FE5D9C}" type="slidenum">
+              <a:rPr lang="en-US" smtClean="0"/>
+              <a:pPr>
+                <a:defRPr/>
+              </a:pPr>
+              <a:t>17</a:t>
+            </a:fld>
+            <a:endParaRPr lang="en-US" b="0"/>
+          </a:p>
+        </p:txBody>
+      </p:sp>
+    </p:spTree>
+    <p:extLst>
+      <p:ext uri="{BB962C8B-B14F-4D97-AF65-F5344CB8AC3E}">
+        <p14:creationId xmlns:p14="http://schemas.microsoft.com/office/powerpoint/2010/main" val="1417472651"/>
+      </p:ext>
+    </p:extLst>
+  </p:cSld>
+  <p:clrMapOvr>
+    <a:masterClrMapping/>
+  </p:clrMapOvr>
+</p:sld>
+</file>
+
+<file path=ppt/slides/slide18.xml><?xml version="1.0" encoding="utf-8"?>
+<p:sld xmlns:a="http://schemas.openxmlformats.org/drawingml/2006/main" xmlns:r="http://schemas.openxmlformats.org/officeDocument/2006/relationships" xmlns:p="http://schemas.openxmlformats.org/presentationml/2006/main">
+  <p:cSld>
+    <p:spTree>
+      <p:nvGrpSpPr>
+        <p:cNvPr id="1" name=""/>
+        <p:cNvGrpSpPr/>
+        <p:nvPr/>
+      </p:nvGrpSpPr>
+      <p:grpSpPr>
+        <a:xfrm>
+          <a:off x="0" y="0"/>
+          <a:ext cx="0" cy="0"/>
+          <a:chOff x="0" y="0"/>
+          <a:chExt cx="0" cy="0"/>
+        </a:xfrm>
+      </p:grpSpPr>
+      <p:sp>
+        <p:nvSpPr>
+          <p:cNvPr id="2" name="Title 1"/>
+          <p:cNvSpPr>
+            <a:spLocks noGrp="1"/>
+          </p:cNvSpPr>
+          <p:nvPr>
+            <p:ph type="title"/>
+          </p:nvPr>
+        </p:nvSpPr>
+        <p:spPr/>
+        <p:txBody>
+          <a:bodyPr/>
+          <a:lstStyle/>
+          <a:p>
+            <a:r>
+              <a:rPr lang="en-US" dirty="0">
+                <a:latin typeface="Courier"/>
+                <a:cs typeface="Courier"/>
+              </a:rPr>
+              <a:t>while</a:t>
+            </a:r>
+            <a:r>
+              <a:rPr lang="en-US" dirty="0"/>
+              <a:t> Statement – Iteration Control</a:t>
+            </a:r>
+          </a:p>
+        </p:txBody>
+      </p:sp>
+      <p:sp>
+        <p:nvSpPr>
+          <p:cNvPr id="3" name="Content Placeholder 2"/>
+          <p:cNvSpPr>
+            <a:spLocks noGrp="1"/>
+          </p:cNvSpPr>
+          <p:nvPr>
+            <p:ph idx="1"/>
+          </p:nvPr>
+        </p:nvSpPr>
+        <p:spPr/>
+        <p:txBody>
+          <a:bodyPr/>
+          <a:lstStyle/>
+          <a:p>
+            <a:r>
+              <a:rPr lang="en-US" dirty="0"/>
+              <a:t>Repeat a block of statements until a predicate expression is satisfied</a:t>
+            </a:r>
+          </a:p>
+        </p:txBody>
+      </p:sp>
+      <p:sp>
+        <p:nvSpPr>
+          <p:cNvPr id="10" name="Slide Number Placeholder 5"/>
+          <p:cNvSpPr>
+            <a:spLocks noGrp="1"/>
+          </p:cNvSpPr>
+          <p:nvPr>
+            <p:ph type="sldNum" sz="quarter" idx="12"/>
+          </p:nvPr>
+        </p:nvSpPr>
+        <p:spPr/>
+        <p:txBody>
+          <a:bodyPr/>
+          <a:lstStyle/>
+          <a:p>
+            <a:pPr>
+              <a:defRPr/>
+            </a:pPr>
+            <a:fld id="{ACA94121-BA6C-AD43-82C2-DF1F24FE5D9C}" type="slidenum">
+              <a:rPr lang="en-US" smtClean="0"/>
+              <a:pPr>
+                <a:defRPr/>
+              </a:pPr>
+              <a:t>18</a:t>
+            </a:fld>
+            <a:endParaRPr lang="en-US" b="0"/>
+          </a:p>
+        </p:txBody>
+      </p:sp>
+      <p:sp>
+        <p:nvSpPr>
+          <p:cNvPr id="7" name="TextBox 6"/>
+          <p:cNvSpPr txBox="1"/>
+          <p:nvPr/>
+        </p:nvSpPr>
+        <p:spPr>
+          <a:xfrm>
+            <a:off x="2514600" y="1665529"/>
+            <a:ext cx="6400800" cy="1754327"/>
+          </a:xfrm>
+          <a:prstGeom prst="rect">
+            <a:avLst/>
+          </a:prstGeom>
+          <a:noFill/>
+        </p:spPr>
+        <p:txBody>
+          <a:bodyPr wrap="square" rtlCol="0">
+            <a:spAutoFit/>
+          </a:bodyPr>
+          <a:lstStyle/>
+          <a:p>
+            <a:r>
+              <a:rPr lang="en-US" sz="2000" dirty="0">
+                <a:latin typeface="Courier New"/>
+                <a:cs typeface="Courier New"/>
+              </a:rPr>
+              <a:t>&lt;initialization statements&gt;</a:t>
+            </a:r>
+          </a:p>
+          <a:p>
+            <a:r>
+              <a:rPr lang="en-US" sz="2800" b="1" dirty="0">
+                <a:latin typeface="Courier New"/>
+                <a:cs typeface="Courier New"/>
+              </a:rPr>
+              <a:t>while</a:t>
+            </a:r>
+            <a:r>
+              <a:rPr lang="en-US" sz="2000" dirty="0">
+                <a:latin typeface="Courier New"/>
+                <a:cs typeface="Courier New"/>
+              </a:rPr>
+              <a:t> &lt;predicate expression&gt;</a:t>
+            </a:r>
+            <a:r>
+              <a:rPr lang="en-US" sz="2800" b="1" dirty="0">
+                <a:latin typeface="Courier New"/>
+                <a:cs typeface="Courier New"/>
+              </a:rPr>
+              <a:t>:</a:t>
+            </a:r>
+            <a:endParaRPr lang="en-US" sz="2000" b="1" dirty="0">
+              <a:latin typeface="Courier New"/>
+              <a:cs typeface="Courier New"/>
+            </a:endParaRPr>
+          </a:p>
+          <a:p>
+            <a:r>
+              <a:rPr lang="en-US" sz="2000" dirty="0">
+                <a:latin typeface="Courier New"/>
+                <a:cs typeface="Courier New"/>
+              </a:rPr>
+              <a:t>   &lt;body statements&gt;</a:t>
+            </a:r>
+          </a:p>
+          <a:p>
+            <a:endParaRPr lang="en-US" sz="2000" dirty="0">
+              <a:latin typeface="Courier New"/>
+              <a:cs typeface="Courier New"/>
+            </a:endParaRPr>
+          </a:p>
+          <a:p>
+            <a:r>
+              <a:rPr lang="en-US" sz="2000" dirty="0">
+                <a:latin typeface="Courier New"/>
+                <a:cs typeface="Courier New"/>
+              </a:rPr>
+              <a:t>&lt;rest of the program&gt;</a:t>
+            </a:r>
+          </a:p>
+        </p:txBody>
+      </p:sp>
+    </p:spTree>
+    <p:extLst>
+      <p:ext uri="{BB962C8B-B14F-4D97-AF65-F5344CB8AC3E}">
+        <p14:creationId xmlns:p14="http://schemas.microsoft.com/office/powerpoint/2010/main" val="4226347813"/>
+      </p:ext>
+    </p:extLst>
+  </p:cSld>
+  <p:clrMapOvr>
+    <a:masterClrMapping/>
+  </p:clrMapOvr>
+  <mc:AlternateContent xmlns:mc="http://schemas.openxmlformats.org/markup-compatibility/2006" xmlns:p14="http://schemas.microsoft.com/office/powerpoint/2010/main">
+    <mc:Choice Requires="p14">
+      <p:transition spd="slow" p14:dur="2000" advTm="51315"/>
+    </mc:Choice>
+    <mc:Fallback xmlns="">
+      <p:transition spd="slow" advTm="51315"/>
+    </mc:Fallback>
+  </mc:AlternateContent>
+</p:sld>
+</file>
+
+<file path=ppt/slides/slide19.xml><?xml version="1.0" encoding="utf-8"?>
+<p:sld xmlns:a="http://schemas.openxmlformats.org/drawingml/2006/main" xmlns:r="http://schemas.openxmlformats.org/officeDocument/2006/relationships" xmlns:p="http://schemas.openxmlformats.org/presentationml/2006/main">
+  <p:cSld>
+    <p:spTree>
+      <p:nvGrpSpPr>
+        <p:cNvPr id="1" name=""/>
+        <p:cNvGrpSpPr/>
+        <p:nvPr/>
+      </p:nvGrpSpPr>
+      <p:grpSpPr>
+        <a:xfrm>
+          <a:off x="0" y="0"/>
+          <a:ext cx="0" cy="0"/>
+          <a:chOff x="0" y="0"/>
+          <a:chExt cx="0" cy="0"/>
+        </a:xfrm>
+      </p:grpSpPr>
+      <p:sp>
+        <p:nvSpPr>
           <p:cNvPr id="2" name="Title 1">
             <a:extLst>
               <a:ext uri="{FF2B5EF4-FFF2-40B4-BE49-F238E27FC236}">
@@ -7716,8 +9244,230 @@
 </p:sld>
 </file>
 
-<file path=ppt/slides/slide17.xml><?xml version="1.0" encoding="utf-8"?>
+<file path=ppt/slides/slide2.xml><?xml version="1.0" encoding="utf-8"?>
 <p:sld xmlns:a="http://schemas.openxmlformats.org/drawingml/2006/main" xmlns:r="http://schemas.openxmlformats.org/officeDocument/2006/relationships" xmlns:p="http://schemas.openxmlformats.org/presentationml/2006/main">
+  <p:cSld>
+    <p:spTree>
+      <p:nvGrpSpPr>
+        <p:cNvPr id="1" name=""/>
+        <p:cNvGrpSpPr/>
+        <p:nvPr/>
+      </p:nvGrpSpPr>
+      <p:grpSpPr>
+        <a:xfrm>
+          <a:off x="0" y="0"/>
+          <a:ext cx="0" cy="0"/>
+          <a:chOff x="0" y="0"/>
+          <a:chExt cx="0" cy="0"/>
+        </a:xfrm>
+      </p:grpSpPr>
+      <p:sp>
+        <p:nvSpPr>
+          <p:cNvPr id="2" name="Title 1">
+            <a:extLst>
+              <a:ext uri="{FF2B5EF4-FFF2-40B4-BE49-F238E27FC236}">
+                <a16:creationId xmlns:a16="http://schemas.microsoft.com/office/drawing/2014/main" id="{2010EE93-B4E4-B443-AE9E-A85F1D185378}"/>
+              </a:ext>
+            </a:extLst>
+          </p:cNvPr>
+          <p:cNvSpPr>
+            <a:spLocks noGrp="1"/>
+          </p:cNvSpPr>
+          <p:nvPr>
+            <p:ph type="title"/>
+          </p:nvPr>
+        </p:nvSpPr>
+        <p:spPr/>
+        <p:txBody>
+          <a:bodyPr/>
+          <a:lstStyle/>
+          <a:p>
+            <a:r>
+              <a:rPr lang="en-US" dirty="0"/>
+              <a:t>Computing In The News</a:t>
+            </a:r>
+          </a:p>
+        </p:txBody>
+      </p:sp>
+      <p:sp>
+        <p:nvSpPr>
+          <p:cNvPr id="7" name="TextBox 6">
+            <a:extLst>
+              <a:ext uri="{FF2B5EF4-FFF2-40B4-BE49-F238E27FC236}">
+                <a16:creationId xmlns:a16="http://schemas.microsoft.com/office/drawing/2014/main" id="{A043863B-8260-F84C-9F42-16C41C21AA50}"/>
+              </a:ext>
+            </a:extLst>
+          </p:cNvPr>
+          <p:cNvSpPr txBox="1"/>
+          <p:nvPr/>
+        </p:nvSpPr>
+        <p:spPr>
+          <a:xfrm>
+            <a:off x="457200" y="991704"/>
+            <a:ext cx="7010400" cy="5632311"/>
+          </a:xfrm>
+          <a:prstGeom prst="rect">
+            <a:avLst/>
+          </a:prstGeom>
+          <a:noFill/>
+        </p:spPr>
+        <p:txBody>
+          <a:bodyPr wrap="square">
+            <a:spAutoFit/>
+          </a:bodyPr>
+          <a:lstStyle/>
+          <a:p>
+            <a:r>
+              <a:rPr lang="en-US" b="1" i="0" u="none" strike="noStrike" dirty="0">
+                <a:solidFill>
+                  <a:srgbClr val="005985"/>
+                </a:solidFill>
+                <a:effectLst/>
+                <a:latin typeface="verdana" panose="020B0604030504040204" pitchFamily="34" charset="0"/>
+                <a:hlinkClick r:id="rId2"/>
+              </a:rPr>
+              <a:t>Face Recognition Struggles to Recognize Us After Five Years of Aging</a:t>
+            </a:r>
+            <a:r>
+              <a:rPr lang="en-US" b="0" i="0" u="none" strike="noStrike" dirty="0">
+                <a:solidFill>
+                  <a:srgbClr val="005985"/>
+                </a:solidFill>
+                <a:effectLst/>
+                <a:latin typeface="verdana" panose="020B0604030504040204" pitchFamily="34" charset="0"/>
+                <a:hlinkClick r:id="rId2"/>
+              </a:rPr>
+              <a:t> </a:t>
+            </a:r>
+            <a:br>
+              <a:rPr lang="en-US" dirty="0">
+                <a:hlinkClick r:id="rId2"/>
+              </a:rPr>
+            </a:br>
+            <a:r>
+              <a:rPr lang="en-US" b="1" i="1" u="none" strike="noStrike" dirty="0">
+                <a:solidFill>
+                  <a:srgbClr val="030303"/>
+                </a:solidFill>
+                <a:effectLst/>
+                <a:latin typeface="verdana" panose="020B0604030504040204" pitchFamily="34" charset="0"/>
+                <a:hlinkClick r:id="rId2"/>
+              </a:rPr>
+              <a:t>New Scientist</a:t>
+            </a:r>
+            <a:br>
+              <a:rPr lang="en-US" b="0" i="1" u="none" strike="noStrike" dirty="0">
+                <a:solidFill>
+                  <a:srgbClr val="666666"/>
+                </a:solidFill>
+                <a:effectLst/>
+                <a:latin typeface="verdana" panose="020B0604030504040204" pitchFamily="34" charset="0"/>
+              </a:rPr>
+            </a:br>
+            <a:r>
+              <a:rPr lang="en-US" b="0" i="1" u="none" strike="noStrike" dirty="0">
+                <a:solidFill>
+                  <a:srgbClr val="666666"/>
+                </a:solidFill>
+                <a:effectLst/>
+                <a:latin typeface="verdana" panose="020B0604030504040204" pitchFamily="34" charset="0"/>
+              </a:rPr>
+              <a:t>Matthew Sparkes August 24, 2022</a:t>
+            </a:r>
+            <a:br>
+              <a:rPr lang="en-US" b="0" i="0" u="none" strike="noStrike" dirty="0">
+                <a:solidFill>
+                  <a:srgbClr val="030303"/>
+                </a:solidFill>
+                <a:effectLst/>
+                <a:latin typeface="verdana" panose="020B0604030504040204" pitchFamily="34" charset="0"/>
+              </a:rPr>
+            </a:br>
+            <a:br>
+              <a:rPr lang="en-US" b="0" i="0" u="none" strike="noStrike" dirty="0">
+                <a:solidFill>
+                  <a:srgbClr val="030303"/>
+                </a:solidFill>
+                <a:effectLst/>
+                <a:latin typeface="verdana" panose="020B0604030504040204" pitchFamily="34" charset="0"/>
+              </a:rPr>
+            </a:br>
+            <a:r>
+              <a:rPr lang="en-US" b="0" i="0" u="none" strike="noStrike" dirty="0">
+                <a:solidFill>
+                  <a:srgbClr val="000000"/>
+                </a:solidFill>
+                <a:effectLst/>
+                <a:latin typeface="verdana" panose="020B0604030504040204" pitchFamily="34" charset="0"/>
+              </a:rPr>
+              <a:t>A test designed by the Norwegian University of Science and Technology's Marcel Grimmer and colleagues found that facial recognition algorithms start running into difficulty identifying people after they have aged five years. The researchers used open-source alternatives to face recognition tools used by police and smartphone manufacturers, as well as artificial intelligence-generated images of 50,000 humans aged synthetically. Grimmer said the tools' accuracy declined continuously from the point the reference image was captured. The algorithms used to age faces synthetically from reference images also proved more effective when the target was between 20 and 40 years, compared to children and older adults. The implication is that new photos may be needed more often to maintain accuracy and security.</a:t>
+            </a:r>
+            <a:endParaRPr lang="en-US" dirty="0"/>
+          </a:p>
+        </p:txBody>
+      </p:sp>
+      <p:pic>
+        <p:nvPicPr>
+          <p:cNvPr id="1026" name="Picture 2" descr="Ageing shown through a selection of photos">
+            <a:extLst>
+              <a:ext uri="{FF2B5EF4-FFF2-40B4-BE49-F238E27FC236}">
+                <a16:creationId xmlns:a16="http://schemas.microsoft.com/office/drawing/2014/main" id="{5C41B363-AB0A-5794-665C-3CBF9607FFA6}"/>
+              </a:ext>
+            </a:extLst>
+          </p:cNvPr>
+          <p:cNvPicPr>
+            <a:picLocks noChangeAspect="1" noChangeArrowheads="1"/>
+          </p:cNvPicPr>
+          <p:nvPr/>
+        </p:nvPicPr>
+        <p:blipFill>
+          <a:blip r:embed="rId3">
+            <a:extLst>
+              <a:ext uri="{28A0092B-C50C-407E-A947-70E740481C1C}">
+                <a14:useLocalDpi xmlns:a14="http://schemas.microsoft.com/office/drawing/2010/main" val="0"/>
+              </a:ext>
+            </a:extLst>
+          </a:blip>
+          <a:srcRect/>
+          <a:stretch>
+            <a:fillRect/>
+          </a:stretch>
+        </p:blipFill>
+        <p:spPr bwMode="auto">
+          <a:xfrm>
+            <a:off x="7289833" y="998631"/>
+            <a:ext cx="4444967" cy="2963769"/>
+          </a:xfrm>
+          <a:prstGeom prst="rect">
+            <a:avLst/>
+          </a:prstGeom>
+          <a:noFill/>
+          <a:extLst>
+            <a:ext uri="{909E8E84-426E-40DD-AFC4-6F175D3DCCD1}">
+              <a14:hiddenFill xmlns:a14="http://schemas.microsoft.com/office/drawing/2010/main">
+                <a:solidFill>
+                  <a:srgbClr val="FFFFFF"/>
+                </a:solidFill>
+              </a14:hiddenFill>
+            </a:ext>
+          </a:extLst>
+        </p:spPr>
+      </p:pic>
+    </p:spTree>
+    <p:extLst>
+      <p:ext uri="{BB962C8B-B14F-4D97-AF65-F5344CB8AC3E}">
+        <p14:creationId xmlns:p14="http://schemas.microsoft.com/office/powerpoint/2010/main" val="2890302287"/>
+      </p:ext>
+    </p:extLst>
+  </p:cSld>
+  <p:clrMapOvr>
+    <a:masterClrMapping/>
+  </p:clrMapOvr>
+</p:sld>
+</file>
+
+<file path=ppt/slides/slide20.xml><?xml version="1.0" encoding="utf-8"?>
+<p:sld xmlns:a="http://schemas.openxmlformats.org/drawingml/2006/main" xmlns:r="http://schemas.openxmlformats.org/officeDocument/2006/relationships" xmlns:p="http://schemas.openxmlformats.org/presentationml/2006/main" show="0">
   <p:cSld>
     <p:spTree>
       <p:nvGrpSpPr>
@@ -7801,8 +9551,8 @@
 </p:sld>
 </file>
 
-<file path=ppt/slides/slide18.xml><?xml version="1.0" encoding="utf-8"?>
-<p:sld xmlns:a="http://schemas.openxmlformats.org/drawingml/2006/main" xmlns:r="http://schemas.openxmlformats.org/officeDocument/2006/relationships" xmlns:p="http://schemas.openxmlformats.org/presentationml/2006/main">
+<file path=ppt/slides/slide21.xml><?xml version="1.0" encoding="utf-8"?>
+<p:sld xmlns:a="http://schemas.openxmlformats.org/drawingml/2006/main" xmlns:r="http://schemas.openxmlformats.org/officeDocument/2006/relationships" xmlns:p="http://schemas.openxmlformats.org/presentationml/2006/main" show="0">
   <p:cSld>
     <p:spTree>
       <p:nvGrpSpPr>
@@ -7903,7 +9653,7 @@
               <a:pPr>
                 <a:defRPr/>
               </a:pPr>
-              <a:t>18</a:t>
+              <a:t>21</a:t>
             </a:fld>
             <a:endParaRPr lang="en-US" b="0"/>
           </a:p>
@@ -7922,7 +9672,7 @@
 </p:sld>
 </file>
 
-<file path=ppt/slides/slide19.xml><?xml version="1.0" encoding="utf-8"?>
+<file path=ppt/slides/slide22.xml><?xml version="1.0" encoding="utf-8"?>
 <p:sld xmlns:a="http://schemas.openxmlformats.org/drawingml/2006/main" xmlns:r="http://schemas.openxmlformats.org/officeDocument/2006/relationships" xmlns:p="http://schemas.openxmlformats.org/presentationml/2006/main" show="0">
   <p:cSld>
     <p:spTree>
@@ -8063,135 +9813,8 @@
 </p:sld>
 </file>
 
-<file path=ppt/slides/slide2.xml><?xml version="1.0" encoding="utf-8"?>
-<p:sld xmlns:a="http://schemas.openxmlformats.org/drawingml/2006/main" xmlns:r="http://schemas.openxmlformats.org/officeDocument/2006/relationships" xmlns:p="http://schemas.openxmlformats.org/presentationml/2006/main">
-  <p:cSld>
-    <p:spTree>
-      <p:nvGrpSpPr>
-        <p:cNvPr id="1" name=""/>
-        <p:cNvGrpSpPr/>
-        <p:nvPr/>
-      </p:nvGrpSpPr>
-      <p:grpSpPr>
-        <a:xfrm>
-          <a:off x="0" y="0"/>
-          <a:ext cx="0" cy="0"/>
-          <a:chOff x="0" y="0"/>
-          <a:chExt cx="0" cy="0"/>
-        </a:xfrm>
-      </p:grpSpPr>
-      <p:sp>
-        <p:nvSpPr>
-          <p:cNvPr id="2" name="Title 1">
-            <a:extLst>
-              <a:ext uri="{FF2B5EF4-FFF2-40B4-BE49-F238E27FC236}">
-                <a16:creationId xmlns:a16="http://schemas.microsoft.com/office/drawing/2014/main" id="{14B7F9C6-2BD4-4446-8C1F-87A4A85F850A}"/>
-              </a:ext>
-            </a:extLst>
-          </p:cNvPr>
-          <p:cNvSpPr>
-            <a:spLocks noGrp="1"/>
-          </p:cNvSpPr>
-          <p:nvPr>
-            <p:ph type="title"/>
-          </p:nvPr>
-        </p:nvSpPr>
-        <p:spPr/>
-        <p:txBody>
-          <a:bodyPr/>
-          <a:lstStyle/>
-          <a:p>
-            <a:r>
-              <a:rPr lang="en-US" dirty="0"/>
-              <a:t>Announcements</a:t>
-            </a:r>
-          </a:p>
-        </p:txBody>
-      </p:sp>
-      <p:sp>
-        <p:nvSpPr>
-          <p:cNvPr id="3" name="Content Placeholder 2">
-            <a:extLst>
-              <a:ext uri="{FF2B5EF4-FFF2-40B4-BE49-F238E27FC236}">
-                <a16:creationId xmlns:a16="http://schemas.microsoft.com/office/drawing/2014/main" id="{CC53B7B3-1780-B745-B4D2-26E3A459EEF1}"/>
-              </a:ext>
-            </a:extLst>
-          </p:cNvPr>
-          <p:cNvSpPr>
-            <a:spLocks noGrp="1"/>
-          </p:cNvSpPr>
-          <p:nvPr>
-            <p:ph idx="1"/>
-          </p:nvPr>
-        </p:nvSpPr>
-        <p:spPr/>
-        <p:txBody>
-          <a:bodyPr/>
-          <a:lstStyle/>
-          <a:p>
-            <a:r>
-              <a:rPr lang="en-US" dirty="0"/>
-              <a:t>In person next week!</a:t>
-            </a:r>
-          </a:p>
-          <a:p>
-            <a:r>
-              <a:rPr lang="en-US" dirty="0"/>
-              <a:t>Please check the CS88 Google Calendar for locations</a:t>
-            </a:r>
-          </a:p>
-        </p:txBody>
-      </p:sp>
-      <p:sp>
-        <p:nvSpPr>
-          <p:cNvPr id="5" name="Slide Number Placeholder 4">
-            <a:extLst>
-              <a:ext uri="{FF2B5EF4-FFF2-40B4-BE49-F238E27FC236}">
-                <a16:creationId xmlns:a16="http://schemas.microsoft.com/office/drawing/2014/main" id="{103E9FE9-8521-674C-A3F8-34C13CAD4416}"/>
-              </a:ext>
-            </a:extLst>
-          </p:cNvPr>
-          <p:cNvSpPr>
-            <a:spLocks noGrp="1"/>
-          </p:cNvSpPr>
-          <p:nvPr>
-            <p:ph type="sldNum" sz="quarter" idx="12"/>
-          </p:nvPr>
-        </p:nvSpPr>
-        <p:spPr/>
-        <p:txBody>
-          <a:bodyPr/>
-          <a:lstStyle/>
-          <a:p>
-            <a:pPr>
-              <a:defRPr/>
-            </a:pPr>
-            <a:fld id="{ACA94121-BA6C-AD43-82C2-DF1F24FE5D9C}" type="slidenum">
-              <a:rPr lang="en-US" smtClean="0"/>
-              <a:pPr>
-                <a:defRPr/>
-              </a:pPr>
-              <a:t>2</a:t>
-            </a:fld>
-            <a:endParaRPr lang="en-US" b="0"/>
-          </a:p>
-        </p:txBody>
-      </p:sp>
-    </p:spTree>
-    <p:extLst>
-      <p:ext uri="{BB962C8B-B14F-4D97-AF65-F5344CB8AC3E}">
-        <p14:creationId xmlns:p14="http://schemas.microsoft.com/office/powerpoint/2010/main" val="1331517202"/>
-      </p:ext>
-    </p:extLst>
-  </p:cSld>
-  <p:clrMapOvr>
-    <a:masterClrMapping/>
-  </p:clrMapOvr>
-</p:sld>
-</file>
-
-<file path=ppt/slides/slide20.xml><?xml version="1.0" encoding="utf-8"?>
-<p:sld xmlns:a="http://schemas.openxmlformats.org/drawingml/2006/main" xmlns:r="http://schemas.openxmlformats.org/officeDocument/2006/relationships" xmlns:p="http://schemas.openxmlformats.org/presentationml/2006/main">
+<file path=ppt/slides/slide23.xml><?xml version="1.0" encoding="utf-8"?>
+<p:sld xmlns:a="http://schemas.openxmlformats.org/drawingml/2006/main" xmlns:r="http://schemas.openxmlformats.org/officeDocument/2006/relationships" xmlns:p="http://schemas.openxmlformats.org/presentationml/2006/main" show="0">
   <p:cSld>
     <p:spTree>
       <p:nvGrpSpPr>
@@ -8740,8 +10363,8 @@
 </p:sld>
 </file>
 
-<file path=ppt/slides/slide21.xml><?xml version="1.0" encoding="utf-8"?>
-<p:sld xmlns:a="http://schemas.openxmlformats.org/drawingml/2006/main" xmlns:r="http://schemas.openxmlformats.org/officeDocument/2006/relationships" xmlns:p="http://schemas.openxmlformats.org/presentationml/2006/main">
+<file path=ppt/slides/slide24.xml><?xml version="1.0" encoding="utf-8"?>
+<p:sld xmlns:a="http://schemas.openxmlformats.org/drawingml/2006/main" xmlns:r="http://schemas.openxmlformats.org/officeDocument/2006/relationships" xmlns:p="http://schemas.openxmlformats.org/presentationml/2006/main" show="0">
   <p:cSld>
     <p:spTree>
       <p:nvGrpSpPr>
@@ -9365,8 +10988,8 @@
 </p:sld>
 </file>
 
-<file path=ppt/slides/slide22.xml><?xml version="1.0" encoding="utf-8"?>
-<p:sld xmlns:a="http://schemas.openxmlformats.org/drawingml/2006/main" xmlns:r="http://schemas.openxmlformats.org/officeDocument/2006/relationships" xmlns:p="http://schemas.openxmlformats.org/presentationml/2006/main">
+<file path=ppt/slides/slide25.xml><?xml version="1.0" encoding="utf-8"?>
+<p:sld xmlns:a="http://schemas.openxmlformats.org/drawingml/2006/main" xmlns:r="http://schemas.openxmlformats.org/officeDocument/2006/relationships" xmlns:p="http://schemas.openxmlformats.org/presentationml/2006/main" show="0">
   <p:cSld>
     <p:spTree>
       <p:nvGrpSpPr>
@@ -9511,7 +11134,7 @@
 </p:sld>
 </file>
 
-<file path=ppt/slides/slide23.xml><?xml version="1.0" encoding="utf-8"?>
+<file path=ppt/slides/slide26.xml><?xml version="1.0" encoding="utf-8"?>
 <p:sld xmlns:a="http://schemas.openxmlformats.org/drawingml/2006/main" xmlns:r="http://schemas.openxmlformats.org/officeDocument/2006/relationships" xmlns:p="http://schemas.openxmlformats.org/presentationml/2006/main">
   <p:cSld>
     <p:spTree>
@@ -9612,7 +11235,7 @@
 </p:sld>
 </file>
 
-<file path=ppt/slides/slide24.xml><?xml version="1.0" encoding="utf-8"?>
+<file path=ppt/slides/slide27.xml><?xml version="1.0" encoding="utf-8"?>
 <p:sld xmlns:a="http://schemas.openxmlformats.org/drawingml/2006/main" xmlns:r="http://schemas.openxmlformats.org/officeDocument/2006/relationships" xmlns:p="http://schemas.openxmlformats.org/presentationml/2006/main">
   <p:cSld>
     <p:spTree>
@@ -9772,7 +11395,7 @@
               <a:pPr>
                 <a:defRPr/>
               </a:pPr>
-              <a:t>24</a:t>
+              <a:t>27</a:t>
             </a:fld>
             <a:endParaRPr lang="en-US" b="0"/>
           </a:p>
@@ -9791,7 +11414,7 @@
 </p:sld>
 </file>
 
-<file path=ppt/slides/slide25.xml><?xml version="1.0" encoding="utf-8"?>
+<file path=ppt/slides/slide28.xml><?xml version="1.0" encoding="utf-8"?>
 <p:sld xmlns:a="http://schemas.openxmlformats.org/drawingml/2006/main" xmlns:r="http://schemas.openxmlformats.org/officeDocument/2006/relationships" xmlns:p="http://schemas.openxmlformats.org/presentationml/2006/main">
   <p:cSld>
     <p:spTree>
@@ -9983,7 +11606,7 @@
 </p:sld>
 </file>
 
-<file path=ppt/slides/slide26.xml><?xml version="1.0" encoding="utf-8"?>
+<file path=ppt/slides/slide29.xml><?xml version="1.0" encoding="utf-8"?>
 <p:sld xmlns:a="http://schemas.openxmlformats.org/drawingml/2006/main" xmlns:r="http://schemas.openxmlformats.org/officeDocument/2006/relationships" xmlns:p="http://schemas.openxmlformats.org/presentationml/2006/main">
   <p:cSld>
     <p:spTree>
@@ -10182,7 +11805,7 @@
               <a:pPr>
                 <a:defRPr/>
               </a:pPr>
-              <a:t>26</a:t>
+              <a:t>29</a:t>
             </a:fld>
             <a:endParaRPr lang="en-US" b="0"/>
           </a:p>
@@ -10201,7 +11824,7 @@
 </p:sld>
 </file>
 
-<file path=ppt/slides/slide27.xml><?xml version="1.0" encoding="utf-8"?>
+<file path=ppt/slides/slide3.xml><?xml version="1.0" encoding="utf-8"?>
 <p:sld xmlns:a="http://schemas.openxmlformats.org/drawingml/2006/main" xmlns:r="http://schemas.openxmlformats.org/officeDocument/2006/relationships" xmlns:p="http://schemas.openxmlformats.org/presentationml/2006/main">
   <p:cSld>
     <p:spTree>
@@ -10220,7 +11843,13 @@
       </p:grpSpPr>
       <p:sp>
         <p:nvSpPr>
-          <p:cNvPr id="2" name="Title 1"/>
+          <p:cNvPr id="2" name="Title 1">
+            <a:extLst>
+              <a:ext uri="{FF2B5EF4-FFF2-40B4-BE49-F238E27FC236}">
+                <a16:creationId xmlns:a16="http://schemas.microsoft.com/office/drawing/2014/main" id="{2332C5B2-9DFD-C1DD-1E07-71BD0B221807}"/>
+              </a:ext>
+            </a:extLst>
+          </p:cNvPr>
           <p:cNvSpPr>
             <a:spLocks noGrp="1"/>
           </p:cNvSpPr>
@@ -10235,14 +11864,20 @@
           <a:p>
             <a:r>
               <a:rPr lang="en-US" dirty="0"/>
-              <a:t>Data-Driven Iteration</a:t>
-            </a:r>
-          </a:p>
-        </p:txBody>
-      </p:sp>
-      <p:sp>
-        <p:nvSpPr>
-          <p:cNvPr id="3" name="Content Placeholder 2"/>
+              <a:t>Announcements</a:t>
+            </a:r>
+          </a:p>
+        </p:txBody>
+      </p:sp>
+      <p:sp>
+        <p:nvSpPr>
+          <p:cNvPr id="3" name="Content Placeholder 2">
+            <a:extLst>
+              <a:ext uri="{FF2B5EF4-FFF2-40B4-BE49-F238E27FC236}">
+                <a16:creationId xmlns:a16="http://schemas.microsoft.com/office/drawing/2014/main" id="{2C0B2E46-66D3-D6B7-5E34-7D5FAC92D8D9}"/>
+              </a:ext>
+            </a:extLst>
+          </p:cNvPr>
           <p:cNvSpPr>
             <a:spLocks noGrp="1"/>
           </p:cNvSpPr>
@@ -10257,20 +11892,54 @@
           <a:p>
             <a:r>
               <a:rPr lang="en-US" dirty="0"/>
-              <a:t>describe an expression to perform on each item in a sequence</a:t>
-            </a:r>
-          </a:p>
-          <a:p>
-            <a:r>
-              <a:rPr lang="en-US" dirty="0"/>
-              <a:t>let the data dictate the control</a:t>
-            </a:r>
-          </a:p>
-        </p:txBody>
-      </p:sp>
-      <p:sp>
-        <p:nvSpPr>
-          <p:cNvPr id="10" name="Slide Number Placeholder 5"/>
+              <a:t>We are working to expand the course!</a:t>
+            </a:r>
+          </a:p>
+          <a:p>
+            <a:pPr lvl="1"/>
+            <a:r>
+              <a:rPr lang="en-US" dirty="0"/>
+              <a:t> Next week the waitlist will start to clear.</a:t>
+            </a:r>
+          </a:p>
+          <a:p>
+            <a:pPr lvl="1"/>
+            <a:r>
+              <a:rPr lang="en-US" dirty="0"/>
+              <a:t>At least 40 seats on the waitlist</a:t>
+            </a:r>
+          </a:p>
+          <a:p>
+            <a:pPr lvl="1"/>
+            <a:r>
+              <a:rPr lang="en-US" dirty="0"/>
+              <a:t>All concurrent enrollment students will get in (a separate waitlist)</a:t>
+            </a:r>
+          </a:p>
+          <a:p>
+            <a:r>
+              <a:rPr lang="en-US" dirty="0"/>
+              <a:t>We'll be adding 1-3 new lab sections</a:t>
+            </a:r>
+          </a:p>
+          <a:p>
+            <a:pPr lvl="1"/>
+            <a:r>
+              <a:rPr lang="en-US" dirty="0"/>
+              <a:t>Times and signup info next week when we figure out the schedules.</a:t>
+            </a:r>
+          </a:p>
+        </p:txBody>
+      </p:sp>
+      <p:sp>
+        <p:nvSpPr>
+          <p:cNvPr id="4" name="Slide Number Placeholder 3">
+            <a:extLst>
+              <a:ext uri="{FF2B5EF4-FFF2-40B4-BE49-F238E27FC236}">
+                <a16:creationId xmlns:a16="http://schemas.microsoft.com/office/drawing/2014/main" id="{F20E8938-B8D9-69D9-FD92-5A681EB68DF4}"/>
+              </a:ext>
+            </a:extLst>
+          </p:cNvPr>
           <p:cNvSpPr>
             <a:spLocks noGrp="1"/>
           </p:cNvSpPr>
@@ -10291,7 +11960,116 @@
               <a:pPr>
                 <a:defRPr/>
               </a:pPr>
-              <a:t>27</a:t>
+              <a:t>3</a:t>
+            </a:fld>
+            <a:endParaRPr lang="en-US" b="0"/>
+          </a:p>
+        </p:txBody>
+      </p:sp>
+    </p:spTree>
+    <p:extLst>
+      <p:ext uri="{BB962C8B-B14F-4D97-AF65-F5344CB8AC3E}">
+        <p14:creationId xmlns:p14="http://schemas.microsoft.com/office/powerpoint/2010/main" val="2979499085"/>
+      </p:ext>
+    </p:extLst>
+  </p:cSld>
+  <p:clrMapOvr>
+    <a:masterClrMapping/>
+  </p:clrMapOvr>
+</p:sld>
+</file>
+
+<file path=ppt/slides/slide30.xml><?xml version="1.0" encoding="utf-8"?>
+<p:sld xmlns:a="http://schemas.openxmlformats.org/drawingml/2006/main" xmlns:r="http://schemas.openxmlformats.org/officeDocument/2006/relationships" xmlns:p="http://schemas.openxmlformats.org/presentationml/2006/main">
+  <p:cSld>
+    <p:spTree>
+      <p:nvGrpSpPr>
+        <p:cNvPr id="1" name=""/>
+        <p:cNvGrpSpPr/>
+        <p:nvPr/>
+      </p:nvGrpSpPr>
+      <p:grpSpPr>
+        <a:xfrm>
+          <a:off x="0" y="0"/>
+          <a:ext cx="0" cy="0"/>
+          <a:chOff x="0" y="0"/>
+          <a:chExt cx="0" cy="0"/>
+        </a:xfrm>
+      </p:grpSpPr>
+      <p:sp>
+        <p:nvSpPr>
+          <p:cNvPr id="2" name="Title 1"/>
+          <p:cNvSpPr>
+            <a:spLocks noGrp="1"/>
+          </p:cNvSpPr>
+          <p:nvPr>
+            <p:ph type="title"/>
+          </p:nvPr>
+        </p:nvSpPr>
+        <p:spPr/>
+        <p:txBody>
+          <a:bodyPr/>
+          <a:lstStyle/>
+          <a:p>
+            <a:r>
+              <a:rPr lang="en-US" dirty="0"/>
+              <a:t>Data-Driven Iteration</a:t>
+            </a:r>
+          </a:p>
+        </p:txBody>
+      </p:sp>
+      <p:sp>
+        <p:nvSpPr>
+          <p:cNvPr id="3" name="Content Placeholder 2"/>
+          <p:cNvSpPr>
+            <a:spLocks noGrp="1"/>
+          </p:cNvSpPr>
+          <p:nvPr>
+            <p:ph idx="1"/>
+          </p:nvPr>
+        </p:nvSpPr>
+        <p:spPr/>
+        <p:txBody>
+          <a:bodyPr/>
+          <a:lstStyle/>
+          <a:p>
+            <a:r>
+              <a:rPr lang="en-US" dirty="0"/>
+              <a:t>describe an expression to perform on each item in a sequence</a:t>
+            </a:r>
+          </a:p>
+          <a:p>
+            <a:r>
+              <a:rPr lang="en-US" dirty="0"/>
+              <a:t>let the data dictate the control</a:t>
+            </a:r>
+          </a:p>
+        </p:txBody>
+      </p:sp>
+      <p:sp>
+        <p:nvSpPr>
+          <p:cNvPr id="10" name="Slide Number Placeholder 5"/>
+          <p:cNvSpPr>
+            <a:spLocks noGrp="1"/>
+          </p:cNvSpPr>
+          <p:nvPr>
+            <p:ph type="sldNum" sz="quarter" idx="12"/>
+          </p:nvPr>
+        </p:nvSpPr>
+        <p:spPr/>
+        <p:txBody>
+          <a:bodyPr/>
+          <a:lstStyle/>
+          <a:p>
+            <a:pPr>
+              <a:defRPr/>
+            </a:pPr>
+            <a:fld id="{ACA94121-BA6C-AD43-82C2-DF1F24FE5D9C}" type="slidenum">
+              <a:rPr lang="en-US" smtClean="0"/>
+              <a:pPr>
+                <a:defRPr/>
+              </a:pPr>
+              <a:t>30</a:t>
             </a:fld>
             <a:endParaRPr lang="en-US" b="0"/>
           </a:p>
@@ -10448,615 +12226,6 @@
 </p:sld>
 </file>
 
-<file path=ppt/slides/slide3.xml><?xml version="1.0" encoding="utf-8"?>
-<p:sld xmlns:a="http://schemas.openxmlformats.org/drawingml/2006/main" xmlns:r="http://schemas.openxmlformats.org/officeDocument/2006/relationships" xmlns:p="http://schemas.openxmlformats.org/presentationml/2006/main">
-  <p:cSld>
-    <p:spTree>
-      <p:nvGrpSpPr>
-        <p:cNvPr id="1" name=""/>
-        <p:cNvGrpSpPr/>
-        <p:nvPr/>
-      </p:nvGrpSpPr>
-      <p:grpSpPr>
-        <a:xfrm>
-          <a:off x="0" y="0"/>
-          <a:ext cx="0" cy="0"/>
-          <a:chOff x="0" y="0"/>
-          <a:chExt cx="0" cy="0"/>
-        </a:xfrm>
-      </p:grpSpPr>
-      <p:sp>
-        <p:nvSpPr>
-          <p:cNvPr id="2" name="Title 1"/>
-          <p:cNvSpPr>
-            <a:spLocks noGrp="1"/>
-          </p:cNvSpPr>
-          <p:nvPr>
-            <p:ph type="title"/>
-          </p:nvPr>
-        </p:nvSpPr>
-        <p:spPr/>
-        <p:txBody>
-          <a:bodyPr/>
-          <a:lstStyle/>
-          <a:p>
-            <a:r>
-              <a:rPr lang="en-US" dirty="0"/>
-              <a:t>Let’s Talk About Python</a:t>
-            </a:r>
-          </a:p>
-        </p:txBody>
-      </p:sp>
-      <p:sp>
-        <p:nvSpPr>
-          <p:cNvPr id="3" name="Content Placeholder 2"/>
-          <p:cNvSpPr>
-            <a:spLocks noGrp="1"/>
-          </p:cNvSpPr>
-          <p:nvPr>
-            <p:ph idx="1"/>
-          </p:nvPr>
-        </p:nvSpPr>
-        <p:spPr/>
-        <p:txBody>
-          <a:bodyPr/>
-          <a:lstStyle/>
-          <a:p>
-            <a:pPr>
-              <a:tabLst>
-                <a:tab pos="4167188" algn="l"/>
-              </a:tabLst>
-            </a:pPr>
-            <a:r>
-              <a:rPr lang="en-US" dirty="0"/>
-              <a:t>Expression		</a:t>
-            </a:r>
-            <a:r>
-              <a:rPr lang="en-US" b="0" dirty="0">
-                <a:latin typeface="Courier New"/>
-                <a:cs typeface="Courier New"/>
-              </a:rPr>
-              <a:t>3.1 * 2.6</a:t>
-            </a:r>
-          </a:p>
-          <a:p>
-            <a:pPr>
-              <a:tabLst>
-                <a:tab pos="4167188" algn="l"/>
-              </a:tabLst>
-            </a:pPr>
-            <a:r>
-              <a:rPr lang="en-US" dirty="0"/>
-              <a:t>Call expression		</a:t>
-            </a:r>
-            <a:r>
-              <a:rPr lang="en-US" b="0" dirty="0">
-                <a:latin typeface="Courier New"/>
-                <a:cs typeface="Courier New"/>
-              </a:rPr>
-              <a:t>max(0, x)</a:t>
-            </a:r>
-          </a:p>
-          <a:p>
-            <a:pPr>
-              <a:tabLst>
-                <a:tab pos="4167188" algn="l"/>
-              </a:tabLst>
-            </a:pPr>
-            <a:r>
-              <a:rPr lang="en-US" dirty="0"/>
-              <a:t>Variables</a:t>
-            </a:r>
-          </a:p>
-          <a:p>
-            <a:pPr>
-              <a:tabLst>
-                <a:tab pos="4167188" algn="l"/>
-              </a:tabLst>
-            </a:pPr>
-            <a:r>
-              <a:rPr lang="en-US" dirty="0"/>
-              <a:t>Assignment Statement		</a:t>
-            </a:r>
-            <a:r>
-              <a:rPr lang="en-US" b="0" dirty="0">
-                <a:latin typeface="Courier New"/>
-                <a:cs typeface="Courier New"/>
-              </a:rPr>
-              <a:t>x = &lt;expression&gt;</a:t>
-            </a:r>
-          </a:p>
-          <a:p>
-            <a:pPr>
-              <a:tabLst>
-                <a:tab pos="4167188" algn="l"/>
-              </a:tabLst>
-            </a:pPr>
-            <a:r>
-              <a:rPr lang="en-US" dirty="0"/>
-              <a:t>Define Function:      		</a:t>
-            </a:r>
-            <a:r>
-              <a:rPr lang="en-US" sz="2000" b="0" dirty="0">
-                <a:latin typeface="Source Code Pro" panose="020B0509030403020204" pitchFamily="49" charset="0"/>
-                <a:ea typeface="Source Code Pro" panose="020B0509030403020204" pitchFamily="49" charset="0"/>
-                <a:cs typeface="Courier"/>
-              </a:rPr>
-              <a:t>def</a:t>
-            </a:r>
-            <a:r>
-              <a:rPr lang="en-US" sz="2000" b="0" dirty="0">
-                <a:latin typeface="Source Code Pro" panose="020B0509030403020204" pitchFamily="49" charset="0"/>
-                <a:ea typeface="Source Code Pro" panose="020B0509030403020204" pitchFamily="49" charset="0"/>
-              </a:rPr>
-              <a:t> &lt;function name&gt; </a:t>
-            </a:r>
-            <a:r>
-              <a:rPr lang="en-US" sz="2000" b="0" dirty="0">
-                <a:latin typeface="Source Code Pro" panose="020B0509030403020204" pitchFamily="49" charset="0"/>
-                <a:ea typeface="Source Code Pro" panose="020B0509030403020204" pitchFamily="49" charset="0"/>
-                <a:cs typeface="Courier"/>
-              </a:rPr>
-              <a:t>(</a:t>
-            </a:r>
-            <a:r>
-              <a:rPr lang="en-US" sz="2000" b="0" dirty="0">
-                <a:latin typeface="Source Code Pro" panose="020B0509030403020204" pitchFamily="49" charset="0"/>
-                <a:ea typeface="Source Code Pro" panose="020B0509030403020204" pitchFamily="49" charset="0"/>
-              </a:rPr>
-              <a:t>&lt;parameter list&gt;</a:t>
-            </a:r>
-            <a:r>
-              <a:rPr lang="en-US" sz="2000" b="0" dirty="0">
-                <a:latin typeface="Source Code Pro" panose="020B0509030403020204" pitchFamily="49" charset="0"/>
-                <a:ea typeface="Source Code Pro" panose="020B0509030403020204" pitchFamily="49" charset="0"/>
-                <a:cs typeface="Courier"/>
-              </a:rPr>
-              <a:t>):</a:t>
-            </a:r>
-            <a:endParaRPr lang="en-US" dirty="0">
-              <a:latin typeface="Source Code Pro" panose="020B0509030403020204" pitchFamily="49" charset="0"/>
-              <a:ea typeface="Source Code Pro" panose="020B0509030403020204" pitchFamily="49" charset="0"/>
-            </a:endParaRPr>
-          </a:p>
-          <a:p>
-            <a:pPr>
-              <a:tabLst>
-                <a:tab pos="4167188" algn="l"/>
-              </a:tabLst>
-            </a:pPr>
-            <a:r>
-              <a:rPr lang="en-US" dirty="0"/>
-              <a:t>Control Statements</a:t>
-            </a:r>
-            <a:r>
-              <a:rPr lang="en-US" dirty="0">
-                <a:latin typeface="Source Code Pro" panose="020B0509030403020204" pitchFamily="49" charset="0"/>
-                <a:ea typeface="Source Code Pro" panose="020B0509030403020204" pitchFamily="49" charset="0"/>
-              </a:rPr>
-              <a:t>:                </a:t>
-            </a:r>
-            <a:r>
-              <a:rPr lang="en-US" b="0" dirty="0">
-                <a:latin typeface="Source Code Pro" panose="020B0509030403020204" pitchFamily="49" charset="0"/>
-                <a:ea typeface="Source Code Pro" panose="020B0509030403020204" pitchFamily="49" charset="0"/>
-              </a:rPr>
-              <a:t>if … </a:t>
-            </a:r>
-            <a:br>
-              <a:rPr lang="en-US" b="0" dirty="0">
-                <a:latin typeface="Source Code Pro" panose="020B0509030403020204" pitchFamily="49" charset="0"/>
-                <a:ea typeface="Source Code Pro" panose="020B0509030403020204" pitchFamily="49" charset="0"/>
-              </a:rPr>
-            </a:br>
-            <a:r>
-              <a:rPr lang="en-US" b="0" dirty="0">
-                <a:latin typeface="Source Code Pro" panose="020B0509030403020204" pitchFamily="49" charset="0"/>
-                <a:ea typeface="Source Code Pro" panose="020B0509030403020204" pitchFamily="49" charset="0"/>
-              </a:rPr>
-              <a:t>	   while …</a:t>
-            </a:r>
-            <a:br>
-              <a:rPr lang="en-US" b="0" dirty="0">
-                <a:latin typeface="Source Code Pro" panose="020B0509030403020204" pitchFamily="49" charset="0"/>
-                <a:ea typeface="Source Code Pro" panose="020B0509030403020204" pitchFamily="49" charset="0"/>
-              </a:rPr>
-            </a:br>
-            <a:r>
-              <a:rPr lang="en-US" b="0" dirty="0">
-                <a:latin typeface="Source Code Pro" panose="020B0509030403020204" pitchFamily="49" charset="0"/>
-                <a:ea typeface="Source Code Pro" panose="020B0509030403020204" pitchFamily="49" charset="0"/>
-              </a:rPr>
-              <a:t>                                          </a:t>
-            </a:r>
-            <a:endParaRPr lang="en-US" b="0" dirty="0">
-              <a:latin typeface="Source Code Pro" panose="020B0509030403020204" pitchFamily="49" charset="0"/>
-              <a:ea typeface="Source Code Pro" panose="020B0509030403020204" pitchFamily="49" charset="0"/>
-              <a:cs typeface="Courier New"/>
-            </a:endParaRPr>
-          </a:p>
-          <a:p>
-            <a:endParaRPr lang="en-US" dirty="0"/>
-          </a:p>
-        </p:txBody>
-      </p:sp>
-      <p:sp>
-        <p:nvSpPr>
-          <p:cNvPr id="10" name="Slide Number Placeholder 5"/>
-          <p:cNvSpPr>
-            <a:spLocks noGrp="1"/>
-          </p:cNvSpPr>
-          <p:nvPr>
-            <p:ph type="sldNum" sz="quarter" idx="12"/>
-          </p:nvPr>
-        </p:nvSpPr>
-        <p:spPr/>
-        <p:txBody>
-          <a:bodyPr/>
-          <a:lstStyle/>
-          <a:p>
-            <a:pPr>
-              <a:defRPr/>
-            </a:pPr>
-            <a:fld id="{ACA94121-BA6C-AD43-82C2-DF1F24FE5D9C}" type="slidenum">
-              <a:rPr lang="en-US" smtClean="0"/>
-              <a:pPr>
-                <a:defRPr/>
-              </a:pPr>
-              <a:t>3</a:t>
-            </a:fld>
-            <a:endParaRPr lang="en-US" b="0"/>
-          </a:p>
-        </p:txBody>
-      </p:sp>
-    </p:spTree>
-    <p:extLst>
-      <p:ext uri="{BB962C8B-B14F-4D97-AF65-F5344CB8AC3E}">
-        <p14:creationId xmlns:p14="http://schemas.microsoft.com/office/powerpoint/2010/main" val="3134556451"/>
-      </p:ext>
-    </p:extLst>
-  </p:cSld>
-  <p:clrMapOvr>
-    <a:masterClrMapping/>
-  </p:clrMapOvr>
-  <mc:AlternateContent xmlns:mc="http://schemas.openxmlformats.org/markup-compatibility/2006" xmlns:p14="http://schemas.microsoft.com/office/powerpoint/2010/main">
-    <mc:Choice Requires="p14">
-      <p:transition spd="slow" p14:dur="2000" advTm="167965"/>
-    </mc:Choice>
-    <mc:Fallback xmlns="">
-      <p:transition xmlns:p14="http://schemas.microsoft.com/office/powerpoint/2010/main" spd="slow" advTm="167965"/>
-    </mc:Fallback>
-  </mc:AlternateContent>
-  <p:timing>
-    <p:tnLst>
-      <p:par>
-        <p:cTn id="1" dur="indefinite" restart="never" nodeType="tmRoot">
-          <p:childTnLst>
-            <p:seq concurrent="1" nextAc="seek">
-              <p:cTn id="2" dur="indefinite" nodeType="mainSeq">
-                <p:childTnLst>
-                  <p:par>
-                    <p:cTn id="3" fill="hold">
-                      <p:stCondLst>
-                        <p:cond delay="indefinite"/>
-                      </p:stCondLst>
-                      <p:childTnLst>
-                        <p:par>
-                          <p:cTn id="4" fill="hold">
-                            <p:stCondLst>
-                              <p:cond delay="0"/>
-                            </p:stCondLst>
-                            <p:childTnLst>
-                              <p:par>
-                                <p:cTn id="5" presetID="1" presetClass="entr" presetSubtype="0" fill="hold" grpId="0" nodeType="clickEffect">
-                                  <p:stCondLst>
-                                    <p:cond delay="0"/>
-                                  </p:stCondLst>
-                                  <p:childTnLst>
-                                    <p:set>
-                                      <p:cBhvr>
-                                        <p:cTn id="6" dur="1" fill="hold">
-                                          <p:stCondLst>
-                                            <p:cond delay="0"/>
-                                          </p:stCondLst>
-                                        </p:cTn>
-                                        <p:tgtEl>
-                                          <p:spTgt spid="3">
-                                            <p:txEl>
-                                              <p:pRg st="0" end="0"/>
-                                            </p:txEl>
-                                          </p:spTgt>
-                                        </p:tgtEl>
-                                        <p:attrNameLst>
-                                          <p:attrName>style.visibility</p:attrName>
-                                        </p:attrNameLst>
-                                      </p:cBhvr>
-                                      <p:to>
-                                        <p:strVal val="visible"/>
-                                      </p:to>
-                                    </p:set>
-                                  </p:childTnLst>
-                                </p:cTn>
-                              </p:par>
-                            </p:childTnLst>
-                          </p:cTn>
-                        </p:par>
-                      </p:childTnLst>
-                    </p:cTn>
-                  </p:par>
-                  <p:par>
-                    <p:cTn id="7" fill="hold">
-                      <p:stCondLst>
-                        <p:cond delay="indefinite"/>
-                      </p:stCondLst>
-                      <p:childTnLst>
-                        <p:par>
-                          <p:cTn id="8" fill="hold">
-                            <p:stCondLst>
-                              <p:cond delay="0"/>
-                            </p:stCondLst>
-                            <p:childTnLst>
-                              <p:par>
-                                <p:cTn id="9" presetID="1" presetClass="entr" presetSubtype="0" fill="hold" grpId="0" nodeType="clickEffect">
-                                  <p:stCondLst>
-                                    <p:cond delay="0"/>
-                                  </p:stCondLst>
-                                  <p:childTnLst>
-                                    <p:set>
-                                      <p:cBhvr>
-                                        <p:cTn id="10" dur="1" fill="hold">
-                                          <p:stCondLst>
-                                            <p:cond delay="0"/>
-                                          </p:stCondLst>
-                                        </p:cTn>
-                                        <p:tgtEl>
-                                          <p:spTgt spid="3">
-                                            <p:txEl>
-                                              <p:pRg st="1" end="1"/>
-                                            </p:txEl>
-                                          </p:spTgt>
-                                        </p:tgtEl>
-                                        <p:attrNameLst>
-                                          <p:attrName>style.visibility</p:attrName>
-                                        </p:attrNameLst>
-                                      </p:cBhvr>
-                                      <p:to>
-                                        <p:strVal val="visible"/>
-                                      </p:to>
-                                    </p:set>
-                                  </p:childTnLst>
-                                </p:cTn>
-                              </p:par>
-                            </p:childTnLst>
-                          </p:cTn>
-                        </p:par>
-                      </p:childTnLst>
-                    </p:cTn>
-                  </p:par>
-                  <p:par>
-                    <p:cTn id="11" fill="hold">
-                      <p:stCondLst>
-                        <p:cond delay="indefinite"/>
-                      </p:stCondLst>
-                      <p:childTnLst>
-                        <p:par>
-                          <p:cTn id="12" fill="hold">
-                            <p:stCondLst>
-                              <p:cond delay="0"/>
-                            </p:stCondLst>
-                            <p:childTnLst>
-                              <p:par>
-                                <p:cTn id="13" presetID="1" presetClass="entr" presetSubtype="0" fill="hold" grpId="0" nodeType="clickEffect">
-                                  <p:stCondLst>
-                                    <p:cond delay="0"/>
-                                  </p:stCondLst>
-                                  <p:childTnLst>
-                                    <p:set>
-                                      <p:cBhvr>
-                                        <p:cTn id="14" dur="1" fill="hold">
-                                          <p:stCondLst>
-                                            <p:cond delay="0"/>
-                                          </p:stCondLst>
-                                        </p:cTn>
-                                        <p:tgtEl>
-                                          <p:spTgt spid="3">
-                                            <p:txEl>
-                                              <p:pRg st="2" end="2"/>
-                                            </p:txEl>
-                                          </p:spTgt>
-                                        </p:tgtEl>
-                                        <p:attrNameLst>
-                                          <p:attrName>style.visibility</p:attrName>
-                                        </p:attrNameLst>
-                                      </p:cBhvr>
-                                      <p:to>
-                                        <p:strVal val="visible"/>
-                                      </p:to>
-                                    </p:set>
-                                  </p:childTnLst>
-                                </p:cTn>
-                              </p:par>
-                            </p:childTnLst>
-                          </p:cTn>
-                        </p:par>
-                      </p:childTnLst>
-                    </p:cTn>
-                  </p:par>
-                  <p:par>
-                    <p:cTn id="15" fill="hold">
-                      <p:stCondLst>
-                        <p:cond delay="indefinite"/>
-                      </p:stCondLst>
-                      <p:childTnLst>
-                        <p:par>
-                          <p:cTn id="16" fill="hold">
-                            <p:stCondLst>
-                              <p:cond delay="0"/>
-                            </p:stCondLst>
-                            <p:childTnLst>
-                              <p:par>
-                                <p:cTn id="17" presetID="1" presetClass="entr" presetSubtype="0" fill="hold" grpId="0" nodeType="clickEffect">
-                                  <p:stCondLst>
-                                    <p:cond delay="0"/>
-                                  </p:stCondLst>
-                                  <p:childTnLst>
-                                    <p:set>
-                                      <p:cBhvr>
-                                        <p:cTn id="18" dur="1" fill="hold">
-                                          <p:stCondLst>
-                                            <p:cond delay="0"/>
-                                          </p:stCondLst>
-                                        </p:cTn>
-                                        <p:tgtEl>
-                                          <p:spTgt spid="3">
-                                            <p:txEl>
-                                              <p:pRg st="3" end="3"/>
-                                            </p:txEl>
-                                          </p:spTgt>
-                                        </p:tgtEl>
-                                        <p:attrNameLst>
-                                          <p:attrName>style.visibility</p:attrName>
-                                        </p:attrNameLst>
-                                      </p:cBhvr>
-                                      <p:to>
-                                        <p:strVal val="visible"/>
-                                      </p:to>
-                                    </p:set>
-                                  </p:childTnLst>
-                                </p:cTn>
-                              </p:par>
-                            </p:childTnLst>
-                          </p:cTn>
-                        </p:par>
-                      </p:childTnLst>
-                    </p:cTn>
-                  </p:par>
-                  <p:par>
-                    <p:cTn id="19" fill="hold">
-                      <p:stCondLst>
-                        <p:cond delay="indefinite"/>
-                      </p:stCondLst>
-                      <p:childTnLst>
-                        <p:par>
-                          <p:cTn id="20" fill="hold">
-                            <p:stCondLst>
-                              <p:cond delay="0"/>
-                            </p:stCondLst>
-                            <p:childTnLst>
-                              <p:par>
-                                <p:cTn id="21" presetID="1" presetClass="entr" presetSubtype="0" fill="hold" grpId="0" nodeType="clickEffect">
-                                  <p:stCondLst>
-                                    <p:cond delay="0"/>
-                                  </p:stCondLst>
-                                  <p:childTnLst>
-                                    <p:set>
-                                      <p:cBhvr>
-                                        <p:cTn id="22" dur="1" fill="hold">
-                                          <p:stCondLst>
-                                            <p:cond delay="0"/>
-                                          </p:stCondLst>
-                                        </p:cTn>
-                                        <p:tgtEl>
-                                          <p:spTgt spid="3">
-                                            <p:txEl>
-                                              <p:pRg st="4" end="4"/>
-                                            </p:txEl>
-                                          </p:spTgt>
-                                        </p:tgtEl>
-                                        <p:attrNameLst>
-                                          <p:attrName>style.visibility</p:attrName>
-                                        </p:attrNameLst>
-                                      </p:cBhvr>
-                                      <p:to>
-                                        <p:strVal val="visible"/>
-                                      </p:to>
-                                    </p:set>
-                                  </p:childTnLst>
-                                </p:cTn>
-                              </p:par>
-                            </p:childTnLst>
-                          </p:cTn>
-                        </p:par>
-                      </p:childTnLst>
-                    </p:cTn>
-                  </p:par>
-                  <p:par>
-                    <p:cTn id="23" fill="hold">
-                      <p:stCondLst>
-                        <p:cond delay="indefinite"/>
-                      </p:stCondLst>
-                      <p:childTnLst>
-                        <p:par>
-                          <p:cTn id="24" fill="hold">
-                            <p:stCondLst>
-                              <p:cond delay="0"/>
-                            </p:stCondLst>
-                            <p:childTnLst>
-                              <p:par>
-                                <p:cTn id="25" presetID="1" presetClass="entr" presetSubtype="0" fill="hold" grpId="0" nodeType="clickEffect">
-                                  <p:stCondLst>
-                                    <p:cond delay="0"/>
-                                  </p:stCondLst>
-                                  <p:childTnLst>
-                                    <p:set>
-                                      <p:cBhvr>
-                                        <p:cTn id="26" dur="1" fill="hold">
-                                          <p:stCondLst>
-                                            <p:cond delay="0"/>
-                                          </p:stCondLst>
-                                        </p:cTn>
-                                        <p:tgtEl>
-                                          <p:spTgt spid="3">
-                                            <p:txEl>
-                                              <p:pRg st="5" end="5"/>
-                                            </p:txEl>
-                                          </p:spTgt>
-                                        </p:tgtEl>
-                                        <p:attrNameLst>
-                                          <p:attrName>style.visibility</p:attrName>
-                                        </p:attrNameLst>
-                                      </p:cBhvr>
-                                      <p:to>
-                                        <p:strVal val="visible"/>
-                                      </p:to>
-                                    </p:set>
-                                  </p:childTnLst>
-                                </p:cTn>
-                              </p:par>
-                            </p:childTnLst>
-                          </p:cTn>
-                        </p:par>
-                      </p:childTnLst>
-                    </p:cTn>
-                  </p:par>
-                </p:childTnLst>
-              </p:cTn>
-              <p:prevCondLst>
-                <p:cond evt="onPrev" delay="0">
-                  <p:tgtEl>
-                    <p:sldTgt/>
-                  </p:tgtEl>
-                </p:cond>
-              </p:prevCondLst>
-              <p:nextCondLst>
-                <p:cond evt="onNext" delay="0">
-                  <p:tgtEl>
-                    <p:sldTgt/>
-                  </p:tgtEl>
-                </p:cond>
-              </p:nextCondLst>
-            </p:seq>
-          </p:childTnLst>
-        </p:cTn>
-      </p:par>
-    </p:tnLst>
-    <p:bldLst>
-      <p:bldP spid="3" grpId="0" build="p"/>
-    </p:bldLst>
-  </p:timing>
-</p:sld>
-</file>
-
 <file path=ppt/slides/slide4.xml><?xml version="1.0" encoding="utf-8"?>
 <p:sld xmlns:a="http://schemas.openxmlformats.org/drawingml/2006/main" xmlns:r="http://schemas.openxmlformats.org/officeDocument/2006/relationships" xmlns:p="http://schemas.openxmlformats.org/presentationml/2006/main">
   <p:cSld>
@@ -11076,18 +12245,12 @@
       </p:grpSpPr>
       <p:sp>
         <p:nvSpPr>
-          <p:cNvPr id="7" name="Title 6">
-            <a:extLst>
-              <a:ext uri="{FF2B5EF4-FFF2-40B4-BE49-F238E27FC236}">
-                <a16:creationId xmlns:a16="http://schemas.microsoft.com/office/drawing/2014/main" id="{174F684A-21F3-5E4C-BD4A-9318C588BC15}"/>
-              </a:ext>
-            </a:extLst>
-          </p:cNvPr>
+          <p:cNvPr id="2" name="Title 1"/>
           <p:cNvSpPr>
             <a:spLocks noGrp="1"/>
           </p:cNvSpPr>
           <p:nvPr>
-            <p:ph type="ctrTitle"/>
+            <p:ph type="title"/>
           </p:nvPr>
         </p:nvSpPr>
         <p:spPr/>
@@ -11097,25 +12260,19 @@
           <a:p>
             <a:r>
               <a:rPr lang="en-US" dirty="0"/>
-              <a:t>Python: Definitions and Control</a:t>
-            </a:r>
-          </a:p>
-        </p:txBody>
-      </p:sp>
-      <p:sp>
-        <p:nvSpPr>
-          <p:cNvPr id="11" name="Subtitle 10">
-            <a:extLst>
-              <a:ext uri="{FF2B5EF4-FFF2-40B4-BE49-F238E27FC236}">
-                <a16:creationId xmlns:a16="http://schemas.microsoft.com/office/drawing/2014/main" id="{A5A972AD-FA82-C842-A41E-DD3EC40B1A80}"/>
-              </a:ext>
-            </a:extLst>
-          </p:cNvPr>
+              <a:t>Let’s talk Python</a:t>
+            </a:r>
+          </a:p>
+        </p:txBody>
+      </p:sp>
+      <p:sp>
+        <p:nvSpPr>
+          <p:cNvPr id="3" name="Content Placeholder 2"/>
           <p:cNvSpPr>
             <a:spLocks noGrp="1"/>
           </p:cNvSpPr>
           <p:nvPr>
-            <p:ph type="subTitle" idx="1"/>
+            <p:ph idx="1"/>
           </p:nvPr>
         </p:nvSpPr>
         <p:spPr/>
@@ -11123,14 +12280,257 @@
           <a:bodyPr/>
           <a:lstStyle/>
           <a:p>
-            <a:endParaRPr lang="en-US"/>
+            <a:pPr>
+              <a:tabLst>
+                <a:tab pos="4167188" algn="l"/>
+              </a:tabLst>
+            </a:pPr>
+            <a:r>
+              <a:rPr lang="en-US" dirty="0"/>
+              <a:t>Expression	</a:t>
+            </a:r>
+            <a:r>
+              <a:rPr lang="en-US" b="0" dirty="0">
+                <a:latin typeface="Courier New"/>
+                <a:cs typeface="Courier New"/>
+              </a:rPr>
+              <a:t>3.1 * 2.6</a:t>
+            </a:r>
+          </a:p>
+          <a:p>
+            <a:pPr>
+              <a:tabLst>
+                <a:tab pos="4167188" algn="l"/>
+              </a:tabLst>
+            </a:pPr>
+            <a:r>
+              <a:rPr lang="en-US" i="1" dirty="0"/>
+              <a:t>Call</a:t>
+            </a:r>
+            <a:r>
+              <a:rPr lang="en-US" dirty="0"/>
+              <a:t> expression	</a:t>
+            </a:r>
+            <a:r>
+              <a:rPr lang="en-US" b="0" dirty="0">
+                <a:latin typeface="Courier New"/>
+                <a:cs typeface="Courier New"/>
+              </a:rPr>
+              <a:t>max(0, x)</a:t>
+            </a:r>
+          </a:p>
+          <a:p>
+            <a:pPr>
+              <a:tabLst>
+                <a:tab pos="4167188" algn="l"/>
+              </a:tabLst>
+            </a:pPr>
+            <a:r>
+              <a:rPr lang="en-US" dirty="0"/>
+              <a:t>Variables	</a:t>
+            </a:r>
+            <a:r>
+              <a:rPr lang="en-US" dirty="0" err="1">
+                <a:latin typeface="Courier New"/>
+                <a:cs typeface="Courier New"/>
+              </a:rPr>
+              <a:t>my_name</a:t>
+            </a:r>
+            <a:endParaRPr lang="en-US" dirty="0"/>
+          </a:p>
+          <a:p>
+            <a:pPr>
+              <a:tabLst>
+                <a:tab pos="4167188" algn="l"/>
+              </a:tabLst>
+            </a:pPr>
+            <a:r>
+              <a:rPr lang="en-US" dirty="0"/>
+              <a:t>Assignment Statement	</a:t>
+            </a:r>
+            <a:r>
+              <a:rPr lang="en-US" b="0" dirty="0" err="1">
+                <a:latin typeface="Courier New"/>
+                <a:cs typeface="Courier New"/>
+              </a:rPr>
+              <a:t>my_name</a:t>
+            </a:r>
+            <a:r>
+              <a:rPr lang="en-US" b="0" dirty="0">
+                <a:latin typeface="Courier New"/>
+                <a:cs typeface="Courier New"/>
+              </a:rPr>
+              <a:t> = &lt;expression&gt;</a:t>
+            </a:r>
+          </a:p>
+          <a:p>
+            <a:pPr>
+              <a:tabLst>
+                <a:tab pos="4167188" algn="l"/>
+              </a:tabLst>
+            </a:pPr>
+            <a:r>
+              <a:rPr lang="en-US" dirty="0"/>
+              <a:t>Define Statement:	</a:t>
+            </a:r>
+            <a:r>
+              <a:rPr lang="en-US" dirty="0">
+                <a:latin typeface="Source Code Pro" panose="020B0509030403020204" pitchFamily="49" charset="77"/>
+                <a:cs typeface="Courier"/>
+              </a:rPr>
+              <a:t>def</a:t>
+            </a:r>
+            <a:r>
+              <a:rPr lang="en-US" dirty="0">
+                <a:latin typeface="Source Code Pro" panose="020B0509030403020204" pitchFamily="49" charset="77"/>
+              </a:rPr>
+              <a:t> </a:t>
+            </a:r>
+            <a:r>
+              <a:rPr lang="en-US" dirty="0" err="1">
+                <a:latin typeface="Source Code Pro" panose="020B0509030403020204" pitchFamily="49" charset="77"/>
+              </a:rPr>
+              <a:t>function_name</a:t>
+            </a:r>
+            <a:r>
+              <a:rPr lang="en-US" dirty="0">
+                <a:latin typeface="Source Code Pro" panose="020B0509030403020204" pitchFamily="49" charset="77"/>
+                <a:cs typeface="Courier"/>
+              </a:rPr>
+              <a:t>(</a:t>
+            </a:r>
+            <a:r>
+              <a:rPr lang="en-US" dirty="0">
+                <a:latin typeface="Source Code Pro" panose="020B0509030403020204" pitchFamily="49" charset="77"/>
+              </a:rPr>
+              <a:t>&lt;arguments&gt;):</a:t>
+            </a:r>
+            <a:endParaRPr lang="en-US" dirty="0"/>
+          </a:p>
+          <a:p>
+            <a:pPr>
+              <a:tabLst>
+                <a:tab pos="4167188" algn="l"/>
+              </a:tabLst>
+            </a:pPr>
+            <a:r>
+              <a:rPr lang="en-US" dirty="0"/>
+              <a:t>Control Statements:            </a:t>
+            </a:r>
+            <a:r>
+              <a:rPr lang="en-US" b="0" dirty="0">
+                <a:latin typeface="Source Code Pro" panose="020B0509030403020204" pitchFamily="49" charset="77"/>
+              </a:rPr>
+              <a:t>if … </a:t>
+            </a:r>
+            <a:br>
+              <a:rPr lang="en-US" b="0" dirty="0">
+                <a:latin typeface="Source Code Pro" panose="020B0509030403020204" pitchFamily="49" charset="77"/>
+              </a:rPr>
+            </a:br>
+            <a:r>
+              <a:rPr lang="en-US" b="0" dirty="0">
+                <a:latin typeface="Source Code Pro" panose="020B0509030403020204" pitchFamily="49" charset="77"/>
+              </a:rPr>
+              <a:t>	for …</a:t>
+            </a:r>
+          </a:p>
+          <a:p>
+            <a:pPr marL="0" indent="0">
+              <a:buNone/>
+              <a:tabLst>
+                <a:tab pos="4167188" algn="l"/>
+              </a:tabLst>
+            </a:pPr>
+            <a:r>
+              <a:rPr lang="en-US" dirty="0">
+                <a:latin typeface="Source Code Pro" panose="020B0509030403020204" pitchFamily="49" charset="77"/>
+              </a:rPr>
+              <a:t>	</a:t>
+            </a:r>
+            <a:r>
+              <a:rPr lang="en-US" b="0" dirty="0">
+                <a:latin typeface="Source Code Pro" panose="020B0509030403020204" pitchFamily="49" charset="77"/>
+              </a:rPr>
+              <a:t>while …</a:t>
+            </a:r>
+            <a:br>
+              <a:rPr lang="en-US" b="0" dirty="0">
+                <a:latin typeface="Source Code Pro" panose="020B0509030403020204" pitchFamily="49" charset="77"/>
+              </a:rPr>
+            </a:br>
+            <a:endParaRPr lang="en-US" b="0" dirty="0">
+              <a:latin typeface="Source Code Pro" panose="020B0509030403020204" pitchFamily="49" charset="77"/>
+            </a:endParaRPr>
+          </a:p>
+          <a:p>
+            <a:pPr>
+              <a:tabLst>
+                <a:tab pos="4167188" algn="l"/>
+              </a:tabLst>
+            </a:pPr>
+            <a:r>
+              <a:rPr lang="en-US" dirty="0">
+                <a:latin typeface="FreightSans Pro Book" panose="02000606030000020004" pitchFamily="2" charset="0"/>
+              </a:rPr>
+              <a:t>Comments</a:t>
+            </a:r>
+            <a:r>
+              <a:rPr lang="en-US" dirty="0">
+                <a:latin typeface="Source Code Pro" panose="020B0509030403020204" pitchFamily="49" charset="77"/>
+              </a:rPr>
+              <a:t>	# Text after the # is ignored.</a:t>
+            </a:r>
+            <a:br>
+              <a:rPr lang="en-US" b="0" dirty="0"/>
+            </a:br>
+            <a:r>
+              <a:rPr lang="en-US" b="0" dirty="0"/>
+              <a:t>	</a:t>
+            </a:r>
+            <a:endParaRPr lang="en-US" b="0" dirty="0">
+              <a:latin typeface="Courier New"/>
+              <a:cs typeface="Courier New"/>
+            </a:endParaRPr>
+          </a:p>
+          <a:p>
+            <a:endParaRPr lang="en-US" dirty="0"/>
+          </a:p>
+        </p:txBody>
+      </p:sp>
+      <p:sp>
+        <p:nvSpPr>
+          <p:cNvPr id="10" name="Slide Number Placeholder 5"/>
+          <p:cNvSpPr>
+            <a:spLocks noGrp="1"/>
+          </p:cNvSpPr>
+          <p:nvPr>
+            <p:ph type="sldNum" sz="quarter" idx="12"/>
+          </p:nvPr>
+        </p:nvSpPr>
+        <p:spPr/>
+        <p:txBody>
+          <a:bodyPr/>
+          <a:lstStyle/>
+          <a:p>
+            <a:pPr>
+              <a:defRPr/>
+            </a:pPr>
+            <a:fld id="{ACA94121-BA6C-AD43-82C2-DF1F24FE5D9C}" type="slidenum">
+              <a:rPr lang="en-US" smtClean="0"/>
+              <a:pPr>
+                <a:defRPr/>
+              </a:pPr>
+              <a:t>4</a:t>
+            </a:fld>
+            <a:endParaRPr lang="en-US" b="0"/>
           </a:p>
         </p:txBody>
       </p:sp>
     </p:spTree>
     <p:extLst>
       <p:ext uri="{BB962C8B-B14F-4D97-AF65-F5344CB8AC3E}">
-        <p14:creationId xmlns:p14="http://schemas.microsoft.com/office/powerpoint/2010/main" val="3982654070"/>
+        <p14:creationId xmlns:p14="http://schemas.microsoft.com/office/powerpoint/2010/main" val="3134556451"/>
       </p:ext>
     </p:extLst>
   </p:cSld>
@@ -11139,10 +12539,10 @@
   </p:clrMapOvr>
   <mc:AlternateContent xmlns:mc="http://schemas.openxmlformats.org/markup-compatibility/2006" xmlns:p14="http://schemas.microsoft.com/office/powerpoint/2010/main">
     <mc:Choice Requires="p14">
-      <p:transition spd="slow" p14:dur="2000" advTm="109658"/>
+      <p:transition spd="slow" p14:dur="2000" advTm="167965"/>
     </mc:Choice>
     <mc:Fallback xmlns="">
-      <p:transition xmlns:p14="http://schemas.microsoft.com/office/powerpoint/2010/main" spd="slow" advTm="109658"/>
+      <p:transition xmlns:p14="http://schemas.microsoft.com/office/powerpoint/2010/main" spd="slow" advTm="167965"/>
     </mc:Fallback>
   </mc:AlternateContent>
 </p:sld>
@@ -11167,10 +12567,10 @@
       </p:grpSpPr>
       <p:sp>
         <p:nvSpPr>
-          <p:cNvPr id="4" name="Title 3">
+          <p:cNvPr id="7" name="Title 6">
             <a:extLst>
               <a:ext uri="{FF2B5EF4-FFF2-40B4-BE49-F238E27FC236}">
-                <a16:creationId xmlns:a16="http://schemas.microsoft.com/office/drawing/2014/main" id="{F0332E47-8859-034E-9529-ED821F9AA4CC}"/>
+                <a16:creationId xmlns:a16="http://schemas.microsoft.com/office/drawing/2014/main" id="{174F684A-21F3-5E4C-BD4A-9318C588BC15}"/>
               </a:ext>
             </a:extLst>
           </p:cNvPr>
@@ -11178,7 +12578,7 @@
             <a:spLocks noGrp="1"/>
           </p:cNvSpPr>
           <p:nvPr>
-            <p:ph type="title"/>
+            <p:ph type="ctrTitle"/>
           </p:nvPr>
         </p:nvSpPr>
         <p:spPr/>
@@ -11188,87 +12588,15 @@
           <a:p>
             <a:r>
               <a:rPr lang="en-US" dirty="0"/>
-              <a:t>Learning Objectives</a:t>
-            </a:r>
-          </a:p>
-        </p:txBody>
-      </p:sp>
-      <p:sp>
-        <p:nvSpPr>
-          <p:cNvPr id="7" name="Content Placeholder 6">
-            <a:extLst>
-              <a:ext uri="{FF2B5EF4-FFF2-40B4-BE49-F238E27FC236}">
-                <a16:creationId xmlns:a16="http://schemas.microsoft.com/office/drawing/2014/main" id="{52700D3C-8BCB-524A-8D71-FB5B799DC01C}"/>
-              </a:ext>
-            </a:extLst>
-          </p:cNvPr>
-          <p:cNvSpPr>
-            <a:spLocks noGrp="1"/>
-          </p:cNvSpPr>
-          <p:nvPr>
-            <p:ph idx="1"/>
-          </p:nvPr>
-        </p:nvSpPr>
-        <p:spPr/>
-        <p:txBody>
-          <a:bodyPr/>
-          <a:lstStyle/>
-          <a:p>
-            <a:r>
-              <a:rPr lang="en-US" dirty="0"/>
-              <a:t>Create your own functions.</a:t>
-            </a:r>
-          </a:p>
-          <a:p>
-            <a:r>
-              <a:rPr lang="en-US" dirty="0"/>
-              <a:t>Write a loop to run the same code multiple times</a:t>
-            </a:r>
-          </a:p>
-          <a:p>
-            <a:r>
-              <a:rPr lang="en-US" dirty="0"/>
-              <a:t>Use conditionals to control when a loop stops</a:t>
-            </a:r>
-          </a:p>
-        </p:txBody>
-      </p:sp>
-      <p:sp>
-        <p:nvSpPr>
-          <p:cNvPr id="16" name="Slide Number Placeholder 5"/>
-          <p:cNvSpPr>
-            <a:spLocks noGrp="1"/>
-          </p:cNvSpPr>
-          <p:nvPr>
-            <p:ph type="sldNum" sz="quarter" idx="12"/>
-          </p:nvPr>
-        </p:nvSpPr>
-        <p:spPr/>
-        <p:txBody>
-          <a:bodyPr/>
-          <a:lstStyle/>
-          <a:p>
-            <a:pPr>
-              <a:defRPr/>
-            </a:pPr>
-            <a:fld id="{ACA94121-BA6C-AD43-82C2-DF1F24FE5D9C}" type="slidenum">
-              <a:rPr lang="en-US" smtClean="0"/>
-              <a:pPr>
-                <a:defRPr/>
-              </a:pPr>
-              <a:t>5</a:t>
-            </a:fld>
-            <a:endParaRPr lang="en-US" b="0"/>
+              <a:t>Python: Control Flow</a:t>
+            </a:r>
           </a:p>
         </p:txBody>
       </p:sp>
     </p:spTree>
-    <p:custDataLst>
-      <p:tags r:id="rId1"/>
-    </p:custDataLst>
     <p:extLst>
       <p:ext uri="{BB962C8B-B14F-4D97-AF65-F5344CB8AC3E}">
-        <p14:creationId xmlns:p14="http://schemas.microsoft.com/office/powerpoint/2010/main" val="1326361180"/>
+        <p14:creationId xmlns:p14="http://schemas.microsoft.com/office/powerpoint/2010/main" val="3049486648"/>
       </p:ext>
     </p:extLst>
   </p:cSld>
@@ -11277,10 +12605,10 @@
   </p:clrMapOvr>
   <mc:AlternateContent xmlns:mc="http://schemas.openxmlformats.org/markup-compatibility/2006" xmlns:p14="http://schemas.microsoft.com/office/powerpoint/2010/main">
     <mc:Choice Requires="p14">
-      <p:transition spd="slow" p14:dur="2000" advTm="344512"/>
+      <p:transition spd="slow" p14:dur="2000" advTm="109658"/>
     </mc:Choice>
     <mc:Fallback xmlns="">
-      <p:transition xmlns:p14="http://schemas.microsoft.com/office/powerpoint/2010/main" spd="slow" advTm="344512"/>
+      <p:transition xmlns:p14="http://schemas.microsoft.com/office/powerpoint/2010/main" spd="slow" advTm="109658"/>
     </mc:Fallback>
   </mc:AlternateContent>
 </p:sld>
@@ -11518,7 +12846,7 @@
                 <a:latin typeface="Courier New"/>
                 <a:cs typeface="Courier New"/>
               </a:rPr>
-              <a:t> (temperature&gt;37.2)</a:t>
+              <a:t> temperature &gt; 98.6</a:t>
             </a:r>
             <a:r>
               <a:rPr lang="en-US" sz="2400" b="1" dirty="0">
@@ -11560,7 +12888,7 @@
     </p:spTree>
     <p:extLst>
       <p:ext uri="{BB962C8B-B14F-4D97-AF65-F5344CB8AC3E}">
-        <p14:creationId xmlns:p14="http://schemas.microsoft.com/office/powerpoint/2010/main" val="1784227728"/>
+        <p14:creationId xmlns:p14="http://schemas.microsoft.com/office/powerpoint/2010/main" val="704273411"/>
       </p:ext>
     </p:extLst>
   </p:cSld>
@@ -11597,7 +12925,13 @@
       </p:grpSpPr>
       <p:sp>
         <p:nvSpPr>
-          <p:cNvPr id="2" name="Title 1"/>
+          <p:cNvPr id="2" name="Title 1">
+            <a:extLst>
+              <a:ext uri="{FF2B5EF4-FFF2-40B4-BE49-F238E27FC236}">
+                <a16:creationId xmlns:a16="http://schemas.microsoft.com/office/drawing/2014/main" id="{719EE069-C0F9-B587-6DFC-3FBC87AE684F}"/>
+              </a:ext>
+            </a:extLst>
+          </p:cNvPr>
           <p:cNvSpPr>
             <a:spLocks noGrp="1"/>
           </p:cNvSpPr>
@@ -11612,14 +12946,20 @@
           <a:p>
             <a:r>
               <a:rPr lang="en-US" dirty="0"/>
-              <a:t>Defining Functions</a:t>
-            </a:r>
-          </a:p>
-        </p:txBody>
-      </p:sp>
-      <p:sp>
-        <p:nvSpPr>
-          <p:cNvPr id="3" name="Content Placeholder 2"/>
+              <a:t>Live Coding Demo</a:t>
+            </a:r>
+          </a:p>
+        </p:txBody>
+      </p:sp>
+      <p:sp>
+        <p:nvSpPr>
+          <p:cNvPr id="3" name="Content Placeholder 2">
+            <a:extLst>
+              <a:ext uri="{FF2B5EF4-FFF2-40B4-BE49-F238E27FC236}">
+                <a16:creationId xmlns:a16="http://schemas.microsoft.com/office/drawing/2014/main" id="{AE0475D6-C56D-C563-1C93-8F52EA68A476}"/>
+              </a:ext>
+            </a:extLst>
+          </p:cNvPr>
           <p:cNvSpPr>
             <a:spLocks noGrp="1"/>
           </p:cNvSpPr>
@@ -11627,418 +12967,126 @@
             <p:ph idx="1"/>
           </p:nvPr>
         </p:nvSpPr>
-        <p:spPr>
-          <a:xfrm>
-            <a:off x="533400" y="4191001"/>
-            <a:ext cx="11125200" cy="1600200"/>
-          </a:xfrm>
-        </p:spPr>
+        <p:spPr/>
         <p:txBody>
           <a:bodyPr/>
           <a:lstStyle/>
           <a:p>
-            <a:r>
-              <a:rPr lang="en-US" dirty="0"/>
-              <a:t>Abstracts an expression or set of statements to apply to lots of instances of the problem</a:t>
-            </a:r>
-          </a:p>
-          <a:p>
-            <a:r>
-              <a:rPr lang="en-US" dirty="0"/>
-              <a:t>A function should </a:t>
-            </a:r>
-            <a:r>
-              <a:rPr lang="en-US" i="1" dirty="0"/>
-              <a:t>do one thing well</a:t>
-            </a:r>
-          </a:p>
-        </p:txBody>
-      </p:sp>
-      <p:sp>
-        <p:nvSpPr>
-          <p:cNvPr id="16" name="Slide Number Placeholder 5"/>
-          <p:cNvSpPr>
-            <a:spLocks noGrp="1"/>
-          </p:cNvSpPr>
-          <p:nvPr>
-            <p:ph type="sldNum" sz="quarter" idx="12"/>
-          </p:nvPr>
-        </p:nvSpPr>
-        <p:spPr/>
-        <p:txBody>
-          <a:bodyPr/>
-          <a:lstStyle/>
-          <a:p>
-            <a:pPr>
-              <a:defRPr/>
+            <a:pPr marL="0" indent="0">
+              <a:buNone/>
             </a:pPr>
-            <a:fld id="{ACA94121-BA6C-AD43-82C2-DF1F24FE5D9C}" type="slidenum">
-              <a:rPr lang="en-US" smtClean="0"/>
-              <a:pPr>
-                <a:defRPr/>
-              </a:pPr>
-              <a:t>7</a:t>
-            </a:fld>
-            <a:endParaRPr lang="en-US" b="0"/>
-          </a:p>
-        </p:txBody>
-      </p:sp>
-      <p:sp>
-        <p:nvSpPr>
-          <p:cNvPr id="7" name="TextBox 6"/>
-          <p:cNvSpPr txBox="1"/>
-          <p:nvPr/>
-        </p:nvSpPr>
-        <p:spPr>
-          <a:xfrm>
-            <a:off x="5638801" y="2667000"/>
-            <a:ext cx="1921119" cy="523220"/>
-          </a:xfrm>
-          <a:prstGeom prst="rect">
-            <a:avLst/>
-          </a:prstGeom>
-          <a:noFill/>
-        </p:spPr>
-        <p:txBody>
-          <a:bodyPr wrap="none" rtlCol="0">
-            <a:spAutoFit/>
-          </a:bodyPr>
-          <a:lstStyle/>
-          <a:p>
-            <a:r>
-              <a:rPr lang="en-US" sz="2800" dirty="0"/>
-              <a:t>expression</a:t>
-            </a:r>
-          </a:p>
-        </p:txBody>
-      </p:sp>
-      <p:sp>
-        <p:nvSpPr>
-          <p:cNvPr id="8" name="Cloud 7"/>
-          <p:cNvSpPr/>
-          <p:nvPr/>
-        </p:nvSpPr>
-        <p:spPr bwMode="auto">
-          <a:xfrm>
-            <a:off x="4953000" y="2362200"/>
-            <a:ext cx="3505200" cy="1371600"/>
-          </a:xfrm>
-          <a:prstGeom prst="cloud">
-            <a:avLst/>
-          </a:prstGeom>
-          <a:noFill/>
-          <a:ln w="12700" cap="flat" cmpd="sng" algn="ctr">
-            <a:solidFill>
-              <a:schemeClr val="tx1"/>
-            </a:solidFill>
-            <a:prstDash val="solid"/>
-            <a:round/>
-            <a:headEnd type="none" w="sm" len="sm"/>
-            <a:tailEnd type="none" w="sm" len="sm"/>
-          </a:ln>
-          <a:effectLst/>
-        </p:spPr>
-        <p:txBody>
-          <a:bodyPr vert="horz" wrap="square" lIns="91440" tIns="45720" rIns="91440" bIns="45720" numCol="1" rtlCol="0" anchor="t" anchorCtr="0" compatLnSpc="1">
-            <a:prstTxWarp prst="textNoShape">
-              <a:avLst/>
-            </a:prstTxWarp>
-          </a:bodyPr>
-          <a:lstStyle/>
-          <a:p>
-            <a:endParaRPr lang="en-US"/>
-          </a:p>
-        </p:txBody>
-      </p:sp>
-      <p:sp>
-        <p:nvSpPr>
-          <p:cNvPr id="9" name="TextBox 8"/>
-          <p:cNvSpPr txBox="1"/>
-          <p:nvPr/>
-        </p:nvSpPr>
-        <p:spPr>
-          <a:xfrm>
-            <a:off x="3505200" y="1371600"/>
-            <a:ext cx="4724370" cy="369332"/>
-          </a:xfrm>
-          <a:prstGeom prst="rect">
-            <a:avLst/>
-          </a:prstGeom>
-          <a:noFill/>
-        </p:spPr>
-        <p:txBody>
-          <a:bodyPr wrap="none" rtlCol="0">
-            <a:spAutoFit/>
-          </a:bodyPr>
-          <a:lstStyle/>
-          <a:p>
-            <a:r>
-              <a:rPr lang="en-US" b="1" dirty="0" err="1">
-                <a:latin typeface="Courier"/>
-                <a:cs typeface="Courier"/>
+            <a:r>
+              <a:rPr lang="en-US" dirty="0">
+                <a:latin typeface="Source Code Pro" panose="020B0509030403020204" pitchFamily="49" charset="77"/>
               </a:rPr>
-              <a:t>def</a:t>
-            </a:r>
-            <a:r>
-              <a:rPr lang="en-US" dirty="0"/>
-              <a:t> &lt;function name&gt; </a:t>
-            </a:r>
-            <a:r>
-              <a:rPr lang="en-US" b="1" dirty="0">
-                <a:latin typeface="Courier"/>
-                <a:cs typeface="Courier"/>
+              <a:t>course = 'C88C'</a:t>
+            </a:r>
+          </a:p>
+          <a:p>
+            <a:pPr marL="0" indent="0">
+              <a:buNone/>
+            </a:pPr>
+            <a:r>
+              <a:rPr lang="en-US" dirty="0">
+                <a:latin typeface="Source Code Pro" panose="020B0509030403020204" pitchFamily="49" charset="77"/>
               </a:rPr>
-              <a:t>(</a:t>
-            </a:r>
-            <a:r>
-              <a:rPr lang="en-US" dirty="0"/>
-              <a:t>&lt;argument list&gt;</a:t>
-            </a:r>
-            <a:r>
-              <a:rPr lang="en-US" b="1" dirty="0">
-                <a:latin typeface="Courier"/>
-                <a:cs typeface="Courier"/>
+              <a:t>time = '1:00'</a:t>
+            </a:r>
+          </a:p>
+          <a:p>
+            <a:pPr marL="0" indent="0">
+              <a:buNone/>
+            </a:pPr>
+            <a:r>
+              <a:rPr lang="en-US" dirty="0">
+                <a:latin typeface="Source Code Pro" panose="020B0509030403020204" pitchFamily="49" charset="77"/>
               </a:rPr>
-              <a:t>) : </a:t>
-            </a:r>
-          </a:p>
-        </p:txBody>
-      </p:sp>
-      <p:sp>
-        <p:nvSpPr>
-          <p:cNvPr id="10" name="TextBox 9"/>
-          <p:cNvSpPr txBox="1"/>
-          <p:nvPr/>
-        </p:nvSpPr>
-        <p:spPr>
-          <a:xfrm>
-            <a:off x="3962400" y="2819400"/>
-            <a:ext cx="1015798" cy="369332"/>
-          </a:xfrm>
-          <a:prstGeom prst="rect">
-            <a:avLst/>
-          </a:prstGeom>
-          <a:noFill/>
-        </p:spPr>
-        <p:txBody>
-          <a:bodyPr wrap="none" rtlCol="0">
-            <a:spAutoFit/>
-          </a:bodyPr>
-          <a:lstStyle/>
-          <a:p>
-            <a:r>
-              <a:rPr lang="en-US" b="1" dirty="0">
-                <a:latin typeface="Courier"/>
-                <a:cs typeface="Courier"/>
+              <a:t>if time == '1:00':</a:t>
+            </a:r>
+          </a:p>
+          <a:p>
+            <a:pPr marL="0" indent="0">
+              <a:buNone/>
+            </a:pPr>
+            <a:r>
+              <a:rPr lang="en-US" dirty="0">
+                <a:latin typeface="Source Code Pro" panose="020B0509030403020204" pitchFamily="49" charset="77"/>
               </a:rPr>
-              <a:t>return</a:t>
-            </a:r>
-          </a:p>
-        </p:txBody>
-      </p:sp>
-      <p:cxnSp>
-        <p:nvCxnSpPr>
-          <p:cNvPr id="12" name="Straight Arrow Connector 11"/>
-          <p:cNvCxnSpPr/>
-          <p:nvPr/>
-        </p:nvCxnSpPr>
-        <p:spPr bwMode="auto">
-          <a:xfrm>
-            <a:off x="6553200" y="1828800"/>
-            <a:ext cx="0" cy="381000"/>
-          </a:xfrm>
-          <a:prstGeom prst="straightConnector1">
-            <a:avLst/>
-          </a:prstGeom>
-          <a:solidFill>
-            <a:schemeClr val="accent1"/>
-          </a:solidFill>
-          <a:ln w="12700" cap="flat" cmpd="sng" algn="ctr">
-            <a:solidFill>
-              <a:schemeClr val="tx1"/>
-            </a:solidFill>
-            <a:prstDash val="solid"/>
-            <a:round/>
-            <a:headEnd type="none" w="sm" len="sm"/>
-            <a:tailEnd type="arrow"/>
-          </a:ln>
-          <a:effectLst/>
-        </p:spPr>
-      </p:cxnSp>
-      <p:cxnSp>
-        <p:nvCxnSpPr>
-          <p:cNvPr id="13" name="Straight Arrow Connector 12"/>
-          <p:cNvCxnSpPr/>
-          <p:nvPr/>
-        </p:nvCxnSpPr>
-        <p:spPr bwMode="auto">
-          <a:xfrm>
-            <a:off x="7086600" y="1828800"/>
-            <a:ext cx="0" cy="381000"/>
-          </a:xfrm>
-          <a:prstGeom prst="straightConnector1">
-            <a:avLst/>
-          </a:prstGeom>
-          <a:solidFill>
-            <a:schemeClr val="accent1"/>
-          </a:solidFill>
-          <a:ln w="12700" cap="flat" cmpd="sng" algn="ctr">
-            <a:solidFill>
-              <a:schemeClr val="tx1"/>
-            </a:solidFill>
-            <a:prstDash val="solid"/>
-            <a:round/>
-            <a:headEnd type="none" w="sm" len="sm"/>
-            <a:tailEnd type="arrow"/>
-          </a:ln>
-          <a:effectLst/>
-        </p:spPr>
-      </p:cxnSp>
+              <a:t>    print("Go to " + course)</a:t>
+            </a:r>
+          </a:p>
+          <a:p>
+            <a:pPr marL="0" indent="0">
+              <a:buNone/>
+            </a:pPr>
+            <a:r>
+              <a:rPr lang="en-US" dirty="0">
+                <a:latin typeface="Source Code Pro" panose="020B0509030403020204" pitchFamily="49" charset="77"/>
+              </a:rPr>
+              <a:t>else:</a:t>
+            </a:r>
+          </a:p>
+          <a:p>
+            <a:pPr marL="0" indent="0">
+              <a:buNone/>
+            </a:pPr>
+            <a:r>
+              <a:rPr lang="en-US" dirty="0">
+                <a:latin typeface="Source Code Pro" panose="020B0509030403020204" pitchFamily="49" charset="77"/>
+              </a:rPr>
+              <a:t>    print("Go to some other class")</a:t>
+            </a:r>
+          </a:p>
+          <a:p>
+            <a:pPr marL="0" indent="0">
+              <a:buNone/>
+            </a:pPr>
+            <a:endParaRPr lang="en-US" dirty="0">
+              <a:latin typeface="Source Code Pro" panose="020B0509030403020204" pitchFamily="49" charset="77"/>
+            </a:endParaRPr>
+          </a:p>
+          <a:p>
+            <a:pPr marL="0" indent="0">
+              <a:buNone/>
+            </a:pPr>
+            <a:r>
+              <a:rPr lang="en-US" dirty="0">
+                <a:latin typeface="Source Code Pro" panose="020B0509030403020204" pitchFamily="49" charset="77"/>
+              </a:rPr>
+              <a:t> </a:t>
+            </a:r>
+          </a:p>
+          <a:p>
+            <a:pPr marL="0" indent="0">
+              <a:buNone/>
+            </a:pPr>
+            <a:r>
+              <a:rPr lang="en-US" dirty="0">
+                <a:latin typeface="Source Code Pro" panose="020B0509030403020204" pitchFamily="49" charset="77"/>
+              </a:rPr>
+              <a:t>Go to C88C</a:t>
+            </a:r>
+          </a:p>
+          <a:p>
+            <a:pPr marL="0" indent="0">
+              <a:buNone/>
+            </a:pPr>
+            <a:endParaRPr lang="en-US" dirty="0">
+              <a:latin typeface="Source Code Pro" panose="020B0509030403020204" pitchFamily="49" charset="77"/>
+            </a:endParaRPr>
+          </a:p>
+        </p:txBody>
+      </p:sp>
     </p:spTree>
-    <p:custDataLst>
-      <p:tags r:id="rId1"/>
-    </p:custDataLst>
     <p:extLst>
       <p:ext uri="{BB962C8B-B14F-4D97-AF65-F5344CB8AC3E}">
-        <p14:creationId xmlns:p14="http://schemas.microsoft.com/office/powerpoint/2010/main" val="1911288148"/>
+        <p14:creationId xmlns:p14="http://schemas.microsoft.com/office/powerpoint/2010/main" val="2467145110"/>
       </p:ext>
     </p:extLst>
   </p:cSld>
   <p:clrMapOvr>
     <a:masterClrMapping/>
   </p:clrMapOvr>
-  <mc:AlternateContent xmlns:mc="http://schemas.openxmlformats.org/markup-compatibility/2006" xmlns:p14="http://schemas.microsoft.com/office/powerpoint/2010/main">
-    <mc:Choice Requires="p14">
-      <p:transition spd="slow" p14:dur="2000" advTm="344512"/>
-    </mc:Choice>
-    <mc:Fallback xmlns="">
-      <p:transition xmlns:p14="http://schemas.microsoft.com/office/powerpoint/2010/main" spd="slow" advTm="344512"/>
-    </mc:Fallback>
-  </mc:AlternateContent>
-  <p:timing>
-    <p:tnLst>
-      <p:par>
-        <p:cTn id="1" dur="indefinite" restart="never" nodeType="tmRoot">
-          <p:childTnLst>
-            <p:seq concurrent="1" nextAc="seek">
-              <p:cTn id="2" dur="indefinite" nodeType="mainSeq">
-                <p:childTnLst>
-                  <p:par>
-                    <p:cTn id="3" fill="hold">
-                      <p:stCondLst>
-                        <p:cond delay="indefinite"/>
-                      </p:stCondLst>
-                      <p:childTnLst>
-                        <p:par>
-                          <p:cTn id="4" fill="hold">
-                            <p:stCondLst>
-                              <p:cond delay="0"/>
-                            </p:stCondLst>
-                            <p:childTnLst>
-                              <p:par>
-                                <p:cTn id="5" presetID="1" presetClass="entr" presetSubtype="0" fill="hold" grpId="0" nodeType="clickEffect">
-                                  <p:stCondLst>
-                                    <p:cond delay="0"/>
-                                  </p:stCondLst>
-                                  <p:childTnLst>
-                                    <p:set>
-                                      <p:cBhvr>
-                                        <p:cTn id="6" dur="1" fill="hold">
-                                          <p:stCondLst>
-                                            <p:cond delay="0"/>
-                                          </p:stCondLst>
-                                        </p:cTn>
-                                        <p:tgtEl>
-                                          <p:spTgt spid="9"/>
-                                        </p:tgtEl>
-                                        <p:attrNameLst>
-                                          <p:attrName>style.visibility</p:attrName>
-                                        </p:attrNameLst>
-                                      </p:cBhvr>
-                                      <p:to>
-                                        <p:strVal val="visible"/>
-                                      </p:to>
-                                    </p:set>
-                                  </p:childTnLst>
-                                </p:cTn>
-                              </p:par>
-                            </p:childTnLst>
-                          </p:cTn>
-                        </p:par>
-                      </p:childTnLst>
-                    </p:cTn>
-                  </p:par>
-                  <p:par>
-                    <p:cTn id="7" fill="hold">
-                      <p:stCondLst>
-                        <p:cond delay="indefinite"/>
-                      </p:stCondLst>
-                      <p:childTnLst>
-                        <p:par>
-                          <p:cTn id="8" fill="hold">
-                            <p:stCondLst>
-                              <p:cond delay="0"/>
-                            </p:stCondLst>
-                            <p:childTnLst>
-                              <p:par>
-                                <p:cTn id="9" presetID="1" presetClass="entr" presetSubtype="0" fill="hold" grpId="0" nodeType="clickEffect">
-                                  <p:stCondLst>
-                                    <p:cond delay="0"/>
-                                  </p:stCondLst>
-                                  <p:childTnLst>
-                                    <p:set>
-                                      <p:cBhvr>
-                                        <p:cTn id="10" dur="1" fill="hold">
-                                          <p:stCondLst>
-                                            <p:cond delay="0"/>
-                                          </p:stCondLst>
-                                        </p:cTn>
-                                        <p:tgtEl>
-                                          <p:spTgt spid="10"/>
-                                        </p:tgtEl>
-                                        <p:attrNameLst>
-                                          <p:attrName>style.visibility</p:attrName>
-                                        </p:attrNameLst>
-                                      </p:cBhvr>
-                                      <p:to>
-                                        <p:strVal val="visible"/>
-                                      </p:to>
-                                    </p:set>
-                                  </p:childTnLst>
-                                </p:cTn>
-                              </p:par>
-                            </p:childTnLst>
-                          </p:cTn>
-                        </p:par>
-                      </p:childTnLst>
-                    </p:cTn>
-                  </p:par>
-                </p:childTnLst>
-              </p:cTn>
-              <p:prevCondLst>
-                <p:cond evt="onPrev" delay="0">
-                  <p:tgtEl>
-                    <p:sldTgt/>
-                  </p:tgtEl>
-                </p:cond>
-              </p:prevCondLst>
-              <p:nextCondLst>
-                <p:cond evt="onNext" delay="0">
-                  <p:tgtEl>
-                    <p:sldTgt/>
-                  </p:tgtEl>
-                </p:cond>
-              </p:nextCondLst>
-            </p:seq>
-          </p:childTnLst>
-        </p:cTn>
-      </p:par>
-    </p:tnLst>
-    <p:bldLst>
-      <p:bldP spid="9" grpId="0"/>
-      <p:bldP spid="10" grpId="0"/>
-    </p:bldLst>
-  </p:timing>
 </p:sld>
 </file>
 
@@ -12061,92 +13109,61 @@
       </p:grpSpPr>
       <p:sp>
         <p:nvSpPr>
-          <p:cNvPr id="2" name="Title 1"/>
-          <p:cNvSpPr>
-            <a:spLocks noGrp="1"/>
-          </p:cNvSpPr>
-          <p:nvPr>
-            <p:ph type="title"/>
-          </p:nvPr>
-        </p:nvSpPr>
-        <p:spPr/>
-        <p:txBody>
-          <a:bodyPr/>
-          <a:lstStyle/>
-          <a:p>
-            <a:r>
-              <a:rPr lang="en-US" dirty="0"/>
-              <a:t>Functions: Example</a:t>
-            </a:r>
-          </a:p>
-        </p:txBody>
-      </p:sp>
-      <p:sp>
-        <p:nvSpPr>
-          <p:cNvPr id="16" name="Slide Number Placeholder 5"/>
-          <p:cNvSpPr>
-            <a:spLocks noGrp="1"/>
-          </p:cNvSpPr>
-          <p:nvPr>
-            <p:ph type="sldNum" sz="quarter" idx="12"/>
-          </p:nvPr>
-        </p:nvSpPr>
-        <p:spPr/>
-        <p:txBody>
-          <a:bodyPr/>
-          <a:lstStyle/>
-          <a:p>
-            <a:pPr>
-              <a:defRPr/>
-            </a:pPr>
-            <a:fld id="{ACA94121-BA6C-AD43-82C2-DF1F24FE5D9C}" type="slidenum">
-              <a:rPr lang="en-US" smtClean="0"/>
-              <a:pPr>
-                <a:defRPr/>
-              </a:pPr>
-              <a:t>8</a:t>
-            </a:fld>
-            <a:endParaRPr lang="en-US" b="0"/>
-          </a:p>
-        </p:txBody>
-      </p:sp>
-      <p:pic>
-        <p:nvPicPr>
-          <p:cNvPr id="4" name="Picture 3">
+          <p:cNvPr id="7" name="Title 6">
             <a:extLst>
               <a:ext uri="{FF2B5EF4-FFF2-40B4-BE49-F238E27FC236}">
-                <a16:creationId xmlns:a16="http://schemas.microsoft.com/office/drawing/2014/main" id="{E120E648-AE3F-0E40-9BC5-13E601DE17CE}"/>
+                <a16:creationId xmlns:a16="http://schemas.microsoft.com/office/drawing/2014/main" id="{174F684A-21F3-5E4C-BD4A-9318C588BC15}"/>
               </a:ext>
             </a:extLst>
           </p:cNvPr>
-          <p:cNvPicPr>
-            <a:picLocks noChangeAspect="1"/>
-          </p:cNvPicPr>
-          <p:nvPr/>
-        </p:nvPicPr>
-        <p:blipFill>
-          <a:blip r:embed="rId4"/>
-          <a:stretch>
-            <a:fillRect/>
-          </a:stretch>
-        </p:blipFill>
-        <p:spPr>
-          <a:xfrm>
-            <a:off x="1524000" y="1401418"/>
-            <a:ext cx="9144000" cy="4055165"/>
-          </a:xfrm>
-          <a:prstGeom prst="rect">
-            <a:avLst/>
-          </a:prstGeom>
-        </p:spPr>
-      </p:pic>
+          <p:cNvSpPr>
+            <a:spLocks noGrp="1"/>
+          </p:cNvSpPr>
+          <p:nvPr>
+            <p:ph type="ctrTitle"/>
+          </p:nvPr>
+        </p:nvSpPr>
+        <p:spPr/>
+        <p:txBody>
+          <a:bodyPr/>
+          <a:lstStyle/>
+          <a:p>
+            <a:r>
+              <a:rPr lang="en-US" dirty="0"/>
+              <a:t>Python: Definitions and Control</a:t>
+            </a:r>
+          </a:p>
+        </p:txBody>
+      </p:sp>
+      <p:sp>
+        <p:nvSpPr>
+          <p:cNvPr id="11" name="Subtitle 10">
+            <a:extLst>
+              <a:ext uri="{FF2B5EF4-FFF2-40B4-BE49-F238E27FC236}">
+                <a16:creationId xmlns:a16="http://schemas.microsoft.com/office/drawing/2014/main" id="{A5A972AD-FA82-C842-A41E-DD3EC40B1A80}"/>
+              </a:ext>
+            </a:extLst>
+          </p:cNvPr>
+          <p:cNvSpPr>
+            <a:spLocks noGrp="1"/>
+          </p:cNvSpPr>
+          <p:nvPr>
+            <p:ph type="subTitle" idx="1"/>
+          </p:nvPr>
+        </p:nvSpPr>
+        <p:spPr/>
+        <p:txBody>
+          <a:bodyPr/>
+          <a:lstStyle/>
+          <a:p>
+            <a:endParaRPr lang="en-US"/>
+          </a:p>
+        </p:txBody>
+      </p:sp>
     </p:spTree>
-    <p:custDataLst>
-      <p:tags r:id="rId1"/>
-    </p:custDataLst>
     <p:extLst>
       <p:ext uri="{BB962C8B-B14F-4D97-AF65-F5344CB8AC3E}">
-        <p14:creationId xmlns:p14="http://schemas.microsoft.com/office/powerpoint/2010/main" val="2618690185"/>
+        <p14:creationId xmlns:p14="http://schemas.microsoft.com/office/powerpoint/2010/main" val="3982654070"/>
       </p:ext>
     </p:extLst>
   </p:cSld>
@@ -12155,10 +13172,10 @@
   </p:clrMapOvr>
   <mc:AlternateContent xmlns:mc="http://schemas.openxmlformats.org/markup-compatibility/2006" xmlns:p14="http://schemas.microsoft.com/office/powerpoint/2010/main">
     <mc:Choice Requires="p14">
-      <p:transition spd="slow" p14:dur="2000" advTm="344512"/>
+      <p:transition spd="slow" p14:dur="2000" advTm="109658"/>
     </mc:Choice>
     <mc:Fallback xmlns="">
-      <p:transition xmlns:p14="http://schemas.microsoft.com/office/powerpoint/2010/main" spd="slow" advTm="344512"/>
+      <p:transition xmlns:p14="http://schemas.microsoft.com/office/powerpoint/2010/main" spd="slow" advTm="109658"/>
     </mc:Fallback>
   </mc:AlternateContent>
 </p:sld>
@@ -12183,32 +13200,10 @@
       </p:grpSpPr>
       <p:sp>
         <p:nvSpPr>
-          <p:cNvPr id="2" name="Title 1"/>
-          <p:cNvSpPr>
-            <a:spLocks noGrp="1"/>
-          </p:cNvSpPr>
-          <p:nvPr>
-            <p:ph type="title"/>
-          </p:nvPr>
-        </p:nvSpPr>
-        <p:spPr/>
-        <p:txBody>
-          <a:bodyPr/>
-          <a:lstStyle/>
-          <a:p>
-            <a:r>
-              <a:rPr lang="en-US" dirty="0"/>
-              <a:t>How to Write a Good Function</a:t>
-            </a:r>
-          </a:p>
-        </p:txBody>
-      </p:sp>
-      <p:sp>
-        <p:nvSpPr>
-          <p:cNvPr id="7" name="Content Placeholder 2">
+          <p:cNvPr id="4" name="Title 3">
             <a:extLst>
               <a:ext uri="{FF2B5EF4-FFF2-40B4-BE49-F238E27FC236}">
-                <a16:creationId xmlns:a16="http://schemas.microsoft.com/office/drawing/2014/main" id="{BF3DF969-C166-9D4D-B28F-BB02C36B60D8}"/>
+                <a16:creationId xmlns:a16="http://schemas.microsoft.com/office/drawing/2014/main" id="{F0332E47-8859-034E-9529-ED821F9AA4CC}"/>
               </a:ext>
             </a:extLst>
           </p:cNvPr>
@@ -12216,7 +13211,7 @@
             <a:spLocks noGrp="1"/>
           </p:cNvSpPr>
           <p:nvPr>
-            <p:ph idx="1"/>
+            <p:ph type="title"/>
           </p:nvPr>
         </p:nvSpPr>
         <p:spPr/>
@@ -12226,84 +13221,47 @@
           <a:p>
             <a:r>
               <a:rPr lang="en-US" dirty="0"/>
-              <a:t>Give a descriptive name</a:t>
-            </a:r>
-          </a:p>
-          <a:p>
-            <a:pPr lvl="1"/>
-            <a:r>
-              <a:rPr lang="en-US" b="0" dirty="0"/>
-              <a:t>Function names should be lowercase. If necessary, separate words by underscores to improve readability. Names are extremely suggestive!</a:t>
-            </a:r>
-            <a:endParaRPr lang="en-US" dirty="0"/>
-          </a:p>
-          <a:p>
-            <a:r>
-              <a:rPr lang="en-US" dirty="0"/>
-              <a:t>Chose meaningful parameter names</a:t>
-            </a:r>
-          </a:p>
-          <a:p>
-            <a:pPr lvl="1"/>
-            <a:r>
-              <a:rPr lang="en-US" b="0" dirty="0"/>
-              <a:t>Again, names are extremely suggestive.</a:t>
-            </a:r>
-            <a:br>
-              <a:rPr lang="en-US" b="0" dirty="0"/>
-            </a:br>
-            <a:endParaRPr lang="en-US" b="0" dirty="0"/>
-          </a:p>
-          <a:p>
-            <a:r>
-              <a:rPr lang="en-US" dirty="0"/>
-              <a:t>Write the docstring to explain </a:t>
-            </a:r>
-            <a:r>
-              <a:rPr lang="en-US" i="1" dirty="0"/>
-              <a:t>what</a:t>
-            </a:r>
-            <a:r>
-              <a:rPr lang="en-US" dirty="0"/>
-              <a:t> it does</a:t>
-            </a:r>
-          </a:p>
-          <a:p>
-            <a:pPr lvl="1"/>
-            <a:r>
-              <a:rPr lang="en-US" b="0" dirty="0"/>
-              <a:t>What does the function return? What are corner cases for parameters? </a:t>
-            </a:r>
-          </a:p>
-          <a:p>
-            <a:pPr marL="0" indent="0">
-              <a:buNone/>
-            </a:pPr>
-            <a:endParaRPr lang="en-US" dirty="0"/>
-          </a:p>
-          <a:p>
-            <a:r>
-              <a:rPr lang="en-US" dirty="0"/>
-              <a:t>Write </a:t>
-            </a:r>
-            <a:r>
-              <a:rPr lang="en-US" dirty="0" err="1"/>
-              <a:t>doctest</a:t>
-            </a:r>
-            <a:r>
-              <a:rPr lang="en-US" dirty="0"/>
-              <a:t> to show what it should do</a:t>
-            </a:r>
-          </a:p>
-          <a:p>
-            <a:pPr lvl="1"/>
-            <a:r>
-              <a:rPr lang="en-US" dirty="0"/>
-              <a:t>Before </a:t>
-            </a:r>
-            <a:r>
-              <a:rPr lang="en-US" b="0" dirty="0"/>
-              <a:t>you write the implementation.</a:t>
+              <a:t>Learning Objectives</a:t>
+            </a:r>
+          </a:p>
+        </p:txBody>
+      </p:sp>
+      <p:sp>
+        <p:nvSpPr>
+          <p:cNvPr id="7" name="Content Placeholder 6">
+            <a:extLst>
+              <a:ext uri="{FF2B5EF4-FFF2-40B4-BE49-F238E27FC236}">
+                <a16:creationId xmlns:a16="http://schemas.microsoft.com/office/drawing/2014/main" id="{52700D3C-8BCB-524A-8D71-FB5B799DC01C}"/>
+              </a:ext>
+            </a:extLst>
+          </p:cNvPr>
+          <p:cNvSpPr>
+            <a:spLocks noGrp="1"/>
+          </p:cNvSpPr>
+          <p:nvPr>
+            <p:ph idx="1"/>
+          </p:nvPr>
+        </p:nvSpPr>
+        <p:spPr/>
+        <p:txBody>
+          <a:bodyPr/>
+          <a:lstStyle/>
+          <a:p>
+            <a:r>
+              <a:rPr lang="en-US" dirty="0"/>
+              <a:t>Create your own functions.</a:t>
+            </a:r>
+          </a:p>
+          <a:p>
+            <a:r>
+              <a:rPr lang="en-US" dirty="0"/>
+              <a:t>Write a loop to run the same code multiple times</a:t>
+            </a:r>
+          </a:p>
+          <a:p>
+            <a:r>
+              <a:rPr lang="en-US" dirty="0"/>
+              <a:t>Use conditionals to control when a loop stops</a:t>
             </a:r>
           </a:p>
         </p:txBody>
@@ -12337,86 +13295,13 @@
           </a:p>
         </p:txBody>
       </p:sp>
-      <p:sp>
-        <p:nvSpPr>
-          <p:cNvPr id="3" name="Rectangle 2">
-            <a:extLst>
-              <a:ext uri="{FF2B5EF4-FFF2-40B4-BE49-F238E27FC236}">
-                <a16:creationId xmlns:a16="http://schemas.microsoft.com/office/drawing/2014/main" id="{01449EDD-B362-2244-A36B-BEB597D88CEF}"/>
-              </a:ext>
-            </a:extLst>
-          </p:cNvPr>
-          <p:cNvSpPr/>
-          <p:nvPr/>
-        </p:nvSpPr>
-        <p:spPr>
-          <a:xfrm>
-            <a:off x="2508666" y="4572000"/>
-            <a:ext cx="7174667" cy="369332"/>
-          </a:xfrm>
-          <a:prstGeom prst="rect">
-            <a:avLst/>
-          </a:prstGeom>
-        </p:spPr>
-        <p:txBody>
-          <a:bodyPr wrap="square">
-            <a:spAutoFit/>
-          </a:bodyPr>
-          <a:lstStyle/>
-          <a:p>
-            <a:r>
-              <a:rPr lang="en-US" dirty="0">
-                <a:solidFill>
-                  <a:srgbClr val="000000"/>
-                </a:solidFill>
-                <a:latin typeface="Arial" panose="020B0604020202020204" pitchFamily="34" charset="0"/>
-              </a:rPr>
-              <a:t>Python Style Guide: </a:t>
-            </a:r>
-            <a:r>
-              <a:rPr lang="en-US" dirty="0">
-                <a:solidFill>
-                  <a:srgbClr val="FD0128"/>
-                </a:solidFill>
-                <a:latin typeface="Arial" panose="020B0604020202020204" pitchFamily="34" charset="0"/>
-              </a:rPr>
-              <a:t>https://</a:t>
-            </a:r>
-            <a:r>
-              <a:rPr lang="en-US" dirty="0" err="1">
-                <a:solidFill>
-                  <a:srgbClr val="FD0128"/>
-                </a:solidFill>
-                <a:latin typeface="Arial" panose="020B0604020202020204" pitchFamily="34" charset="0"/>
-              </a:rPr>
-              <a:t>www.python.org</a:t>
-            </a:r>
-            <a:r>
-              <a:rPr lang="en-US" dirty="0">
-                <a:solidFill>
-                  <a:srgbClr val="FD0128"/>
-                </a:solidFill>
-                <a:latin typeface="Arial" panose="020B0604020202020204" pitchFamily="34" charset="0"/>
-              </a:rPr>
-              <a:t>/dev/peps/pep-0008</a:t>
-            </a:r>
-            <a:endParaRPr lang="en-US" dirty="0">
-              <a:solidFill>
-                <a:srgbClr val="FD0128"/>
-              </a:solidFill>
-              <a:effectLst/>
-              <a:latin typeface="Arial" panose="020B0604020202020204" pitchFamily="34" charset="0"/>
-            </a:endParaRPr>
-          </a:p>
-        </p:txBody>
-      </p:sp>
     </p:spTree>
     <p:custDataLst>
       <p:tags r:id="rId1"/>
     </p:custDataLst>
     <p:extLst>
       <p:ext uri="{BB962C8B-B14F-4D97-AF65-F5344CB8AC3E}">
-        <p14:creationId xmlns:p14="http://schemas.microsoft.com/office/powerpoint/2010/main" val="1885130317"/>
+        <p14:creationId xmlns:p14="http://schemas.microsoft.com/office/powerpoint/2010/main" val="1326361180"/>
       </p:ext>
     </p:extLst>
   </p:cSld>
@@ -12459,12 +13344,6 @@
 </file>
 
 <file path=ppt/tags/tag5.xml><?xml version="1.0" encoding="utf-8"?>
-<p:tagLst xmlns:a="http://schemas.openxmlformats.org/drawingml/2006/main" xmlns:r="http://schemas.openxmlformats.org/officeDocument/2006/relationships" xmlns:p="http://schemas.openxmlformats.org/presentationml/2006/main">
-  <p:tag name="TIMING" val="|0.8|174.8"/>
-</p:tagLst>
-</file>
-
-<file path=ppt/tags/tag6.xml><?xml version="1.0" encoding="utf-8"?>
 <p:tagLst xmlns:a="http://schemas.openxmlformats.org/drawingml/2006/main" xmlns:r="http://schemas.openxmlformats.org/officeDocument/2006/relationships" xmlns:p="http://schemas.openxmlformats.org/presentationml/2006/main">
   <p:tag name="TIMING" val="|0.8|174.8"/>
 </p:tagLst>

--- a/assets/slides/fa22/03-Loops.pptx
+++ b/assets/slides/fa22/03-Loops.pptx
@@ -7415,7 +7415,19 @@
               <a:rPr lang="en-US" kern="0" dirty="0">
                 <a:latin typeface="Source Code Pro" panose="020B0509030403020204" pitchFamily="49" charset="77"/>
               </a:rPr>
-              <a:t>def max(x, y):</a:t>
+              <a:t>def </a:t>
+            </a:r>
+            <a:r>
+              <a:rPr lang="en-US" kern="0" dirty="0" err="1">
+                <a:latin typeface="Source Code Pro" panose="020B0509030403020204" pitchFamily="49" charset="77"/>
+              </a:rPr>
+              <a:t>print_max</a:t>
+            </a:r>
+            <a:r>
+              <a:rPr lang="en-US" kern="0" dirty="0">
+                <a:latin typeface="Source Code Pro" panose="020B0509030403020204" pitchFamily="49" charset="77"/>
+              </a:rPr>
+              <a:t>(x, y):</a:t>
             </a:r>
           </a:p>
           <a:p>
@@ -7439,7 +7451,7 @@
               <a:rPr lang="en-US" kern="0" dirty="0">
                 <a:latin typeface="Source Code Pro" panose="020B0509030403020204" pitchFamily="49" charset="77"/>
               </a:rPr>
-              <a:t>        return x</a:t>
+              <a:t>        print( x )</a:t>
             </a:r>
           </a:p>
           <a:p>
@@ -7463,7 +7475,7 @@
               <a:rPr lang="en-US" kern="0" dirty="0">
                 <a:latin typeface="Source Code Pro" panose="020B0509030403020204" pitchFamily="49" charset="77"/>
               </a:rPr>
-              <a:t>        return y</a:t>
+              <a:t>        print ( y )</a:t>
             </a:r>
           </a:p>
         </p:txBody>
@@ -13074,6 +13086,38 @@
             <a:endParaRPr lang="en-US" dirty="0">
               <a:latin typeface="Source Code Pro" panose="020B0509030403020204" pitchFamily="49" charset="77"/>
             </a:endParaRPr>
+          </a:p>
+        </p:txBody>
+      </p:sp>
+      <p:sp>
+        <p:nvSpPr>
+          <p:cNvPr id="4" name="TextBox 3">
+            <a:extLst>
+              <a:ext uri="{FF2B5EF4-FFF2-40B4-BE49-F238E27FC236}">
+                <a16:creationId xmlns:a16="http://schemas.microsoft.com/office/drawing/2014/main" id="{63C1F688-59BA-1550-A31B-27087037D2F6}"/>
+              </a:ext>
+            </a:extLst>
+          </p:cNvPr>
+          <p:cNvSpPr txBox="1"/>
+          <p:nvPr/>
+        </p:nvSpPr>
+        <p:spPr>
+          <a:xfrm>
+            <a:off x="8172450" y="3814763"/>
+            <a:ext cx="184731" cy="369332"/>
+          </a:xfrm>
+          <a:prstGeom prst="rect">
+            <a:avLst/>
+          </a:prstGeom>
+          <a:noFill/>
+        </p:spPr>
+        <p:txBody>
+          <a:bodyPr wrap="none" rtlCol="0">
+            <a:spAutoFit/>
+          </a:bodyPr>
+          <a:lstStyle/>
+          <a:p>
+            <a:endParaRPr lang="en-US" dirty="0"/>
           </a:p>
         </p:txBody>
       </p:sp>

--- a/assets/slides/fa22/03-Loops.pptx
+++ b/assets/slides/fa22/03-Loops.pptx
@@ -707,14 +707,14 @@
           </a:ln>
           <a:extLst>
             <a:ext uri="{909E8E84-426E-40dd-AFC4-6F175D3DCCD1}">
-              <a14:hiddenFill xmlns:a14="http://schemas.microsoft.com/office/drawing/2010/main" xmlns="">
+              <a14:hiddenFill xmlns="" xmlns:a14="http://schemas.microsoft.com/office/drawing/2010/main">
                 <a:solidFill>
                   <a:srgbClr val="FFFFFF"/>
                 </a:solidFill>
               </a14:hiddenFill>
             </a:ext>
             <a:ext uri="{91240B29-F687-4f45-9708-019B960494DF}">
-              <a14:hiddenLine xmlns:a14="http://schemas.microsoft.com/office/drawing/2010/main" xmlns="" w="9525">
+              <a14:hiddenLine xmlns="" xmlns:a14="http://schemas.microsoft.com/office/drawing/2010/main" w="9525">
                 <a:solidFill>
                   <a:srgbClr val="000000"/>
                 </a:solidFill>
@@ -782,14 +782,14 @@
           </a:ln>
           <a:extLst>
             <a:ext uri="{909E8E84-426E-40dd-AFC4-6F175D3DCCD1}">
-              <a14:hiddenFill xmlns:a14="http://schemas.microsoft.com/office/drawing/2010/main" xmlns="">
+              <a14:hiddenFill xmlns="" xmlns:a14="http://schemas.microsoft.com/office/drawing/2010/main">
                 <a:solidFill>
                   <a:srgbClr val="FFFFFF"/>
                 </a:solidFill>
               </a14:hiddenFill>
             </a:ext>
             <a:ext uri="{FAA26D3D-D897-4be2-8F04-BA451C77F1D7}">
-              <ma14:placeholderFlag xmlns:ma14="http://schemas.microsoft.com/office/mac/drawingml/2011/main" xmlns="" val="1"/>
+              <ma14:placeholderFlag xmlns="" xmlns:ma14="http://schemas.microsoft.com/office/mac/drawingml/2011/main" val="1"/>
             </a:ext>
           </a:extLst>
         </p:spPr>
@@ -1046,14 +1046,14 @@
           <a:ln/>
           <a:extLst>
             <a:ext uri="{909E8E84-426E-40dd-AFC4-6F175D3DCCD1}">
-              <a14:hiddenFill xmlns="" xmlns:a14="http://schemas.microsoft.com/office/drawing/2010/main">
+              <a14:hiddenFill xmlns:a14="http://schemas.microsoft.com/office/drawing/2010/main" xmlns="">
                 <a:solidFill>
                   <a:srgbClr val="FFFFFF"/>
                 </a:solidFill>
               </a14:hiddenFill>
             </a:ext>
             <a:ext uri="{91240B29-F687-4f45-9708-019B960494DF}">
-              <a14:hiddenLine xmlns="" xmlns:a14="http://schemas.microsoft.com/office/drawing/2010/main" w="9525">
+              <a14:hiddenLine xmlns:a14="http://schemas.microsoft.com/office/drawing/2010/main" xmlns="" w="9525">
                 <a:solidFill>
                   <a:srgbClr val="000000"/>
                 </a:solidFill>
@@ -1221,14 +1221,14 @@
           <a:ln/>
           <a:extLst>
             <a:ext uri="{909E8E84-426E-40dd-AFC4-6F175D3DCCD1}">
-              <a14:hiddenFill xmlns="" xmlns:a14="http://schemas.microsoft.com/office/drawing/2010/main">
+              <a14:hiddenFill xmlns:a14="http://schemas.microsoft.com/office/drawing/2010/main" xmlns="">
                 <a:solidFill>
                   <a:srgbClr val="FFFFFF"/>
                 </a:solidFill>
               </a14:hiddenFill>
             </a:ext>
             <a:ext uri="{91240B29-F687-4f45-9708-019B960494DF}">
-              <a14:hiddenLine xmlns="" xmlns:a14="http://schemas.microsoft.com/office/drawing/2010/main" w="9525">
+              <a14:hiddenLine xmlns:a14="http://schemas.microsoft.com/office/drawing/2010/main" xmlns="" w="9525">
                 <a:solidFill>
                   <a:srgbClr val="000000"/>
                 </a:solidFill>
@@ -1238,7 +1238,7 @@
               </a14:hiddenLine>
             </a:ext>
             <a:ext uri="{FAA26D3D-D897-4be2-8F04-BA451C77F1D7}">
-              <ma14:placeholderFlag xmlns="" xmlns:ma14="http://schemas.microsoft.com/office/mac/drawingml/2011/main" val="1"/>
+              <ma14:placeholderFlag xmlns:ma14="http://schemas.microsoft.com/office/mac/drawingml/2011/main" xmlns="" val="1"/>
             </a:ext>
           </a:extLst>
         </p:spPr>
@@ -1519,14 +1519,14 @@
           <a:ln/>
           <a:extLst>
             <a:ext uri="{909E8E84-426E-40dd-AFC4-6F175D3DCCD1}">
-              <a14:hiddenFill xmlns:a14="http://schemas.microsoft.com/office/drawing/2010/main" xmlns="">
+              <a14:hiddenFill xmlns="" xmlns:a14="http://schemas.microsoft.com/office/drawing/2010/main">
                 <a:solidFill>
                   <a:srgbClr val="FFFFFF"/>
                 </a:solidFill>
               </a14:hiddenFill>
             </a:ext>
             <a:ext uri="{91240B29-F687-4f45-9708-019B960494DF}">
-              <a14:hiddenLine xmlns:a14="http://schemas.microsoft.com/office/drawing/2010/main" xmlns="" w="9525">
+              <a14:hiddenLine xmlns="" xmlns:a14="http://schemas.microsoft.com/office/drawing/2010/main" w="9525">
                 <a:solidFill>
                   <a:srgbClr val="000000"/>
                 </a:solidFill>
@@ -1694,14 +1694,14 @@
           <a:ln/>
           <a:extLst>
             <a:ext uri="{909E8E84-426E-40dd-AFC4-6F175D3DCCD1}">
-              <a14:hiddenFill xmlns:a14="http://schemas.microsoft.com/office/drawing/2010/main" xmlns="">
+              <a14:hiddenFill xmlns="" xmlns:a14="http://schemas.microsoft.com/office/drawing/2010/main">
                 <a:solidFill>
                   <a:srgbClr val="FFFFFF"/>
                 </a:solidFill>
               </a14:hiddenFill>
             </a:ext>
             <a:ext uri="{91240B29-F687-4f45-9708-019B960494DF}">
-              <a14:hiddenLine xmlns:a14="http://schemas.microsoft.com/office/drawing/2010/main" xmlns="" w="9525">
+              <a14:hiddenLine xmlns="" xmlns:a14="http://schemas.microsoft.com/office/drawing/2010/main" w="9525">
                 <a:solidFill>
                   <a:srgbClr val="000000"/>
                 </a:solidFill>
@@ -1711,7 +1711,7 @@
               </a14:hiddenLine>
             </a:ext>
             <a:ext uri="{FAA26D3D-D897-4be2-8F04-BA451C77F1D7}">
-              <ma14:placeholderFlag xmlns:ma14="http://schemas.microsoft.com/office/mac/drawingml/2011/main" xmlns="" val="1"/>
+              <ma14:placeholderFlag xmlns="" xmlns:ma14="http://schemas.microsoft.com/office/mac/drawingml/2011/main" val="1"/>
             </a:ext>
           </a:extLst>
         </p:spPr>
@@ -1772,14 +1772,14 @@
           <a:ln/>
           <a:extLst>
             <a:ext uri="{909E8E84-426E-40dd-AFC4-6F175D3DCCD1}">
-              <a14:hiddenFill xmlns:a14="http://schemas.microsoft.com/office/drawing/2010/main" xmlns="">
+              <a14:hiddenFill xmlns="" xmlns:a14="http://schemas.microsoft.com/office/drawing/2010/main">
                 <a:solidFill>
                   <a:srgbClr val="FFFFFF"/>
                 </a:solidFill>
               </a14:hiddenFill>
             </a:ext>
             <a:ext uri="{91240B29-F687-4f45-9708-019B960494DF}">
-              <a14:hiddenLine xmlns:a14="http://schemas.microsoft.com/office/drawing/2010/main" xmlns="" w="9525">
+              <a14:hiddenLine xmlns="" xmlns:a14="http://schemas.microsoft.com/office/drawing/2010/main" w="9525">
                 <a:solidFill>
                   <a:srgbClr val="000000"/>
                 </a:solidFill>
@@ -1947,14 +1947,14 @@
           <a:ln/>
           <a:extLst>
             <a:ext uri="{909E8E84-426E-40dd-AFC4-6F175D3DCCD1}">
-              <a14:hiddenFill xmlns:a14="http://schemas.microsoft.com/office/drawing/2010/main" xmlns="">
+              <a14:hiddenFill xmlns="" xmlns:a14="http://schemas.microsoft.com/office/drawing/2010/main">
                 <a:solidFill>
                   <a:srgbClr val="FFFFFF"/>
                 </a:solidFill>
               </a14:hiddenFill>
             </a:ext>
             <a:ext uri="{91240B29-F687-4f45-9708-019B960494DF}">
-              <a14:hiddenLine xmlns:a14="http://schemas.microsoft.com/office/drawing/2010/main" xmlns="" w="9525">
+              <a14:hiddenLine xmlns="" xmlns:a14="http://schemas.microsoft.com/office/drawing/2010/main" w="9525">
                 <a:solidFill>
                   <a:srgbClr val="000000"/>
                 </a:solidFill>
@@ -1964,7 +1964,7 @@
               </a14:hiddenLine>
             </a:ext>
             <a:ext uri="{FAA26D3D-D897-4be2-8F04-BA451C77F1D7}">
-              <ma14:placeholderFlag xmlns:ma14="http://schemas.microsoft.com/office/mac/drawingml/2011/main" xmlns="" val="1"/>
+              <ma14:placeholderFlag xmlns="" xmlns:ma14="http://schemas.microsoft.com/office/mac/drawingml/2011/main" val="1"/>
             </a:ext>
           </a:extLst>
         </p:spPr>
@@ -2115,14 +2115,14 @@
           <a:ln/>
           <a:extLst>
             <a:ext uri="{909E8E84-426E-40dd-AFC4-6F175D3DCCD1}">
-              <a14:hiddenFill xmlns:a14="http://schemas.microsoft.com/office/drawing/2010/main" xmlns="">
+              <a14:hiddenFill xmlns="" xmlns:a14="http://schemas.microsoft.com/office/drawing/2010/main">
                 <a:solidFill>
                   <a:srgbClr val="FFFFFF"/>
                 </a:solidFill>
               </a14:hiddenFill>
             </a:ext>
             <a:ext uri="{91240B29-F687-4f45-9708-019B960494DF}">
-              <a14:hiddenLine xmlns:a14="http://schemas.microsoft.com/office/drawing/2010/main" xmlns="" w="9525">
+              <a14:hiddenLine xmlns="" xmlns:a14="http://schemas.microsoft.com/office/drawing/2010/main" w="9525">
                 <a:solidFill>
                   <a:srgbClr val="000000"/>
                 </a:solidFill>
@@ -2290,14 +2290,14 @@
           <a:ln/>
           <a:extLst>
             <a:ext uri="{909E8E84-426E-40dd-AFC4-6F175D3DCCD1}">
-              <a14:hiddenFill xmlns:a14="http://schemas.microsoft.com/office/drawing/2010/main" xmlns="">
+              <a14:hiddenFill xmlns="" xmlns:a14="http://schemas.microsoft.com/office/drawing/2010/main">
                 <a:solidFill>
                   <a:srgbClr val="FFFFFF"/>
                 </a:solidFill>
               </a14:hiddenFill>
             </a:ext>
             <a:ext uri="{91240B29-F687-4f45-9708-019B960494DF}">
-              <a14:hiddenLine xmlns:a14="http://schemas.microsoft.com/office/drawing/2010/main" xmlns="" w="9525">
+              <a14:hiddenLine xmlns="" xmlns:a14="http://schemas.microsoft.com/office/drawing/2010/main" w="9525">
                 <a:solidFill>
                   <a:srgbClr val="000000"/>
                 </a:solidFill>
@@ -2307,7 +2307,7 @@
               </a14:hiddenLine>
             </a:ext>
             <a:ext uri="{FAA26D3D-D897-4be2-8F04-BA451C77F1D7}">
-              <ma14:placeholderFlag xmlns:ma14="http://schemas.microsoft.com/office/mac/drawingml/2011/main" xmlns="" val="1"/>
+              <ma14:placeholderFlag xmlns="" xmlns:ma14="http://schemas.microsoft.com/office/mac/drawingml/2011/main" val="1"/>
             </a:ext>
           </a:extLst>
         </p:spPr>
@@ -2611,14 +2611,14 @@
           <a:ln/>
           <a:extLst>
             <a:ext uri="{909E8E84-426E-40dd-AFC4-6F175D3DCCD1}">
-              <a14:hiddenFill xmlns:a14="http://schemas.microsoft.com/office/drawing/2010/main" xmlns="">
+              <a14:hiddenFill xmlns="" xmlns:a14="http://schemas.microsoft.com/office/drawing/2010/main">
                 <a:solidFill>
                   <a:srgbClr val="FFFFFF"/>
                 </a:solidFill>
               </a14:hiddenFill>
             </a:ext>
             <a:ext uri="{91240B29-F687-4f45-9708-019B960494DF}">
-              <a14:hiddenLine xmlns:a14="http://schemas.microsoft.com/office/drawing/2010/main" xmlns="" w="9525">
+              <a14:hiddenLine xmlns="" xmlns:a14="http://schemas.microsoft.com/office/drawing/2010/main" w="9525">
                 <a:solidFill>
                   <a:srgbClr val="000000"/>
                 </a:solidFill>
@@ -2786,14 +2786,14 @@
           <a:ln/>
           <a:extLst>
             <a:ext uri="{909E8E84-426E-40dd-AFC4-6F175D3DCCD1}">
-              <a14:hiddenFill xmlns:a14="http://schemas.microsoft.com/office/drawing/2010/main" xmlns="">
+              <a14:hiddenFill xmlns="" xmlns:a14="http://schemas.microsoft.com/office/drawing/2010/main">
                 <a:solidFill>
                   <a:srgbClr val="FFFFFF"/>
                 </a:solidFill>
               </a14:hiddenFill>
             </a:ext>
             <a:ext uri="{91240B29-F687-4f45-9708-019B960494DF}">
-              <a14:hiddenLine xmlns:a14="http://schemas.microsoft.com/office/drawing/2010/main" xmlns="" w="9525">
+              <a14:hiddenLine xmlns="" xmlns:a14="http://schemas.microsoft.com/office/drawing/2010/main" w="9525">
                 <a:solidFill>
                   <a:srgbClr val="000000"/>
                 </a:solidFill>
@@ -2803,7 +2803,7 @@
               </a14:hiddenLine>
             </a:ext>
             <a:ext uri="{FAA26D3D-D897-4be2-8F04-BA451C77F1D7}">
-              <ma14:placeholderFlag xmlns:ma14="http://schemas.microsoft.com/office/mac/drawingml/2011/main" xmlns="" val="1"/>
+              <ma14:placeholderFlag xmlns="" xmlns:ma14="http://schemas.microsoft.com/office/mac/drawingml/2011/main" val="1"/>
             </a:ext>
           </a:extLst>
         </p:spPr>
@@ -2876,7 +2876,7 @@
           </a:ln>
           <a:extLst>
             <a:ext uri="{909E8E84-426E-40dd-AFC4-6F175D3DCCD1}">
-              <a14:hiddenFill xmlns:a14="http://schemas.microsoft.com/office/drawing/2010/main" xmlns="">
+              <a14:hiddenFill xmlns="" xmlns:a14="http://schemas.microsoft.com/office/drawing/2010/main">
                 <a:noFill/>
               </a14:hiddenFill>
             </a:ext>
@@ -2917,14 +2917,14 @@
           </a:ln>
           <a:extLst>
             <a:ext uri="{909E8E84-426E-40dd-AFC4-6F175D3DCCD1}">
-              <a14:hiddenFill xmlns:a14="http://schemas.microsoft.com/office/drawing/2010/main" xmlns="">
+              <a14:hiddenFill xmlns="" xmlns:a14="http://schemas.microsoft.com/office/drawing/2010/main">
                 <a:solidFill>
                   <a:srgbClr val="FFFFFF"/>
                 </a:solidFill>
               </a14:hiddenFill>
             </a:ext>
             <a:ext uri="{91240B29-F687-4f45-9708-019B960494DF}">
-              <a14:hiddenLine xmlns:a14="http://schemas.microsoft.com/office/drawing/2010/main" xmlns="" w="9525">
+              <a14:hiddenLine xmlns="" xmlns:a14="http://schemas.microsoft.com/office/drawing/2010/main" w="9525">
                 <a:solidFill>
                   <a:srgbClr val="000000"/>
                 </a:solidFill>
@@ -3070,14 +3070,14 @@
           </a:ln>
           <a:extLst>
             <a:ext uri="{909E8E84-426E-40dd-AFC4-6F175D3DCCD1}">
-              <a14:hiddenFill xmlns:a14="http://schemas.microsoft.com/office/drawing/2010/main" xmlns="">
+              <a14:hiddenFill xmlns="" xmlns:a14="http://schemas.microsoft.com/office/drawing/2010/main">
                 <a:solidFill>
                   <a:srgbClr val="FFFFFF"/>
                 </a:solidFill>
               </a14:hiddenFill>
             </a:ext>
             <a:ext uri="{91240B29-F687-4f45-9708-019B960494DF}">
-              <a14:hiddenLine xmlns:a14="http://schemas.microsoft.com/office/drawing/2010/main" xmlns="" w="9525">
+              <a14:hiddenLine xmlns="" xmlns:a14="http://schemas.microsoft.com/office/drawing/2010/main" w="9525">
                 <a:solidFill>
                   <a:srgbClr val="000000"/>
                 </a:solidFill>
@@ -3087,7 +3087,7 @@
               </a14:hiddenLine>
             </a:ext>
             <a:ext uri="{FAA26D3D-D897-4be2-8F04-BA451C77F1D7}">
-              <ma14:placeholderFlag xmlns:ma14="http://schemas.microsoft.com/office/mac/drawingml/2011/main" xmlns="" val="1"/>
+              <ma14:placeholderFlag xmlns="" xmlns:ma14="http://schemas.microsoft.com/office/mac/drawingml/2011/main" val="1"/>
             </a:ext>
           </a:extLst>
         </p:spPr>
@@ -3425,14 +3425,14 @@
           </a:ln>
           <a:extLst>
             <a:ext uri="{909E8E84-426E-40dd-AFC4-6F175D3DCCD1}">
-              <a14:hiddenFill xmlns:a14="http://schemas.microsoft.com/office/drawing/2010/main" xmlns="">
+              <a14:hiddenFill xmlns="" xmlns:a14="http://schemas.microsoft.com/office/drawing/2010/main">
                 <a:solidFill>
                   <a:srgbClr val="FFFFFF"/>
                 </a:solidFill>
               </a14:hiddenFill>
             </a:ext>
             <a:ext uri="{91240B29-F687-4f45-9708-019B960494DF}">
-              <a14:hiddenLine xmlns:a14="http://schemas.microsoft.com/office/drawing/2010/main" xmlns="" w="9525">
+              <a14:hiddenLine xmlns="" xmlns:a14="http://schemas.microsoft.com/office/drawing/2010/main" w="9525">
                 <a:solidFill>
                   <a:srgbClr val="000000"/>
                 </a:solidFill>
@@ -3442,7 +3442,7 @@
               </a14:hiddenLine>
             </a:ext>
             <a:ext uri="{FAA26D3D-D897-4be2-8F04-BA451C77F1D7}">
-              <ma14:placeholderFlag xmlns:ma14="http://schemas.microsoft.com/office/mac/drawingml/2011/main" xmlns="" val="1"/>
+              <ma14:placeholderFlag xmlns="" xmlns:ma14="http://schemas.microsoft.com/office/mac/drawingml/2011/main" val="1"/>
             </a:ext>
           </a:extLst>
         </p:spPr>
@@ -5838,14 +5838,14 @@
           </a:ln>
           <a:extLst>
             <a:ext uri="{909E8E84-426E-40dd-AFC4-6F175D3DCCD1}">
-              <a14:hiddenFill xmlns:a14="http://schemas.microsoft.com/office/drawing/2010/main" xmlns="">
+              <a14:hiddenFill xmlns="" xmlns:a14="http://schemas.microsoft.com/office/drawing/2010/main">
                 <a:solidFill>
                   <a:srgbClr val="FFFFFF"/>
                 </a:solidFill>
               </a14:hiddenFill>
             </a:ext>
             <a:ext uri="{91240B29-F687-4f45-9708-019B960494DF}">
-              <a14:hiddenLine xmlns:a14="http://schemas.microsoft.com/office/drawing/2010/main" xmlns="" w="9525">
+              <a14:hiddenLine xmlns="" xmlns:a14="http://schemas.microsoft.com/office/drawing/2010/main" w="9525">
                 <a:solidFill>
                   <a:srgbClr val="000000"/>
                 </a:solidFill>
@@ -5855,7 +5855,7 @@
               </a14:hiddenLine>
             </a:ext>
             <a:ext uri="{FAA26D3D-D897-4be2-8F04-BA451C77F1D7}">
-              <ma14:placeholderFlag xmlns:ma14="http://schemas.microsoft.com/office/mac/drawingml/2011/main" xmlns="" val="1"/>
+              <ma14:placeholderFlag xmlns="" xmlns:ma14="http://schemas.microsoft.com/office/mac/drawingml/2011/main" val="1"/>
             </a:ext>
           </a:extLst>
         </p:spPr>
@@ -5899,14 +5899,14 @@
           </a:ln>
           <a:extLst>
             <a:ext uri="{909E8E84-426E-40dd-AFC4-6F175D3DCCD1}">
-              <a14:hiddenFill xmlns:a14="http://schemas.microsoft.com/office/drawing/2010/main" xmlns="">
+              <a14:hiddenFill xmlns="" xmlns:a14="http://schemas.microsoft.com/office/drawing/2010/main">
                 <a:solidFill>
                   <a:srgbClr val="FFFFFF"/>
                 </a:solidFill>
               </a14:hiddenFill>
             </a:ext>
             <a:ext uri="{91240B29-F687-4f45-9708-019B960494DF}">
-              <a14:hiddenLine xmlns:a14="http://schemas.microsoft.com/office/drawing/2010/main" xmlns="" w="9525">
+              <a14:hiddenLine xmlns="" xmlns:a14="http://schemas.microsoft.com/office/drawing/2010/main" w="9525">
                 <a:solidFill>
                   <a:srgbClr val="000000"/>
                 </a:solidFill>
@@ -5916,7 +5916,7 @@
               </a14:hiddenLine>
             </a:ext>
             <a:ext uri="{FAA26D3D-D897-4be2-8F04-BA451C77F1D7}">
-              <ma14:placeholderFlag xmlns:ma14="http://schemas.microsoft.com/office/mac/drawingml/2011/main" xmlns="" val="1"/>
+              <ma14:placeholderFlag xmlns="" xmlns:ma14="http://schemas.microsoft.com/office/mac/drawingml/2011/main" val="1"/>
             </a:ext>
           </a:extLst>
         </p:spPr>
@@ -6021,7 +6021,7 @@
           </a:ln>
           <a:extLst>
             <a:ext uri="{909E8E84-426E-40dd-AFC4-6F175D3DCCD1}">
-              <a14:hiddenFill xmlns:a14="http://schemas.microsoft.com/office/drawing/2010/main" xmlns="">
+              <a14:hiddenFill xmlns="" xmlns:a14="http://schemas.microsoft.com/office/drawing/2010/main">
                 <a:noFill/>
               </a14:hiddenFill>
             </a:ext>
@@ -6062,14 +6062,14 @@
           </a:ln>
           <a:extLst>
             <a:ext uri="{909E8E84-426E-40dd-AFC4-6F175D3DCCD1}">
-              <a14:hiddenFill xmlns:a14="http://schemas.microsoft.com/office/drawing/2010/main" xmlns="">
+              <a14:hiddenFill xmlns="" xmlns:a14="http://schemas.microsoft.com/office/drawing/2010/main">
                 <a:solidFill>
                   <a:srgbClr val="FFFFFF"/>
                 </a:solidFill>
               </a14:hiddenFill>
             </a:ext>
             <a:ext uri="{91240B29-F687-4f45-9708-019B960494DF}">
-              <a14:hiddenLine xmlns:a14="http://schemas.microsoft.com/office/drawing/2010/main" xmlns="" w="9525">
+              <a14:hiddenLine xmlns="" xmlns:a14="http://schemas.microsoft.com/office/drawing/2010/main" w="9525">
                 <a:solidFill>
                   <a:srgbClr val="000000"/>
                 </a:solidFill>
@@ -6109,14 +6109,14 @@
           </a:ln>
           <a:extLst>
             <a:ext uri="{909E8E84-426E-40dd-AFC4-6F175D3DCCD1}">
-              <a14:hiddenFill xmlns:a14="http://schemas.microsoft.com/office/drawing/2010/main" xmlns="">
+              <a14:hiddenFill xmlns="" xmlns:a14="http://schemas.microsoft.com/office/drawing/2010/main">
                 <a:solidFill>
                   <a:srgbClr val="FFFFFF"/>
                 </a:solidFill>
               </a14:hiddenFill>
             </a:ext>
             <a:ext uri="{91240B29-F687-4f45-9708-019B960494DF}">
-              <a14:hiddenLine xmlns:a14="http://schemas.microsoft.com/office/drawing/2010/main" xmlns="" w="9525">
+              <a14:hiddenLine xmlns="" xmlns:a14="http://schemas.microsoft.com/office/drawing/2010/main" w="9525">
                 <a:solidFill>
                   <a:srgbClr val="000000"/>
                 </a:solidFill>
@@ -6126,7 +6126,7 @@
               </a14:hiddenLine>
             </a:ext>
             <a:ext uri="{FAA26D3D-D897-4be2-8F04-BA451C77F1D7}">
-              <ma14:placeholderFlag xmlns:ma14="http://schemas.microsoft.com/office/mac/drawingml/2011/main" xmlns="" val="1"/>
+              <ma14:placeholderFlag xmlns="" xmlns:ma14="http://schemas.microsoft.com/office/mac/drawingml/2011/main" val="1"/>
             </a:ext>
           </a:extLst>
         </p:spPr>
@@ -7195,14 +7195,14 @@
           </a:ln>
           <a:extLst>
             <a:ext uri="{909E8E84-426E-40dd-AFC4-6F175D3DCCD1}">
-              <a14:hiddenFill xmlns:a14="http://schemas.microsoft.com/office/drawing/2010/main" xmlns="">
+              <a14:hiddenFill xmlns="" xmlns:a14="http://schemas.microsoft.com/office/drawing/2010/main">
                 <a:solidFill>
                   <a:srgbClr val="FFFFFF"/>
                 </a:solidFill>
               </a14:hiddenFill>
             </a:ext>
             <a:ext uri="{91240B29-F687-4f45-9708-019B960494DF}">
-              <a14:hiddenLine xmlns:a14="http://schemas.microsoft.com/office/drawing/2010/main" xmlns="" w="9525">
+              <a14:hiddenLine xmlns="" xmlns:a14="http://schemas.microsoft.com/office/drawing/2010/main" w="9525">
                 <a:solidFill>
                   <a:srgbClr val="000000"/>
                 </a:solidFill>
@@ -7212,7 +7212,7 @@
               </a14:hiddenLine>
             </a:ext>
             <a:ext uri="{FAA26D3D-D897-4be2-8F04-BA451C77F1D7}">
-              <ma14:placeholderFlag xmlns:ma14="http://schemas.microsoft.com/office/mac/drawingml/2011/main" xmlns="" val="1"/>
+              <ma14:placeholderFlag xmlns="" xmlns:ma14="http://schemas.microsoft.com/office/mac/drawingml/2011/main" val="1"/>
             </a:ext>
           </a:extLst>
         </p:spPr>
@@ -11742,7 +11742,7 @@
             <a:pPr lvl="1"/>
             <a:r>
               <a:rPr lang="en-US" dirty="0"/>
-              <a:t>lists (next week!)</a:t>
+              <a:t>lists (next!)</a:t>
             </a:r>
           </a:p>
           <a:p>
